--- a/INFO 523 DATA MINING PRESENTATION GROUP 6.pptx
+++ b/INFO 523 DATA MINING PRESENTATION GROUP 6.pptx
@@ -19822,8 +19822,8 @@
         </p:nvSpPr>
         <p:spPr>
           <a:xfrm>
-            <a:off x="3370975" y="2335875"/>
-            <a:ext cx="6225000" cy="5383500"/>
+            <a:off x="2479300" y="2335875"/>
+            <a:ext cx="10248000" cy="6589800"/>
           </a:xfrm>
           <a:prstGeom prst="rect">
             <a:avLst/>
@@ -19839,7 +19839,7 @@
           </a:bodyPr>
           <a:lstStyle/>
           <a:p>
-            <a:pPr indent="-469900" lvl="0" marL="457200" rtl="0" algn="l">
+            <a:pPr indent="-431800" lvl="0" marL="457200" rtl="0" algn="l">
               <a:spcBef>
                 <a:spcPts val="0"/>
               </a:spcBef>
@@ -19849,12 +19849,12 @@
               <a:buClr>
                 <a:srgbClr val="0C234B"/>
               </a:buClr>
-              <a:buSzPts val="3800"/>
+              <a:buSzPts val="3200"/>
               <a:buFont typeface="Montserrat"/>
               <a:buChar char="●"/>
             </a:pPr>
             <a:r>
-              <a:rPr lang="en-US" sz="3800">
+              <a:rPr lang="en-US" sz="3200">
                 <a:solidFill>
                   <a:srgbClr val="0C234B"/>
                 </a:solidFill>
@@ -19863,10 +19863,35 @@
                 <a:cs typeface="Montserrat"/>
                 <a:sym typeface="Montserrat"/>
               </a:rPr>
-              <a:t>The algorithms </a:t>
-            </a:r>
-            <a:r>
-              <a:rPr lang="en-US" sz="3800">
+              <a:t>Clustering algorithms revealed distinct customer segments based on purchasing behavior, enabling targeted marketing strategies and personalized customer experiences.</a:t>
+            </a:r>
+            <a:endParaRPr sz="3200">
+              <a:solidFill>
+                <a:srgbClr val="0C234B"/>
+              </a:solidFill>
+              <a:latin typeface="Montserrat"/>
+              <a:ea typeface="Montserrat"/>
+              <a:cs typeface="Montserrat"/>
+              <a:sym typeface="Montserrat"/>
+            </a:endParaRPr>
+          </a:p>
+          <a:p>
+            <a:pPr indent="-431800" lvl="0" marL="457200" rtl="0" algn="l">
+              <a:spcBef>
+                <a:spcPts val="0"/>
+              </a:spcBef>
+              <a:spcAft>
+                <a:spcPts val="0"/>
+              </a:spcAft>
+              <a:buClr>
+                <a:srgbClr val="0C234B"/>
+              </a:buClr>
+              <a:buSzPts val="3200"/>
+              <a:buFont typeface="Montserrat"/>
+              <a:buChar char="●"/>
+            </a:pPr>
+            <a:r>
+              <a:rPr lang="en-US" sz="3200">
                 <a:solidFill>
                   <a:srgbClr val="0C234B"/>
                 </a:solidFill>
@@ -19875,10 +19900,35 @@
                 <a:cs typeface="Montserrat"/>
                 <a:sym typeface="Montserrat"/>
               </a:rPr>
-              <a:t>implemented</a:t>
-            </a:r>
-            <a:r>
-              <a:rPr lang="en-US" sz="3800">
+              <a:t>Classification models successfully predicted customer purchase probabilities with high accuracy, providing actionable insights for inventory management and sales forecasting.</a:t>
+            </a:r>
+            <a:endParaRPr sz="3200">
+              <a:solidFill>
+                <a:srgbClr val="0C234B"/>
+              </a:solidFill>
+              <a:latin typeface="Montserrat"/>
+              <a:ea typeface="Montserrat"/>
+              <a:cs typeface="Montserrat"/>
+              <a:sym typeface="Montserrat"/>
+            </a:endParaRPr>
+          </a:p>
+          <a:p>
+            <a:pPr indent="-431800" lvl="0" marL="457200" rtl="0" algn="l">
+              <a:spcBef>
+                <a:spcPts val="0"/>
+              </a:spcBef>
+              <a:spcAft>
+                <a:spcPts val="0"/>
+              </a:spcAft>
+              <a:buClr>
+                <a:srgbClr val="0C234B"/>
+              </a:buClr>
+              <a:buSzPts val="3200"/>
+              <a:buFont typeface="Montserrat"/>
+              <a:buChar char="●"/>
+            </a:pPr>
+            <a:r>
+              <a:rPr lang="en-US" sz="3200">
                 <a:solidFill>
                   <a:srgbClr val="0C234B"/>
                 </a:solidFill>
@@ -19887,9 +19937,9 @@
                 <a:cs typeface="Montserrat"/>
                 <a:sym typeface="Montserrat"/>
               </a:rPr>
-              <a:t> have provided a good overall accuracy.</a:t>
-            </a:r>
-            <a:endParaRPr sz="3800">
+              <a:t>Association algorithms uncovered significant product relationships and cross-selling opportunities, revealing strategic insights for product placement and promotional campaigns.</a:t>
+            </a:r>
+            <a:endParaRPr sz="3200">
               <a:solidFill>
                 <a:srgbClr val="0C234B"/>
               </a:solidFill>
@@ -19912,7 +19962,7 @@
             <a:r>
               <a:t/>
             </a:r>
-            <a:endParaRPr sz="3800">
+            <a:endParaRPr sz="3200">
               <a:solidFill>
                 <a:srgbClr val="0C234B"/>
               </a:solidFill>
@@ -20052,8 +20102,8 @@
         </p:blipFill>
         <p:spPr>
           <a:xfrm>
-            <a:off x="10133175" y="2014775"/>
-            <a:ext cx="8154824" cy="6257451"/>
+            <a:off x="12818950" y="4075650"/>
+            <a:ext cx="5469052" cy="4196575"/>
           </a:xfrm>
           <a:prstGeom prst="rect">
             <a:avLst/>

--- a/INFO 523 DATA MINING PRESENTATION GROUP 6.pptx
+++ b/INFO 523 DATA MINING PRESENTATION GROUP 6.pptx
@@ -28,23 +28,35 @@
     <p:sldId id="273" r:id="rId23"/>
     <p:sldId id="274" r:id="rId24"/>
     <p:sldId id="275" r:id="rId25"/>
+    <p:sldId id="276" r:id="rId26"/>
+    <p:sldId id="277" r:id="rId27"/>
+    <p:sldId id="278" r:id="rId28"/>
+    <p:sldId id="279" r:id="rId29"/>
+    <p:sldId id="280" r:id="rId30"/>
   </p:sldIdLst>
   <p:sldSz cy="10287000" cx="18288000"/>
   <p:notesSz cx="18288000" cy="10287000"/>
   <p:embeddedFontLst>
     <p:embeddedFont>
       <p:font typeface="Montserrat SemiBold"/>
-      <p:regular r:id="rId26"/>
-      <p:bold r:id="rId27"/>
-      <p:italic r:id="rId28"/>
-      <p:boldItalic r:id="rId29"/>
+      <p:regular r:id="rId31"/>
+      <p:bold r:id="rId32"/>
+      <p:italic r:id="rId33"/>
+      <p:boldItalic r:id="rId34"/>
+    </p:embeddedFont>
+    <p:embeddedFont>
+      <p:font typeface="Roboto"/>
+      <p:regular r:id="rId35"/>
+      <p:bold r:id="rId36"/>
+      <p:italic r:id="rId37"/>
+      <p:boldItalic r:id="rId38"/>
     </p:embeddedFont>
     <p:embeddedFont>
       <p:font typeface="Montserrat"/>
-      <p:regular r:id="rId30"/>
-      <p:bold r:id="rId31"/>
-      <p:italic r:id="rId32"/>
-      <p:boldItalic r:id="rId33"/>
+      <p:regular r:id="rId39"/>
+      <p:bold r:id="rId40"/>
+      <p:italic r:id="rId41"/>
+      <p:boldItalic r:id="rId42"/>
     </p:embeddedFont>
   </p:embeddedFontLst>
   <p:defaultTextStyle>
@@ -1868,9 +1880,225 @@
               <a:buNone/>
             </a:pPr>
             <a:r>
+              <a:rPr lang="en-US" sz="2000">
+                <a:latin typeface="Montserrat"/>
+                <a:ea typeface="Montserrat"/>
+                <a:cs typeface="Montserrat"/>
+                <a:sym typeface="Montserrat"/>
+              </a:rPr>
+              <a:t>K means clustering is used to group data points based on number of clusters</a:t>
+            </a:r>
+            <a:endParaRPr sz="2000">
+              <a:latin typeface="Montserrat"/>
+              <a:ea typeface="Montserrat"/>
+              <a:cs typeface="Montserrat"/>
+              <a:sym typeface="Montserrat"/>
+            </a:endParaRPr>
+          </a:p>
+          <a:p>
+            <a:pPr indent="0" lvl="0" marL="0" rtl="0" algn="l">
+              <a:spcBef>
+                <a:spcPts val="0"/>
+              </a:spcBef>
+              <a:spcAft>
+                <a:spcPts val="0"/>
+              </a:spcAft>
+              <a:buNone/>
+            </a:pPr>
+            <a:r>
+              <a:rPr lang="en-US" sz="2000">
+                <a:latin typeface="Montserrat"/>
+                <a:ea typeface="Montserrat"/>
+                <a:cs typeface="Montserrat"/>
+                <a:sym typeface="Montserrat"/>
+              </a:rPr>
+              <a:t>The number of clusters decided is 3</a:t>
+            </a:r>
+            <a:endParaRPr sz="2000">
+              <a:latin typeface="Montserrat"/>
+              <a:ea typeface="Montserrat"/>
+              <a:cs typeface="Montserrat"/>
+              <a:sym typeface="Montserrat"/>
+            </a:endParaRPr>
+          </a:p>
+          <a:p>
+            <a:pPr indent="0" lvl="0" marL="0" rtl="0" algn="l">
+              <a:spcBef>
+                <a:spcPts val="0"/>
+              </a:spcBef>
+              <a:spcAft>
+                <a:spcPts val="0"/>
+              </a:spcAft>
+              <a:buNone/>
+            </a:pPr>
+            <a:r>
+              <a:rPr lang="en-US" sz="2000">
+                <a:latin typeface="Montserrat"/>
+                <a:ea typeface="Montserrat"/>
+                <a:cs typeface="Montserrat"/>
+                <a:sym typeface="Montserrat"/>
+              </a:rPr>
+              <a:t>Eucledian distance is used to determine the closeness of points to the centroid</a:t>
+            </a:r>
+            <a:endParaRPr sz="2000">
+              <a:latin typeface="Montserrat"/>
+              <a:ea typeface="Montserrat"/>
+              <a:cs typeface="Montserrat"/>
+              <a:sym typeface="Montserrat"/>
+            </a:endParaRPr>
+          </a:p>
+          <a:p>
+            <a:pPr indent="0" lvl="0" marL="0" rtl="0" algn="l">
+              <a:spcBef>
+                <a:spcPts val="0"/>
+              </a:spcBef>
+              <a:spcAft>
+                <a:spcPts val="0"/>
+              </a:spcAft>
+              <a:buNone/>
+            </a:pPr>
+            <a:r>
+              <a:rPr lang="en-US" sz="2000">
+                <a:latin typeface="Montserrat"/>
+                <a:ea typeface="Montserrat"/>
+                <a:cs typeface="Montserrat"/>
+                <a:sym typeface="Montserrat"/>
+              </a:rPr>
+              <a:t>Since the dataset is very huge, we have sampled only 7000 rows</a:t>
+            </a:r>
+            <a:endParaRPr sz="2000">
+              <a:latin typeface="Montserrat"/>
+              <a:ea typeface="Montserrat"/>
+              <a:cs typeface="Montserrat"/>
+              <a:sym typeface="Montserrat"/>
+            </a:endParaRPr>
+          </a:p>
+          <a:p>
+            <a:pPr indent="0" lvl="0" marL="0" rtl="0" algn="l">
+              <a:spcBef>
+                <a:spcPts val="0"/>
+              </a:spcBef>
+              <a:spcAft>
+                <a:spcPts val="0"/>
+              </a:spcAft>
+              <a:buNone/>
+            </a:pPr>
+            <a:r>
+              <a:rPr lang="en-US" sz="2000">
+                <a:latin typeface="Montserrat"/>
+                <a:ea typeface="Montserrat"/>
+                <a:cs typeface="Montserrat"/>
+                <a:sym typeface="Montserrat"/>
+              </a:rPr>
+              <a:t>So we have a scatter plot here which plots </a:t>
+            </a:r>
+            <a:r>
+              <a:rPr lang="en-US" sz="2000">
+                <a:latin typeface="Montserrat"/>
+                <a:ea typeface="Montserrat"/>
+                <a:cs typeface="Montserrat"/>
+                <a:sym typeface="Montserrat"/>
+              </a:rPr>
+              <a:t>recency against frequency</a:t>
+            </a:r>
+            <a:endParaRPr sz="2000">
+              <a:latin typeface="Montserrat"/>
+              <a:ea typeface="Montserrat"/>
+              <a:cs typeface="Montserrat"/>
+              <a:sym typeface="Montserrat"/>
+            </a:endParaRPr>
+          </a:p>
+          <a:p>
+            <a:pPr indent="0" lvl="0" marL="0" rtl="0" algn="l">
+              <a:spcBef>
+                <a:spcPts val="0"/>
+              </a:spcBef>
+              <a:spcAft>
+                <a:spcPts val="0"/>
+              </a:spcAft>
+              <a:buNone/>
+            </a:pPr>
+            <a:r>
+              <a:rPr lang="en-US" sz="2000">
+                <a:latin typeface="Montserrat"/>
+                <a:ea typeface="Montserrat"/>
+                <a:cs typeface="Montserrat"/>
+                <a:sym typeface="Montserrat"/>
+              </a:rPr>
+              <a:t>Each data point on the scatter plot corresponds to an individual observation</a:t>
+            </a:r>
+            <a:endParaRPr sz="2000">
+              <a:latin typeface="Montserrat"/>
+              <a:ea typeface="Montserrat"/>
+              <a:cs typeface="Montserrat"/>
+              <a:sym typeface="Montserrat"/>
+            </a:endParaRPr>
+          </a:p>
+          <a:p>
+            <a:pPr indent="0" lvl="0" marL="0" rtl="0" algn="l">
+              <a:spcBef>
+                <a:spcPts val="0"/>
+              </a:spcBef>
+              <a:spcAft>
+                <a:spcPts val="0"/>
+              </a:spcAft>
+              <a:buNone/>
+            </a:pPr>
+            <a:r>
+              <a:rPr lang="en-US" sz="2000">
+                <a:latin typeface="Montserrat"/>
+                <a:ea typeface="Montserrat"/>
+                <a:cs typeface="Montserrat"/>
+                <a:sym typeface="Montserrat"/>
+              </a:rPr>
+              <a:t>The k-means algorithm assigns each data point to one of the k clusters. In the scatter plot, the data points colored according to the cluster assignment, here it is red, blue and green</a:t>
+            </a:r>
+            <a:endParaRPr sz="2000">
+              <a:latin typeface="Montserrat"/>
+              <a:ea typeface="Montserrat"/>
+              <a:cs typeface="Montserrat"/>
+              <a:sym typeface="Montserrat"/>
+            </a:endParaRPr>
+          </a:p>
+          <a:p>
+            <a:pPr indent="0" lvl="0" marL="0" rtl="0" algn="l">
+              <a:spcBef>
+                <a:spcPts val="0"/>
+              </a:spcBef>
+              <a:spcAft>
+                <a:spcPts val="0"/>
+              </a:spcAft>
+              <a:buNone/>
+            </a:pPr>
+            <a:r>
               <a:t/>
             </a:r>
-            <a:endParaRPr/>
+            <a:endParaRPr sz="2000">
+              <a:latin typeface="Montserrat"/>
+              <a:ea typeface="Montserrat"/>
+              <a:cs typeface="Montserrat"/>
+              <a:sym typeface="Montserrat"/>
+            </a:endParaRPr>
+          </a:p>
+          <a:p>
+            <a:pPr indent="0" lvl="0" marL="0" rtl="0" algn="l">
+              <a:spcBef>
+                <a:spcPts val="0"/>
+              </a:spcBef>
+              <a:spcAft>
+                <a:spcPts val="0"/>
+              </a:spcAft>
+              <a:buNone/>
+            </a:pPr>
+            <a:r>
+              <a:t/>
+            </a:r>
+            <a:endParaRPr sz="2000">
+              <a:latin typeface="Montserrat"/>
+              <a:ea typeface="Montserrat"/>
+              <a:cs typeface="Montserrat"/>
+              <a:sym typeface="Montserrat"/>
+            </a:endParaRPr>
           </a:p>
         </p:txBody>
       </p:sp>
@@ -1922,7 +2150,7 @@
   <p:cSld>
     <p:spTree>
       <p:nvGrpSpPr>
-        <p:cNvPr id="292" name="Shape 292"/>
+        <p:cNvPr id="291" name="Shape 291"/>
         <p:cNvGrpSpPr/>
         <p:nvPr/>
       </p:nvGrpSpPr>
@@ -1936,7 +2164,42 @@
       </p:grpSpPr>
       <p:sp>
         <p:nvSpPr>
-          <p:cNvPr id="293" name="Google Shape;293;g31e148a63b6_2_48:notes"/>
+          <p:cNvPr id="292" name="Google Shape;292;g31e148a63b6_6_26:notes"/>
+          <p:cNvSpPr/>
+          <p:nvPr>
+            <p:ph idx="2" type="sldImg"/>
+          </p:nvPr>
+        </p:nvSpPr>
+        <p:spPr>
+          <a:xfrm>
+            <a:off x="6057900" y="1285875"/>
+            <a:ext cx="6172200" cy="3471900"/>
+          </a:xfrm>
+          <a:custGeom>
+            <a:rect b="b" l="l" r="r" t="t"/>
+            <a:pathLst>
+              <a:path extrusionOk="0" h="120000" w="120000">
+                <a:moveTo>
+                  <a:pt x="0" y="0"/>
+                </a:moveTo>
+                <a:lnTo>
+                  <a:pt x="120000" y="0"/>
+                </a:lnTo>
+                <a:lnTo>
+                  <a:pt x="120000" y="120000"/>
+                </a:lnTo>
+                <a:lnTo>
+                  <a:pt x="0" y="120000"/>
+                </a:lnTo>
+                <a:close/>
+              </a:path>
+            </a:pathLst>
+          </a:custGeom>
+        </p:spPr>
+      </p:sp>
+      <p:sp>
+        <p:nvSpPr>
+          <p:cNvPr id="293" name="Google Shape;293;g31e148a63b6_6_26:notes"/>
           <p:cNvSpPr txBox="1"/>
           <p:nvPr>
             <p:ph idx="1" type="body"/>
@@ -1967,46 +2230,138 @@
               <a:buNone/>
             </a:pPr>
             <a:r>
+              <a:rPr lang="en-US" sz="2000">
+                <a:latin typeface="Montserrat"/>
+                <a:ea typeface="Montserrat"/>
+                <a:cs typeface="Montserrat"/>
+                <a:sym typeface="Montserrat"/>
+              </a:rPr>
+              <a:t>average silhouette score across all data points provides an overall evaluation of the clustering quality.</a:t>
+            </a:r>
+            <a:endParaRPr sz="2000">
+              <a:latin typeface="Montserrat"/>
+              <a:ea typeface="Montserrat"/>
+              <a:cs typeface="Montserrat"/>
+              <a:sym typeface="Montserrat"/>
+            </a:endParaRPr>
+          </a:p>
+          <a:p>
+            <a:pPr indent="0" lvl="0" marL="0" rtl="0" algn="l">
+              <a:spcBef>
+                <a:spcPts val="0"/>
+              </a:spcBef>
+              <a:spcAft>
+                <a:spcPts val="0"/>
+              </a:spcAft>
+              <a:buNone/>
+            </a:pPr>
+            <a:r>
+              <a:rPr lang="en-US" sz="2000">
+                <a:latin typeface="Montserrat"/>
+                <a:ea typeface="Montserrat"/>
+                <a:cs typeface="Montserrat"/>
+                <a:sym typeface="Montserrat"/>
+              </a:rPr>
+              <a:t>Higher average silhouette scores (closer to 1) suggest well-defined and separated clusters.</a:t>
+            </a:r>
+            <a:endParaRPr sz="2000">
+              <a:latin typeface="Montserrat"/>
+              <a:ea typeface="Montserrat"/>
+              <a:cs typeface="Montserrat"/>
+              <a:sym typeface="Montserrat"/>
+            </a:endParaRPr>
+          </a:p>
+          <a:p>
+            <a:pPr indent="0" lvl="0" marL="0" rtl="0" algn="l">
+              <a:spcBef>
+                <a:spcPts val="0"/>
+              </a:spcBef>
+              <a:spcAft>
+                <a:spcPts val="0"/>
+              </a:spcAft>
+              <a:buNone/>
+            </a:pPr>
+            <a:r>
+              <a:rPr lang="en-US" sz="2000">
+                <a:latin typeface="Montserrat"/>
+                <a:ea typeface="Montserrat"/>
+                <a:cs typeface="Montserrat"/>
+                <a:sym typeface="Montserrat"/>
+              </a:rPr>
+              <a:t>The cluster 1 represented by red color has a few outliers which can be observed</a:t>
+            </a:r>
+            <a:endParaRPr sz="2000">
+              <a:latin typeface="Montserrat"/>
+              <a:ea typeface="Montserrat"/>
+              <a:cs typeface="Montserrat"/>
+              <a:sym typeface="Montserrat"/>
+            </a:endParaRPr>
+          </a:p>
+          <a:p>
+            <a:pPr indent="0" lvl="0" marL="0" rtl="0" algn="l">
+              <a:spcBef>
+                <a:spcPts val="0"/>
+              </a:spcBef>
+              <a:spcAft>
+                <a:spcPts val="0"/>
+              </a:spcAft>
+              <a:buNone/>
+            </a:pPr>
+            <a:r>
               <a:t/>
             </a:r>
-            <a:endParaRPr/>
+            <a:endParaRPr sz="2000">
+              <a:latin typeface="Montserrat"/>
+              <a:ea typeface="Montserrat"/>
+              <a:cs typeface="Montserrat"/>
+              <a:sym typeface="Montserrat"/>
+            </a:endParaRPr>
           </a:p>
         </p:txBody>
       </p:sp>
       <p:sp>
         <p:nvSpPr>
-          <p:cNvPr id="294" name="Google Shape;294;g31e148a63b6_2_48:notes"/>
-          <p:cNvSpPr/>
+          <p:cNvPr id="294" name="Google Shape;294;g31e148a63b6_6_26:notes"/>
+          <p:cNvSpPr txBox="1"/>
           <p:nvPr>
-            <p:ph idx="2" type="sldImg"/>
+            <p:ph idx="12" type="sldNum"/>
           </p:nvPr>
         </p:nvSpPr>
         <p:spPr>
           <a:xfrm>
-            <a:off x="6057900" y="1285875"/>
-            <a:ext cx="6172200" cy="3471900"/>
+            <a:off x="10358438" y="9771063"/>
+            <a:ext cx="7924800" cy="516000"/>
           </a:xfrm>
-          <a:custGeom>
-            <a:rect b="b" l="l" r="r" t="t"/>
-            <a:pathLst>
-              <a:path extrusionOk="0" h="120000" w="120000">
-                <a:moveTo>
-                  <a:pt x="0" y="0"/>
-                </a:moveTo>
-                <a:lnTo>
-                  <a:pt x="120000" y="0"/>
-                </a:lnTo>
-                <a:lnTo>
-                  <a:pt x="120000" y="120000"/>
-                </a:lnTo>
-                <a:lnTo>
-                  <a:pt x="0" y="120000"/>
-                </a:lnTo>
-                <a:close/>
-              </a:path>
-            </a:pathLst>
-          </a:custGeom>
+          <a:prstGeom prst="rect">
+            <a:avLst/>
+          </a:prstGeom>
         </p:spPr>
+        <p:txBody>
+          <a:bodyPr anchorCtr="0" anchor="b" bIns="45700" lIns="91425" spcFirstLastPara="1" rIns="91425" wrap="square" tIns="45700">
+            <a:noAutofit/>
+          </a:bodyPr>
+          <a:lstStyle/>
+          <a:p>
+            <a:pPr indent="0" lvl="0" marL="0" rtl="0" algn="r">
+              <a:spcBef>
+                <a:spcPts val="0"/>
+              </a:spcBef>
+              <a:spcAft>
+                <a:spcPts val="0"/>
+              </a:spcAft>
+              <a:buClr>
+                <a:srgbClr val="000000"/>
+              </a:buClr>
+              <a:buFont typeface="Arial"/>
+              <a:buNone/>
+            </a:pPr>
+            <a:fld id="{00000000-1234-1234-1234-123412341234}" type="slidenum">
+              <a:rPr lang="en-US"/>
+              <a:t>‹#›</a:t>
+            </a:fld>
+            <a:endParaRPr/>
+          </a:p>
+        </p:txBody>
       </p:sp>
     </p:spTree>
   </p:cSld>
@@ -2021,7 +2376,7 @@
   <p:cSld>
     <p:spTree>
       <p:nvGrpSpPr>
-        <p:cNvPr id="301" name="Shape 301"/>
+        <p:cNvPr id="298" name="Shape 298"/>
         <p:cNvGrpSpPr/>
         <p:nvPr/>
       </p:nvGrpSpPr>
@@ -2035,7 +2390,7 @@
       </p:grpSpPr>
       <p:sp>
         <p:nvSpPr>
-          <p:cNvPr id="302" name="Google Shape;302;g31e148a63b6_0_70:notes"/>
+          <p:cNvPr id="299" name="Google Shape;299;g31e148a63b6_2_48:notes"/>
           <p:cNvSpPr txBox="1"/>
           <p:nvPr>
             <p:ph idx="1" type="body"/>
@@ -2066,15 +2421,166 @@
               <a:buNone/>
             </a:pPr>
             <a:r>
-              <a:t/>
-            </a:r>
-            <a:endParaRPr/>
+              <a:rPr lang="en-US" sz="2000">
+                <a:latin typeface="Montserrat"/>
+                <a:ea typeface="Montserrat"/>
+                <a:cs typeface="Montserrat"/>
+                <a:sym typeface="Montserrat"/>
+              </a:rPr>
+              <a:t>Hierarchical</a:t>
+            </a:r>
+            <a:r>
+              <a:rPr lang="en-US" sz="2000">
+                <a:latin typeface="Montserrat"/>
+                <a:ea typeface="Montserrat"/>
+                <a:cs typeface="Montserrat"/>
+                <a:sym typeface="Montserrat"/>
+              </a:rPr>
+              <a:t> clustering doesn not require any assignment of number of clusters as compared to k means clustering</a:t>
+            </a:r>
+            <a:endParaRPr sz="2000">
+              <a:latin typeface="Montserrat"/>
+              <a:ea typeface="Montserrat"/>
+              <a:cs typeface="Montserrat"/>
+              <a:sym typeface="Montserrat"/>
+            </a:endParaRPr>
+          </a:p>
+          <a:p>
+            <a:pPr indent="0" lvl="0" marL="0" rtl="0" algn="l">
+              <a:spcBef>
+                <a:spcPts val="0"/>
+              </a:spcBef>
+              <a:spcAft>
+                <a:spcPts val="0"/>
+              </a:spcAft>
+              <a:buNone/>
+            </a:pPr>
+            <a:r>
+              <a:rPr lang="en-US" sz="2000">
+                <a:latin typeface="Montserrat"/>
+                <a:ea typeface="Montserrat"/>
+                <a:cs typeface="Montserrat"/>
+                <a:sym typeface="Montserrat"/>
+              </a:rPr>
+              <a:t>This clustering can be visualized using dendogram, which is a tree like diagram which shows the relationship between data points and clusters</a:t>
+            </a:r>
+            <a:endParaRPr sz="2000">
+              <a:latin typeface="Montserrat"/>
+              <a:ea typeface="Montserrat"/>
+              <a:cs typeface="Montserrat"/>
+              <a:sym typeface="Montserrat"/>
+            </a:endParaRPr>
+          </a:p>
+          <a:p>
+            <a:pPr indent="0" lvl="0" marL="0" rtl="0" algn="l">
+              <a:spcBef>
+                <a:spcPts val="0"/>
+              </a:spcBef>
+              <a:spcAft>
+                <a:spcPts val="0"/>
+              </a:spcAft>
+              <a:buNone/>
+            </a:pPr>
+            <a:r>
+              <a:rPr lang="en-US" sz="2000">
+                <a:latin typeface="Montserrat"/>
+                <a:ea typeface="Montserrat"/>
+                <a:cs typeface="Montserrat"/>
+                <a:sym typeface="Montserrat"/>
+              </a:rPr>
+              <a:t>The hierarchical clustering is </a:t>
+            </a:r>
+            <a:r>
+              <a:rPr lang="en-US" sz="2000">
+                <a:latin typeface="Montserrat"/>
+                <a:ea typeface="Montserrat"/>
+                <a:cs typeface="Montserrat"/>
+                <a:sym typeface="Montserrat"/>
+              </a:rPr>
+              <a:t>implemented</a:t>
+            </a:r>
+            <a:r>
+              <a:rPr lang="en-US" sz="2000">
+                <a:latin typeface="Montserrat"/>
+                <a:ea typeface="Montserrat"/>
+                <a:cs typeface="Montserrat"/>
+                <a:sym typeface="Montserrat"/>
+              </a:rPr>
+              <a:t> using ward method, which minimizes the variance within clusters</a:t>
+            </a:r>
+            <a:endParaRPr sz="2000">
+              <a:latin typeface="Montserrat"/>
+              <a:ea typeface="Montserrat"/>
+              <a:cs typeface="Montserrat"/>
+              <a:sym typeface="Montserrat"/>
+            </a:endParaRPr>
+          </a:p>
+          <a:p>
+            <a:pPr indent="0" lvl="0" marL="0" rtl="0" algn="l">
+              <a:spcBef>
+                <a:spcPts val="0"/>
+              </a:spcBef>
+              <a:spcAft>
+                <a:spcPts val="0"/>
+              </a:spcAft>
+              <a:buNone/>
+            </a:pPr>
+            <a:r>
+              <a:rPr lang="en-US" sz="2000">
+                <a:latin typeface="Montserrat"/>
+                <a:ea typeface="Montserrat"/>
+                <a:cs typeface="Montserrat"/>
+                <a:sym typeface="Montserrat"/>
+              </a:rPr>
+              <a:t>T</a:t>
+            </a:r>
+            <a:r>
+              <a:rPr lang="en-US" sz="2000">
+                <a:latin typeface="Montserrat"/>
+                <a:ea typeface="Montserrat"/>
+                <a:cs typeface="Montserrat"/>
+                <a:sym typeface="Montserrat"/>
+              </a:rPr>
+              <a:t>he dendrogram starts with each data point as its own cluster, and as you move up the y-axis, the clusters are progressively merged until all the data points are in a single cluster.</a:t>
+            </a:r>
+            <a:endParaRPr sz="2000">
+              <a:latin typeface="Montserrat"/>
+              <a:ea typeface="Montserrat"/>
+              <a:cs typeface="Montserrat"/>
+              <a:sym typeface="Montserrat"/>
+            </a:endParaRPr>
+          </a:p>
+          <a:p>
+            <a:pPr indent="0" lvl="0" marL="0" rtl="0" algn="l">
+              <a:spcBef>
+                <a:spcPts val="0"/>
+              </a:spcBef>
+              <a:spcAft>
+                <a:spcPts val="0"/>
+              </a:spcAft>
+              <a:buNone/>
+            </a:pPr>
+            <a:r>
+              <a:rPr lang="en-US" sz="2000">
+                <a:latin typeface="Montserrat"/>
+                <a:ea typeface="Montserrat"/>
+                <a:cs typeface="Montserrat"/>
+                <a:sym typeface="Montserrat"/>
+              </a:rPr>
+              <a:t>The horizontal lines in the dendrogram represent the clusters, and the vertical lines indicate the distances at which the clusters are merged.</a:t>
+            </a:r>
+            <a:endParaRPr sz="2000">
+              <a:latin typeface="Montserrat"/>
+              <a:ea typeface="Montserrat"/>
+              <a:cs typeface="Montserrat"/>
+              <a:sym typeface="Montserrat"/>
+            </a:endParaRPr>
           </a:p>
         </p:txBody>
       </p:sp>
       <p:sp>
         <p:nvSpPr>
-          <p:cNvPr id="303" name="Google Shape;303;g31e148a63b6_0_70:notes"/>
+          <p:cNvPr id="300" name="Google Shape;300;g31e148a63b6_2_48:notes"/>
           <p:cNvSpPr/>
           <p:nvPr>
             <p:ph idx="2" type="sldImg"/>
@@ -2120,7 +2626,7 @@
   <p:cSld>
     <p:spTree>
       <p:nvGrpSpPr>
-        <p:cNvPr id="311" name="Shape 311"/>
+        <p:cNvPr id="305" name="Shape 305"/>
         <p:cNvGrpSpPr/>
         <p:nvPr/>
       </p:nvGrpSpPr>
@@ -2134,7 +2640,42 @@
       </p:grpSpPr>
       <p:sp>
         <p:nvSpPr>
-          <p:cNvPr id="312" name="Google Shape;312;g31e148a63b6_0_76:notes"/>
+          <p:cNvPr id="306" name="Google Shape;306;g31e148a63b6_6_34:notes"/>
+          <p:cNvSpPr/>
+          <p:nvPr>
+            <p:ph idx="2" type="sldImg"/>
+          </p:nvPr>
+        </p:nvSpPr>
+        <p:spPr>
+          <a:xfrm>
+            <a:off x="6057900" y="1285875"/>
+            <a:ext cx="6172200" cy="3471900"/>
+          </a:xfrm>
+          <a:custGeom>
+            <a:rect b="b" l="l" r="r" t="t"/>
+            <a:pathLst>
+              <a:path extrusionOk="0" h="120000" w="120000">
+                <a:moveTo>
+                  <a:pt x="0" y="0"/>
+                </a:moveTo>
+                <a:lnTo>
+                  <a:pt x="120000" y="0"/>
+                </a:lnTo>
+                <a:lnTo>
+                  <a:pt x="120000" y="120000"/>
+                </a:lnTo>
+                <a:lnTo>
+                  <a:pt x="0" y="120000"/>
+                </a:lnTo>
+                <a:close/>
+              </a:path>
+            </a:pathLst>
+          </a:custGeom>
+        </p:spPr>
+      </p:sp>
+      <p:sp>
+        <p:nvSpPr>
+          <p:cNvPr id="307" name="Google Shape;307;g31e148a63b6_6_34:notes"/>
           <p:cNvSpPr txBox="1"/>
           <p:nvPr>
             <p:ph idx="1" type="body"/>
@@ -2165,46 +2706,192 @@
               <a:buNone/>
             </a:pPr>
             <a:r>
+              <a:rPr lang="en-US" sz="2000">
+                <a:latin typeface="Montserrat"/>
+                <a:ea typeface="Montserrat"/>
+                <a:cs typeface="Montserrat"/>
+                <a:sym typeface="Montserrat"/>
+              </a:rPr>
+              <a:t>So, here cluster 3 represented by blue color has outliers and its </a:t>
+            </a:r>
+            <a:r>
+              <a:rPr lang="en-US" sz="2000">
+                <a:latin typeface="Montserrat"/>
+                <a:ea typeface="Montserrat"/>
+                <a:cs typeface="Montserrat"/>
+                <a:sym typeface="Montserrat"/>
+              </a:rPr>
+              <a:t>silhouette</a:t>
+            </a:r>
+            <a:r>
+              <a:rPr lang="en-US" sz="2000">
+                <a:latin typeface="Montserrat"/>
+                <a:ea typeface="Montserrat"/>
+                <a:cs typeface="Montserrat"/>
+                <a:sym typeface="Montserrat"/>
+              </a:rPr>
+              <a:t> score is low indicating not a good cluster.</a:t>
+            </a:r>
+            <a:endParaRPr sz="2000">
+              <a:latin typeface="Montserrat"/>
+              <a:ea typeface="Montserrat"/>
+              <a:cs typeface="Montserrat"/>
+              <a:sym typeface="Montserrat"/>
+            </a:endParaRPr>
+          </a:p>
+          <a:p>
+            <a:pPr indent="0" lvl="0" marL="0" rtl="0" algn="l">
+              <a:spcBef>
+                <a:spcPts val="0"/>
+              </a:spcBef>
+              <a:spcAft>
+                <a:spcPts val="0"/>
+              </a:spcAft>
+              <a:buNone/>
+            </a:pPr>
+            <a:r>
+              <a:rPr lang="en-US" sz="2000">
+                <a:latin typeface="Montserrat"/>
+                <a:ea typeface="Montserrat"/>
+                <a:cs typeface="Montserrat"/>
+                <a:sym typeface="Montserrat"/>
+              </a:rPr>
+              <a:t>For red cluster, the clustering is better as </a:t>
+            </a:r>
+            <a:r>
+              <a:rPr lang="en-US" sz="2000">
+                <a:latin typeface="Montserrat"/>
+                <a:ea typeface="Montserrat"/>
+                <a:cs typeface="Montserrat"/>
+                <a:sym typeface="Montserrat"/>
+              </a:rPr>
+              <a:t>compared</a:t>
+            </a:r>
+            <a:r>
+              <a:rPr lang="en-US" sz="2000">
+                <a:latin typeface="Montserrat"/>
+                <a:ea typeface="Montserrat"/>
+                <a:cs typeface="Montserrat"/>
+                <a:sym typeface="Montserrat"/>
+              </a:rPr>
+              <a:t> to blue one and it has crossed the threshold level of 0.5</a:t>
+            </a:r>
+            <a:endParaRPr sz="2000">
+              <a:latin typeface="Montserrat"/>
+              <a:ea typeface="Montserrat"/>
+              <a:cs typeface="Montserrat"/>
+              <a:sym typeface="Montserrat"/>
+            </a:endParaRPr>
+          </a:p>
+          <a:p>
+            <a:pPr indent="0" lvl="0" marL="0" rtl="0" algn="l">
+              <a:spcBef>
+                <a:spcPts val="0"/>
+              </a:spcBef>
+              <a:spcAft>
+                <a:spcPts val="0"/>
+              </a:spcAft>
+              <a:buNone/>
+            </a:pPr>
+            <a:r>
+              <a:rPr lang="en-US" sz="2000">
+                <a:latin typeface="Montserrat"/>
+                <a:ea typeface="Montserrat"/>
+                <a:cs typeface="Montserrat"/>
+                <a:sym typeface="Montserrat"/>
+              </a:rPr>
+              <a:t>Green cluster achieves the overall best </a:t>
+            </a:r>
+            <a:r>
+              <a:rPr lang="en-US" sz="2000">
+                <a:latin typeface="Montserrat"/>
+                <a:ea typeface="Montserrat"/>
+                <a:cs typeface="Montserrat"/>
+                <a:sym typeface="Montserrat"/>
+              </a:rPr>
+              <a:t>silhouette</a:t>
+            </a:r>
+            <a:r>
+              <a:rPr lang="en-US" sz="2000">
+                <a:latin typeface="Montserrat"/>
+                <a:ea typeface="Montserrat"/>
+                <a:cs typeface="Montserrat"/>
+                <a:sym typeface="Montserrat"/>
+              </a:rPr>
+              <a:t> score</a:t>
+            </a:r>
+            <a:endParaRPr sz="2000">
+              <a:latin typeface="Montserrat"/>
+              <a:ea typeface="Montserrat"/>
+              <a:cs typeface="Montserrat"/>
+              <a:sym typeface="Montserrat"/>
+            </a:endParaRPr>
+          </a:p>
+          <a:p>
+            <a:pPr indent="0" lvl="0" marL="0" rtl="0" algn="l">
+              <a:spcBef>
+                <a:spcPts val="0"/>
+              </a:spcBef>
+              <a:spcAft>
+                <a:spcPts val="0"/>
+              </a:spcAft>
+              <a:buNone/>
+            </a:pPr>
+            <a:r>
               <a:t/>
             </a:r>
-            <a:endParaRPr/>
+            <a:endParaRPr sz="2000">
+              <a:latin typeface="Montserrat"/>
+              <a:ea typeface="Montserrat"/>
+              <a:cs typeface="Montserrat"/>
+              <a:sym typeface="Montserrat"/>
+            </a:endParaRPr>
           </a:p>
         </p:txBody>
       </p:sp>
       <p:sp>
         <p:nvSpPr>
-          <p:cNvPr id="313" name="Google Shape;313;g31e148a63b6_0_76:notes"/>
-          <p:cNvSpPr/>
+          <p:cNvPr id="308" name="Google Shape;308;g31e148a63b6_6_34:notes"/>
+          <p:cNvSpPr txBox="1"/>
           <p:nvPr>
-            <p:ph idx="2" type="sldImg"/>
+            <p:ph idx="12" type="sldNum"/>
           </p:nvPr>
         </p:nvSpPr>
         <p:spPr>
           <a:xfrm>
-            <a:off x="6057900" y="1285875"/>
-            <a:ext cx="6172200" cy="3471900"/>
+            <a:off x="10358438" y="9771063"/>
+            <a:ext cx="7924800" cy="516000"/>
           </a:xfrm>
-          <a:custGeom>
-            <a:rect b="b" l="l" r="r" t="t"/>
-            <a:pathLst>
-              <a:path extrusionOk="0" h="120000" w="120000">
-                <a:moveTo>
-                  <a:pt x="0" y="0"/>
-                </a:moveTo>
-                <a:lnTo>
-                  <a:pt x="120000" y="0"/>
-                </a:lnTo>
-                <a:lnTo>
-                  <a:pt x="120000" y="120000"/>
-                </a:lnTo>
-                <a:lnTo>
-                  <a:pt x="0" y="120000"/>
-                </a:lnTo>
-                <a:close/>
-              </a:path>
-            </a:pathLst>
-          </a:custGeom>
+          <a:prstGeom prst="rect">
+            <a:avLst/>
+          </a:prstGeom>
         </p:spPr>
+        <p:txBody>
+          <a:bodyPr anchorCtr="0" anchor="b" bIns="45700" lIns="91425" spcFirstLastPara="1" rIns="91425" wrap="square" tIns="45700">
+            <a:noAutofit/>
+          </a:bodyPr>
+          <a:lstStyle/>
+          <a:p>
+            <a:pPr indent="0" lvl="0" marL="0" rtl="0" algn="r">
+              <a:spcBef>
+                <a:spcPts val="0"/>
+              </a:spcBef>
+              <a:spcAft>
+                <a:spcPts val="0"/>
+              </a:spcAft>
+              <a:buClr>
+                <a:srgbClr val="000000"/>
+              </a:buClr>
+              <a:buFont typeface="Arial"/>
+              <a:buNone/>
+            </a:pPr>
+            <a:fld id="{00000000-1234-1234-1234-123412341234}" type="slidenum">
+              <a:rPr lang="en-US"/>
+              <a:t>‹#›</a:t>
+            </a:fld>
+            <a:endParaRPr/>
+          </a:p>
+        </p:txBody>
       </p:sp>
     </p:spTree>
   </p:cSld>
@@ -2219,7 +2906,7 @@
   <p:cSld>
     <p:spTree>
       <p:nvGrpSpPr>
-        <p:cNvPr id="320" name="Shape 320"/>
+        <p:cNvPr id="313" name="Shape 313"/>
         <p:cNvGrpSpPr/>
         <p:nvPr/>
       </p:nvGrpSpPr>
@@ -2233,7 +2920,7 @@
       </p:grpSpPr>
       <p:sp>
         <p:nvSpPr>
-          <p:cNvPr id="321" name="Google Shape;321;g31e148a63b6_0_82:notes"/>
+          <p:cNvPr id="314" name="Google Shape;314;g31e148a63b6_0_70:notes"/>
           <p:cNvSpPr txBox="1"/>
           <p:nvPr>
             <p:ph idx="1" type="body"/>
@@ -2272,7 +2959,7 @@
       </p:sp>
       <p:sp>
         <p:nvSpPr>
-          <p:cNvPr id="322" name="Google Shape;322;g31e148a63b6_0_82:notes"/>
+          <p:cNvPr id="315" name="Google Shape;315;g31e148a63b6_0_70:notes"/>
           <p:cNvSpPr/>
           <p:nvPr>
             <p:ph idx="2" type="sldImg"/>
@@ -2318,7 +3005,7 @@
   <p:cSld>
     <p:spTree>
       <p:nvGrpSpPr>
-        <p:cNvPr id="328" name="Shape 328"/>
+        <p:cNvPr id="322" name="Shape 322"/>
         <p:cNvGrpSpPr/>
         <p:nvPr/>
       </p:nvGrpSpPr>
@@ -2332,7 +3019,42 @@
       </p:grpSpPr>
       <p:sp>
         <p:nvSpPr>
-          <p:cNvPr id="329" name="Google Shape;329;g31e148a63b6_4_4:notes"/>
+          <p:cNvPr id="323" name="Google Shape;323;g31e148a63b6_6_39:notes"/>
+          <p:cNvSpPr/>
+          <p:nvPr>
+            <p:ph idx="2" type="sldImg"/>
+          </p:nvPr>
+        </p:nvSpPr>
+        <p:spPr>
+          <a:xfrm>
+            <a:off x="6057900" y="1285875"/>
+            <a:ext cx="6172200" cy="3471900"/>
+          </a:xfrm>
+          <a:custGeom>
+            <a:rect b="b" l="l" r="r" t="t"/>
+            <a:pathLst>
+              <a:path extrusionOk="0" h="120000" w="120000">
+                <a:moveTo>
+                  <a:pt x="0" y="0"/>
+                </a:moveTo>
+                <a:lnTo>
+                  <a:pt x="120000" y="0"/>
+                </a:lnTo>
+                <a:lnTo>
+                  <a:pt x="120000" y="120000"/>
+                </a:lnTo>
+                <a:lnTo>
+                  <a:pt x="0" y="120000"/>
+                </a:lnTo>
+                <a:close/>
+              </a:path>
+            </a:pathLst>
+          </a:custGeom>
+        </p:spPr>
+      </p:sp>
+      <p:sp>
+        <p:nvSpPr>
+          <p:cNvPr id="324" name="Google Shape;324;g31e148a63b6_6_39:notes"/>
           <p:cNvSpPr txBox="1"/>
           <p:nvPr>
             <p:ph idx="1" type="body"/>
@@ -2371,38 +3093,47 @@
       </p:sp>
       <p:sp>
         <p:nvSpPr>
-          <p:cNvPr id="330" name="Google Shape;330;g31e148a63b6_4_4:notes"/>
-          <p:cNvSpPr/>
+          <p:cNvPr id="325" name="Google Shape;325;g31e148a63b6_6_39:notes"/>
+          <p:cNvSpPr txBox="1"/>
           <p:nvPr>
-            <p:ph idx="2" type="sldImg"/>
+            <p:ph idx="12" type="sldNum"/>
           </p:nvPr>
         </p:nvSpPr>
         <p:spPr>
           <a:xfrm>
-            <a:off x="6057900" y="1285875"/>
-            <a:ext cx="6172200" cy="3471900"/>
+            <a:off x="10358438" y="9771063"/>
+            <a:ext cx="7924800" cy="516000"/>
           </a:xfrm>
-          <a:custGeom>
-            <a:rect b="b" l="l" r="r" t="t"/>
-            <a:pathLst>
-              <a:path extrusionOk="0" h="120000" w="120000">
-                <a:moveTo>
-                  <a:pt x="0" y="0"/>
-                </a:moveTo>
-                <a:lnTo>
-                  <a:pt x="120000" y="0"/>
-                </a:lnTo>
-                <a:lnTo>
-                  <a:pt x="120000" y="120000"/>
-                </a:lnTo>
-                <a:lnTo>
-                  <a:pt x="0" y="120000"/>
-                </a:lnTo>
-                <a:close/>
-              </a:path>
-            </a:pathLst>
-          </a:custGeom>
+          <a:prstGeom prst="rect">
+            <a:avLst/>
+          </a:prstGeom>
         </p:spPr>
+        <p:txBody>
+          <a:bodyPr anchorCtr="0" anchor="b" bIns="45700" lIns="91425" spcFirstLastPara="1" rIns="91425" wrap="square" tIns="45700">
+            <a:noAutofit/>
+          </a:bodyPr>
+          <a:lstStyle/>
+          <a:p>
+            <a:pPr indent="0" lvl="0" marL="0" rtl="0" algn="r">
+              <a:spcBef>
+                <a:spcPts val="0"/>
+              </a:spcBef>
+              <a:spcAft>
+                <a:spcPts val="0"/>
+              </a:spcAft>
+              <a:buClr>
+                <a:srgbClr val="000000"/>
+              </a:buClr>
+              <a:buFont typeface="Arial"/>
+              <a:buNone/>
+            </a:pPr>
+            <a:fld id="{00000000-1234-1234-1234-123412341234}" type="slidenum">
+              <a:rPr lang="en-US"/>
+              <a:t>‹#›</a:t>
+            </a:fld>
+            <a:endParaRPr/>
+          </a:p>
+        </p:txBody>
       </p:sp>
     </p:spTree>
   </p:cSld>
@@ -2417,7 +3148,7 @@
   <p:cSld>
     <p:spTree>
       <p:nvGrpSpPr>
-        <p:cNvPr id="336" name="Shape 336"/>
+        <p:cNvPr id="329" name="Shape 329"/>
         <p:cNvGrpSpPr/>
         <p:nvPr/>
       </p:nvGrpSpPr>
@@ -2431,7 +3162,7 @@
       </p:grpSpPr>
       <p:sp>
         <p:nvSpPr>
-          <p:cNvPr id="337" name="Google Shape;337;g31e148a63b6_0_88:notes"/>
+          <p:cNvPr id="330" name="Google Shape;330;g31e148a63b6_0_76:notes"/>
           <p:cNvSpPr txBox="1"/>
           <p:nvPr>
             <p:ph idx="1" type="body"/>
@@ -2470,7 +3201,7 @@
       </p:sp>
       <p:sp>
         <p:nvSpPr>
-          <p:cNvPr id="338" name="Google Shape;338;g31e148a63b6_0_88:notes"/>
+          <p:cNvPr id="331" name="Google Shape;331;g31e148a63b6_0_76:notes"/>
           <p:cNvSpPr/>
           <p:nvPr>
             <p:ph idx="2" type="sldImg"/>
@@ -2516,7 +3247,7 @@
   <p:cSld>
     <p:spTree>
       <p:nvGrpSpPr>
-        <p:cNvPr id="344" name="Shape 344"/>
+        <p:cNvPr id="338" name="Shape 338"/>
         <p:cNvGrpSpPr/>
         <p:nvPr/>
       </p:nvGrpSpPr>
@@ -2530,7 +3261,42 @@
       </p:grpSpPr>
       <p:sp>
         <p:nvSpPr>
-          <p:cNvPr id="345" name="Google Shape;345;g31e148a63b6_0_94:notes"/>
+          <p:cNvPr id="339" name="Google Shape;339;g31e148a63b6_6_46:notes"/>
+          <p:cNvSpPr/>
+          <p:nvPr>
+            <p:ph idx="2" type="sldImg"/>
+          </p:nvPr>
+        </p:nvSpPr>
+        <p:spPr>
+          <a:xfrm>
+            <a:off x="6057900" y="1285875"/>
+            <a:ext cx="6172200" cy="3471900"/>
+          </a:xfrm>
+          <a:custGeom>
+            <a:rect b="b" l="l" r="r" t="t"/>
+            <a:pathLst>
+              <a:path extrusionOk="0" h="120000" w="120000">
+                <a:moveTo>
+                  <a:pt x="0" y="0"/>
+                </a:moveTo>
+                <a:lnTo>
+                  <a:pt x="120000" y="0"/>
+                </a:lnTo>
+                <a:lnTo>
+                  <a:pt x="120000" y="120000"/>
+                </a:lnTo>
+                <a:lnTo>
+                  <a:pt x="0" y="120000"/>
+                </a:lnTo>
+                <a:close/>
+              </a:path>
+            </a:pathLst>
+          </a:custGeom>
+        </p:spPr>
+      </p:sp>
+      <p:sp>
+        <p:nvSpPr>
+          <p:cNvPr id="340" name="Google Shape;340;g31e148a63b6_6_46:notes"/>
           <p:cNvSpPr txBox="1"/>
           <p:nvPr>
             <p:ph idx="1" type="body"/>
@@ -2569,38 +3335,47 @@
       </p:sp>
       <p:sp>
         <p:nvSpPr>
-          <p:cNvPr id="346" name="Google Shape;346;g31e148a63b6_0_94:notes"/>
-          <p:cNvSpPr/>
+          <p:cNvPr id="341" name="Google Shape;341;g31e148a63b6_6_46:notes"/>
+          <p:cNvSpPr txBox="1"/>
           <p:nvPr>
-            <p:ph idx="2" type="sldImg"/>
+            <p:ph idx="12" type="sldNum"/>
           </p:nvPr>
         </p:nvSpPr>
         <p:spPr>
           <a:xfrm>
-            <a:off x="6057900" y="1285875"/>
-            <a:ext cx="6172200" cy="3471900"/>
+            <a:off x="10358438" y="9771063"/>
+            <a:ext cx="7924800" cy="516000"/>
           </a:xfrm>
-          <a:custGeom>
-            <a:rect b="b" l="l" r="r" t="t"/>
-            <a:pathLst>
-              <a:path extrusionOk="0" h="120000" w="120000">
-                <a:moveTo>
-                  <a:pt x="0" y="0"/>
-                </a:moveTo>
-                <a:lnTo>
-                  <a:pt x="120000" y="0"/>
-                </a:lnTo>
-                <a:lnTo>
-                  <a:pt x="120000" y="120000"/>
-                </a:lnTo>
-                <a:lnTo>
-                  <a:pt x="0" y="120000"/>
-                </a:lnTo>
-                <a:close/>
-              </a:path>
-            </a:pathLst>
-          </a:custGeom>
+          <a:prstGeom prst="rect">
+            <a:avLst/>
+          </a:prstGeom>
         </p:spPr>
+        <p:txBody>
+          <a:bodyPr anchorCtr="0" anchor="b" bIns="45700" lIns="91425" spcFirstLastPara="1" rIns="91425" wrap="square" tIns="45700">
+            <a:noAutofit/>
+          </a:bodyPr>
+          <a:lstStyle/>
+          <a:p>
+            <a:pPr indent="0" lvl="0" marL="0" rtl="0" algn="r">
+              <a:spcBef>
+                <a:spcPts val="0"/>
+              </a:spcBef>
+              <a:spcAft>
+                <a:spcPts val="0"/>
+              </a:spcAft>
+              <a:buClr>
+                <a:srgbClr val="000000"/>
+              </a:buClr>
+              <a:buFont typeface="Arial"/>
+              <a:buNone/>
+            </a:pPr>
+            <a:fld id="{00000000-1234-1234-1234-123412341234}" type="slidenum">
+              <a:rPr lang="en-US"/>
+              <a:t>‹#›</a:t>
+            </a:fld>
+            <a:endParaRPr/>
+          </a:p>
+        </p:txBody>
       </p:sp>
     </p:spTree>
   </p:cSld>
@@ -2660,7 +3435,7 @@
               <a:buNone/>
             </a:pPr>
             <a:r>
-              <a:rPr lang="en-US" sz="1800">
+              <a:rPr lang="en-US" sz="2000">
                 <a:latin typeface="Montserrat"/>
                 <a:ea typeface="Montserrat"/>
                 <a:cs typeface="Montserrat"/>
@@ -2668,7 +3443,7 @@
               </a:rPr>
               <a:t>- The Online Retail Dataset is a transactional dataset that captures sales data from an e-commerce platform.</a:t>
             </a:r>
-            <a:endParaRPr sz="1800">
+            <a:endParaRPr sz="2000">
               <a:latin typeface="Montserrat"/>
               <a:ea typeface="Montserrat"/>
               <a:cs typeface="Montserrat"/>
@@ -2688,7 +3463,7 @@
             <a:r>
               <a:t/>
             </a:r>
-            <a:endParaRPr sz="1800">
+            <a:endParaRPr sz="2000">
               <a:latin typeface="Montserrat"/>
               <a:ea typeface="Montserrat"/>
               <a:cs typeface="Montserrat"/>
@@ -2706,7 +3481,7 @@
               <a:buNone/>
             </a:pPr>
             <a:r>
-              <a:rPr lang="en-US" sz="1800">
+              <a:rPr lang="en-US" sz="2000">
                 <a:latin typeface="Montserrat"/>
                 <a:ea typeface="Montserrat"/>
                 <a:cs typeface="Montserrat"/>
@@ -2714,7 +3489,7 @@
               </a:rPr>
               <a:t>- This dataset provides a comprehensive view of customer purchasing behavior, allowing for in-depth analysis of sales patterns, customer preferences, and product performance.</a:t>
             </a:r>
-            <a:endParaRPr sz="1800">
+            <a:endParaRPr sz="2000">
               <a:latin typeface="Montserrat"/>
               <a:ea typeface="Montserrat"/>
               <a:cs typeface="Montserrat"/>
@@ -2734,7 +3509,7 @@
             <a:r>
               <a:t/>
             </a:r>
-            <a:endParaRPr sz="1800">
+            <a:endParaRPr sz="2000">
               <a:latin typeface="Montserrat"/>
               <a:ea typeface="Montserrat"/>
               <a:cs typeface="Montserrat"/>
@@ -2791,7 +3566,7 @@
   <p:cSld>
     <p:spTree>
       <p:nvGrpSpPr>
-        <p:cNvPr id="352" name="Shape 352"/>
+        <p:cNvPr id="345" name="Shape 345"/>
         <p:cNvGrpSpPr/>
         <p:nvPr/>
       </p:nvGrpSpPr>
@@ -2805,7 +3580,7 @@
       </p:grpSpPr>
       <p:sp>
         <p:nvSpPr>
-          <p:cNvPr id="353" name="Google Shape;353;g31e148a63b6_0_130:notes"/>
+          <p:cNvPr id="346" name="Google Shape;346;g31e148a63b6_0_82:notes"/>
           <p:cNvSpPr txBox="1"/>
           <p:nvPr>
             <p:ph idx="1" type="body"/>
@@ -2844,7 +3619,546 @@
       </p:sp>
       <p:sp>
         <p:nvSpPr>
-          <p:cNvPr id="354" name="Google Shape;354;g31e148a63b6_0_130:notes"/>
+          <p:cNvPr id="347" name="Google Shape;347;g31e148a63b6_0_82:notes"/>
+          <p:cNvSpPr/>
+          <p:nvPr>
+            <p:ph idx="2" type="sldImg"/>
+          </p:nvPr>
+        </p:nvSpPr>
+        <p:spPr>
+          <a:xfrm>
+            <a:off x="6057900" y="1285875"/>
+            <a:ext cx="6172200" cy="3471900"/>
+          </a:xfrm>
+          <a:custGeom>
+            <a:rect b="b" l="l" r="r" t="t"/>
+            <a:pathLst>
+              <a:path extrusionOk="0" h="120000" w="120000">
+                <a:moveTo>
+                  <a:pt x="0" y="0"/>
+                </a:moveTo>
+                <a:lnTo>
+                  <a:pt x="120000" y="0"/>
+                </a:lnTo>
+                <a:lnTo>
+                  <a:pt x="120000" y="120000"/>
+                </a:lnTo>
+                <a:lnTo>
+                  <a:pt x="0" y="120000"/>
+                </a:lnTo>
+                <a:close/>
+              </a:path>
+            </a:pathLst>
+          </a:custGeom>
+        </p:spPr>
+      </p:sp>
+    </p:spTree>
+  </p:cSld>
+  <p:clrMapOvr>
+    <a:masterClrMapping/>
+  </p:clrMapOvr>
+</p:notes>
+</file>
+
+<file path=ppt/notesSlides/notesSlide21.xml><?xml version="1.0" encoding="utf-8"?>
+<p:notes xmlns:a="http://schemas.openxmlformats.org/drawingml/2006/main" xmlns:r="http://schemas.openxmlformats.org/officeDocument/2006/relationships" xmlns:mc="http://schemas.openxmlformats.org/markup-compatibility/2006" xmlns:mv="urn:schemas-microsoft-com:mac:vml" xmlns:p="http://schemas.openxmlformats.org/presentationml/2006/main" xmlns:c="http://schemas.openxmlformats.org/drawingml/2006/chart" xmlns:dgm="http://schemas.openxmlformats.org/drawingml/2006/diagram" xmlns:o="urn:schemas-microsoft-com:office:office" xmlns:v="urn:schemas-microsoft-com:vml" xmlns:pvml="urn:schemas-microsoft-com:office:powerpoint" xmlns:com="http://schemas.openxmlformats.org/drawingml/2006/compatibility" xmlns:p14="http://schemas.microsoft.com/office/powerpoint/2010/main" xmlns:p15="http://schemas.microsoft.com/office/powerpoint/2012/main" xmlns:ahyp="http://schemas.microsoft.com/office/drawing/2018/hyperlinkcolor" showMasterPhAnim="0" showMasterSp="0">
+  <p:cSld>
+    <p:spTree>
+      <p:nvGrpSpPr>
+        <p:cNvPr id="353" name="Shape 353"/>
+        <p:cNvGrpSpPr/>
+        <p:nvPr/>
+      </p:nvGrpSpPr>
+      <p:grpSpPr>
+        <a:xfrm>
+          <a:off x="0" y="0"/>
+          <a:ext cx="0" cy="0"/>
+          <a:chOff x="0" y="0"/>
+          <a:chExt cx="0" cy="0"/>
+        </a:xfrm>
+      </p:grpSpPr>
+      <p:sp>
+        <p:nvSpPr>
+          <p:cNvPr id="354" name="Google Shape;354;g31e148a63b6_4_4:notes"/>
+          <p:cNvSpPr txBox="1"/>
+          <p:nvPr>
+            <p:ph idx="1" type="body"/>
+          </p:nvPr>
+        </p:nvSpPr>
+        <p:spPr>
+          <a:xfrm>
+            <a:off x="1828800" y="4951413"/>
+            <a:ext cx="14630400" cy="4049700"/>
+          </a:xfrm>
+          <a:prstGeom prst="rect">
+            <a:avLst/>
+          </a:prstGeom>
+        </p:spPr>
+        <p:txBody>
+          <a:bodyPr anchorCtr="0" anchor="t" bIns="45700" lIns="91425" spcFirstLastPara="1" rIns="91425" wrap="square" tIns="45700">
+            <a:noAutofit/>
+          </a:bodyPr>
+          <a:lstStyle/>
+          <a:p>
+            <a:pPr indent="0" lvl="0" marL="0" rtl="0" algn="l">
+              <a:spcBef>
+                <a:spcPts val="0"/>
+              </a:spcBef>
+              <a:spcAft>
+                <a:spcPts val="0"/>
+              </a:spcAft>
+              <a:buNone/>
+            </a:pPr>
+            <a:r>
+              <a:t/>
+            </a:r>
+            <a:endParaRPr/>
+          </a:p>
+        </p:txBody>
+      </p:sp>
+      <p:sp>
+        <p:nvSpPr>
+          <p:cNvPr id="355" name="Google Shape;355;g31e148a63b6_4_4:notes"/>
+          <p:cNvSpPr/>
+          <p:nvPr>
+            <p:ph idx="2" type="sldImg"/>
+          </p:nvPr>
+        </p:nvSpPr>
+        <p:spPr>
+          <a:xfrm>
+            <a:off x="6057900" y="1285875"/>
+            <a:ext cx="6172200" cy="3471900"/>
+          </a:xfrm>
+          <a:custGeom>
+            <a:rect b="b" l="l" r="r" t="t"/>
+            <a:pathLst>
+              <a:path extrusionOk="0" h="120000" w="120000">
+                <a:moveTo>
+                  <a:pt x="0" y="0"/>
+                </a:moveTo>
+                <a:lnTo>
+                  <a:pt x="120000" y="0"/>
+                </a:lnTo>
+                <a:lnTo>
+                  <a:pt x="120000" y="120000"/>
+                </a:lnTo>
+                <a:lnTo>
+                  <a:pt x="0" y="120000"/>
+                </a:lnTo>
+                <a:close/>
+              </a:path>
+            </a:pathLst>
+          </a:custGeom>
+        </p:spPr>
+      </p:sp>
+    </p:spTree>
+  </p:cSld>
+  <p:clrMapOvr>
+    <a:masterClrMapping/>
+  </p:clrMapOvr>
+</p:notes>
+</file>
+
+<file path=ppt/notesSlides/notesSlide22.xml><?xml version="1.0" encoding="utf-8"?>
+<p:notes xmlns:a="http://schemas.openxmlformats.org/drawingml/2006/main" xmlns:r="http://schemas.openxmlformats.org/officeDocument/2006/relationships" xmlns:mc="http://schemas.openxmlformats.org/markup-compatibility/2006" xmlns:mv="urn:schemas-microsoft-com:mac:vml" xmlns:p="http://schemas.openxmlformats.org/presentationml/2006/main" xmlns:c="http://schemas.openxmlformats.org/drawingml/2006/chart" xmlns:dgm="http://schemas.openxmlformats.org/drawingml/2006/diagram" xmlns:o="urn:schemas-microsoft-com:office:office" xmlns:v="urn:schemas-microsoft-com:vml" xmlns:pvml="urn:schemas-microsoft-com:office:powerpoint" xmlns:com="http://schemas.openxmlformats.org/drawingml/2006/compatibility" xmlns:p14="http://schemas.microsoft.com/office/powerpoint/2010/main" xmlns:p15="http://schemas.microsoft.com/office/powerpoint/2012/main" xmlns:ahyp="http://schemas.microsoft.com/office/drawing/2018/hyperlinkcolor" showMasterPhAnim="0" showMasterSp="0">
+  <p:cSld>
+    <p:spTree>
+      <p:nvGrpSpPr>
+        <p:cNvPr id="361" name="Shape 361"/>
+        <p:cNvGrpSpPr/>
+        <p:nvPr/>
+      </p:nvGrpSpPr>
+      <p:grpSpPr>
+        <a:xfrm>
+          <a:off x="0" y="0"/>
+          <a:ext cx="0" cy="0"/>
+          <a:chOff x="0" y="0"/>
+          <a:chExt cx="0" cy="0"/>
+        </a:xfrm>
+      </p:grpSpPr>
+      <p:sp>
+        <p:nvSpPr>
+          <p:cNvPr id="362" name="Google Shape;362;g31e148a63b6_0_88:notes"/>
+          <p:cNvSpPr txBox="1"/>
+          <p:nvPr>
+            <p:ph idx="1" type="body"/>
+          </p:nvPr>
+        </p:nvSpPr>
+        <p:spPr>
+          <a:xfrm>
+            <a:off x="1828800" y="4951413"/>
+            <a:ext cx="14630400" cy="4049700"/>
+          </a:xfrm>
+          <a:prstGeom prst="rect">
+            <a:avLst/>
+          </a:prstGeom>
+        </p:spPr>
+        <p:txBody>
+          <a:bodyPr anchorCtr="0" anchor="t" bIns="45700" lIns="91425" spcFirstLastPara="1" rIns="91425" wrap="square" tIns="45700">
+            <a:noAutofit/>
+          </a:bodyPr>
+          <a:lstStyle/>
+          <a:p>
+            <a:pPr indent="0" lvl="0" marL="0" rtl="0" algn="l">
+              <a:spcBef>
+                <a:spcPts val="0"/>
+              </a:spcBef>
+              <a:spcAft>
+                <a:spcPts val="0"/>
+              </a:spcAft>
+              <a:buNone/>
+            </a:pPr>
+            <a:r>
+              <a:t/>
+            </a:r>
+            <a:endParaRPr/>
+          </a:p>
+        </p:txBody>
+      </p:sp>
+      <p:sp>
+        <p:nvSpPr>
+          <p:cNvPr id="363" name="Google Shape;363;g31e148a63b6_0_88:notes"/>
+          <p:cNvSpPr/>
+          <p:nvPr>
+            <p:ph idx="2" type="sldImg"/>
+          </p:nvPr>
+        </p:nvSpPr>
+        <p:spPr>
+          <a:xfrm>
+            <a:off x="6057900" y="1285875"/>
+            <a:ext cx="6172200" cy="3471900"/>
+          </a:xfrm>
+          <a:custGeom>
+            <a:rect b="b" l="l" r="r" t="t"/>
+            <a:pathLst>
+              <a:path extrusionOk="0" h="120000" w="120000">
+                <a:moveTo>
+                  <a:pt x="0" y="0"/>
+                </a:moveTo>
+                <a:lnTo>
+                  <a:pt x="120000" y="0"/>
+                </a:lnTo>
+                <a:lnTo>
+                  <a:pt x="120000" y="120000"/>
+                </a:lnTo>
+                <a:lnTo>
+                  <a:pt x="0" y="120000"/>
+                </a:lnTo>
+                <a:close/>
+              </a:path>
+            </a:pathLst>
+          </a:custGeom>
+        </p:spPr>
+      </p:sp>
+    </p:spTree>
+  </p:cSld>
+  <p:clrMapOvr>
+    <a:masterClrMapping/>
+  </p:clrMapOvr>
+</p:notes>
+</file>
+
+<file path=ppt/notesSlides/notesSlide23.xml><?xml version="1.0" encoding="utf-8"?>
+<p:notes xmlns:a="http://schemas.openxmlformats.org/drawingml/2006/main" xmlns:r="http://schemas.openxmlformats.org/officeDocument/2006/relationships" xmlns:mc="http://schemas.openxmlformats.org/markup-compatibility/2006" xmlns:mv="urn:schemas-microsoft-com:mac:vml" xmlns:p="http://schemas.openxmlformats.org/presentationml/2006/main" xmlns:c="http://schemas.openxmlformats.org/drawingml/2006/chart" xmlns:dgm="http://schemas.openxmlformats.org/drawingml/2006/diagram" xmlns:o="urn:schemas-microsoft-com:office:office" xmlns:v="urn:schemas-microsoft-com:vml" xmlns:pvml="urn:schemas-microsoft-com:office:powerpoint" xmlns:com="http://schemas.openxmlformats.org/drawingml/2006/compatibility" xmlns:p14="http://schemas.microsoft.com/office/powerpoint/2010/main" xmlns:p15="http://schemas.microsoft.com/office/powerpoint/2012/main" xmlns:ahyp="http://schemas.microsoft.com/office/drawing/2018/hyperlinkcolor" showMasterPhAnim="0" showMasterSp="0">
+  <p:cSld>
+    <p:spTree>
+      <p:nvGrpSpPr>
+        <p:cNvPr id="369" name="Shape 369"/>
+        <p:cNvGrpSpPr/>
+        <p:nvPr/>
+      </p:nvGrpSpPr>
+      <p:grpSpPr>
+        <a:xfrm>
+          <a:off x="0" y="0"/>
+          <a:ext cx="0" cy="0"/>
+          <a:chOff x="0" y="0"/>
+          <a:chExt cx="0" cy="0"/>
+        </a:xfrm>
+      </p:grpSpPr>
+      <p:sp>
+        <p:nvSpPr>
+          <p:cNvPr id="370" name="Google Shape;370;g31e148a63b6_6_6:notes"/>
+          <p:cNvSpPr/>
+          <p:nvPr>
+            <p:ph idx="2" type="sldImg"/>
+          </p:nvPr>
+        </p:nvSpPr>
+        <p:spPr>
+          <a:xfrm>
+            <a:off x="6057900" y="1285875"/>
+            <a:ext cx="6172200" cy="3471900"/>
+          </a:xfrm>
+          <a:custGeom>
+            <a:rect b="b" l="l" r="r" t="t"/>
+            <a:pathLst>
+              <a:path extrusionOk="0" h="120000" w="120000">
+                <a:moveTo>
+                  <a:pt x="0" y="0"/>
+                </a:moveTo>
+                <a:lnTo>
+                  <a:pt x="120000" y="0"/>
+                </a:lnTo>
+                <a:lnTo>
+                  <a:pt x="120000" y="120000"/>
+                </a:lnTo>
+                <a:lnTo>
+                  <a:pt x="0" y="120000"/>
+                </a:lnTo>
+                <a:close/>
+              </a:path>
+            </a:pathLst>
+          </a:custGeom>
+        </p:spPr>
+      </p:sp>
+      <p:sp>
+        <p:nvSpPr>
+          <p:cNvPr id="371" name="Google Shape;371;g31e148a63b6_6_6:notes"/>
+          <p:cNvSpPr txBox="1"/>
+          <p:nvPr>
+            <p:ph idx="1" type="body"/>
+          </p:nvPr>
+        </p:nvSpPr>
+        <p:spPr>
+          <a:xfrm>
+            <a:off x="1828800" y="4951413"/>
+            <a:ext cx="14630400" cy="4049700"/>
+          </a:xfrm>
+          <a:prstGeom prst="rect">
+            <a:avLst/>
+          </a:prstGeom>
+        </p:spPr>
+        <p:txBody>
+          <a:bodyPr anchorCtr="0" anchor="t" bIns="45700" lIns="91425" spcFirstLastPara="1" rIns="91425" wrap="square" tIns="45700">
+            <a:noAutofit/>
+          </a:bodyPr>
+          <a:lstStyle/>
+          <a:p>
+            <a:pPr indent="0" lvl="0" marL="0" rtl="0" algn="l">
+              <a:spcBef>
+                <a:spcPts val="0"/>
+              </a:spcBef>
+              <a:spcAft>
+                <a:spcPts val="0"/>
+              </a:spcAft>
+              <a:buNone/>
+            </a:pPr>
+            <a:r>
+              <a:t/>
+            </a:r>
+            <a:endParaRPr/>
+          </a:p>
+        </p:txBody>
+      </p:sp>
+      <p:sp>
+        <p:nvSpPr>
+          <p:cNvPr id="372" name="Google Shape;372;g31e148a63b6_6_6:notes"/>
+          <p:cNvSpPr txBox="1"/>
+          <p:nvPr>
+            <p:ph idx="12" type="sldNum"/>
+          </p:nvPr>
+        </p:nvSpPr>
+        <p:spPr>
+          <a:xfrm>
+            <a:off x="10358438" y="9771063"/>
+            <a:ext cx="7924800" cy="516000"/>
+          </a:xfrm>
+          <a:prstGeom prst="rect">
+            <a:avLst/>
+          </a:prstGeom>
+        </p:spPr>
+        <p:txBody>
+          <a:bodyPr anchorCtr="0" anchor="b" bIns="45700" lIns="91425" spcFirstLastPara="1" rIns="91425" wrap="square" tIns="45700">
+            <a:noAutofit/>
+          </a:bodyPr>
+          <a:lstStyle/>
+          <a:p>
+            <a:pPr indent="0" lvl="0" marL="0" rtl="0" algn="r">
+              <a:spcBef>
+                <a:spcPts val="0"/>
+              </a:spcBef>
+              <a:spcAft>
+                <a:spcPts val="0"/>
+              </a:spcAft>
+              <a:buClr>
+                <a:srgbClr val="000000"/>
+              </a:buClr>
+              <a:buFont typeface="Arial"/>
+              <a:buNone/>
+            </a:pPr>
+            <a:fld id="{00000000-1234-1234-1234-123412341234}" type="slidenum">
+              <a:rPr lang="en-US"/>
+              <a:t>‹#›</a:t>
+            </a:fld>
+            <a:endParaRPr/>
+          </a:p>
+        </p:txBody>
+      </p:sp>
+    </p:spTree>
+  </p:cSld>
+  <p:clrMapOvr>
+    <a:masterClrMapping/>
+  </p:clrMapOvr>
+</p:notes>
+</file>
+
+<file path=ppt/notesSlides/notesSlide24.xml><?xml version="1.0" encoding="utf-8"?>
+<p:notes xmlns:a="http://schemas.openxmlformats.org/drawingml/2006/main" xmlns:r="http://schemas.openxmlformats.org/officeDocument/2006/relationships" xmlns:mc="http://schemas.openxmlformats.org/markup-compatibility/2006" xmlns:mv="urn:schemas-microsoft-com:mac:vml" xmlns:p="http://schemas.openxmlformats.org/presentationml/2006/main" xmlns:c="http://schemas.openxmlformats.org/drawingml/2006/chart" xmlns:dgm="http://schemas.openxmlformats.org/drawingml/2006/diagram" xmlns:o="urn:schemas-microsoft-com:office:office" xmlns:v="urn:schemas-microsoft-com:vml" xmlns:pvml="urn:schemas-microsoft-com:office:powerpoint" xmlns:com="http://schemas.openxmlformats.org/drawingml/2006/compatibility" xmlns:p14="http://schemas.microsoft.com/office/powerpoint/2010/main" xmlns:p15="http://schemas.microsoft.com/office/powerpoint/2012/main" xmlns:ahyp="http://schemas.microsoft.com/office/drawing/2018/hyperlinkcolor" showMasterPhAnim="0" showMasterSp="0">
+  <p:cSld>
+    <p:spTree>
+      <p:nvGrpSpPr>
+        <p:cNvPr id="377" name="Shape 377"/>
+        <p:cNvGrpSpPr/>
+        <p:nvPr/>
+      </p:nvGrpSpPr>
+      <p:grpSpPr>
+        <a:xfrm>
+          <a:off x="0" y="0"/>
+          <a:ext cx="0" cy="0"/>
+          <a:chOff x="0" y="0"/>
+          <a:chExt cx="0" cy="0"/>
+        </a:xfrm>
+      </p:grpSpPr>
+      <p:sp>
+        <p:nvSpPr>
+          <p:cNvPr id="378" name="Google Shape;378;g31e148a63b6_0_94:notes"/>
+          <p:cNvSpPr txBox="1"/>
+          <p:nvPr>
+            <p:ph idx="1" type="body"/>
+          </p:nvPr>
+        </p:nvSpPr>
+        <p:spPr>
+          <a:xfrm>
+            <a:off x="1828800" y="4951413"/>
+            <a:ext cx="14630400" cy="4049700"/>
+          </a:xfrm>
+          <a:prstGeom prst="rect">
+            <a:avLst/>
+          </a:prstGeom>
+        </p:spPr>
+        <p:txBody>
+          <a:bodyPr anchorCtr="0" anchor="t" bIns="45700" lIns="91425" spcFirstLastPara="1" rIns="91425" wrap="square" tIns="45700">
+            <a:noAutofit/>
+          </a:bodyPr>
+          <a:lstStyle/>
+          <a:p>
+            <a:pPr indent="0" lvl="0" marL="0" rtl="0" algn="l">
+              <a:spcBef>
+                <a:spcPts val="0"/>
+              </a:spcBef>
+              <a:spcAft>
+                <a:spcPts val="0"/>
+              </a:spcAft>
+              <a:buNone/>
+            </a:pPr>
+            <a:r>
+              <a:t/>
+            </a:r>
+            <a:endParaRPr/>
+          </a:p>
+        </p:txBody>
+      </p:sp>
+      <p:sp>
+        <p:nvSpPr>
+          <p:cNvPr id="379" name="Google Shape;379;g31e148a63b6_0_94:notes"/>
+          <p:cNvSpPr/>
+          <p:nvPr>
+            <p:ph idx="2" type="sldImg"/>
+          </p:nvPr>
+        </p:nvSpPr>
+        <p:spPr>
+          <a:xfrm>
+            <a:off x="6057900" y="1285875"/>
+            <a:ext cx="6172200" cy="3471900"/>
+          </a:xfrm>
+          <a:custGeom>
+            <a:rect b="b" l="l" r="r" t="t"/>
+            <a:pathLst>
+              <a:path extrusionOk="0" h="120000" w="120000">
+                <a:moveTo>
+                  <a:pt x="0" y="0"/>
+                </a:moveTo>
+                <a:lnTo>
+                  <a:pt x="120000" y="0"/>
+                </a:lnTo>
+                <a:lnTo>
+                  <a:pt x="120000" y="120000"/>
+                </a:lnTo>
+                <a:lnTo>
+                  <a:pt x="0" y="120000"/>
+                </a:lnTo>
+                <a:close/>
+              </a:path>
+            </a:pathLst>
+          </a:custGeom>
+        </p:spPr>
+      </p:sp>
+    </p:spTree>
+  </p:cSld>
+  <p:clrMapOvr>
+    <a:masterClrMapping/>
+  </p:clrMapOvr>
+</p:notes>
+</file>
+
+<file path=ppt/notesSlides/notesSlide25.xml><?xml version="1.0" encoding="utf-8"?>
+<p:notes xmlns:a="http://schemas.openxmlformats.org/drawingml/2006/main" xmlns:r="http://schemas.openxmlformats.org/officeDocument/2006/relationships" xmlns:mc="http://schemas.openxmlformats.org/markup-compatibility/2006" xmlns:mv="urn:schemas-microsoft-com:mac:vml" xmlns:p="http://schemas.openxmlformats.org/presentationml/2006/main" xmlns:c="http://schemas.openxmlformats.org/drawingml/2006/chart" xmlns:dgm="http://schemas.openxmlformats.org/drawingml/2006/diagram" xmlns:o="urn:schemas-microsoft-com:office:office" xmlns:v="urn:schemas-microsoft-com:vml" xmlns:pvml="urn:schemas-microsoft-com:office:powerpoint" xmlns:com="http://schemas.openxmlformats.org/drawingml/2006/compatibility" xmlns:p14="http://schemas.microsoft.com/office/powerpoint/2010/main" xmlns:p15="http://schemas.microsoft.com/office/powerpoint/2012/main" xmlns:ahyp="http://schemas.microsoft.com/office/drawing/2018/hyperlinkcolor" showMasterPhAnim="0" showMasterSp="0">
+  <p:cSld>
+    <p:spTree>
+      <p:nvGrpSpPr>
+        <p:cNvPr id="385" name="Shape 385"/>
+        <p:cNvGrpSpPr/>
+        <p:nvPr/>
+      </p:nvGrpSpPr>
+      <p:grpSpPr>
+        <a:xfrm>
+          <a:off x="0" y="0"/>
+          <a:ext cx="0" cy="0"/>
+          <a:chOff x="0" y="0"/>
+          <a:chExt cx="0" cy="0"/>
+        </a:xfrm>
+      </p:grpSpPr>
+      <p:sp>
+        <p:nvSpPr>
+          <p:cNvPr id="386" name="Google Shape;386;g31e148a63b6_0_130:notes"/>
+          <p:cNvSpPr txBox="1"/>
+          <p:nvPr>
+            <p:ph idx="1" type="body"/>
+          </p:nvPr>
+        </p:nvSpPr>
+        <p:spPr>
+          <a:xfrm>
+            <a:off x="1828800" y="4951413"/>
+            <a:ext cx="14630400" cy="4049700"/>
+          </a:xfrm>
+          <a:prstGeom prst="rect">
+            <a:avLst/>
+          </a:prstGeom>
+        </p:spPr>
+        <p:txBody>
+          <a:bodyPr anchorCtr="0" anchor="t" bIns="45700" lIns="91425" spcFirstLastPara="1" rIns="91425" wrap="square" tIns="45700">
+            <a:noAutofit/>
+          </a:bodyPr>
+          <a:lstStyle/>
+          <a:p>
+            <a:pPr indent="0" lvl="0" marL="0" rtl="0" algn="l">
+              <a:spcBef>
+                <a:spcPts val="0"/>
+              </a:spcBef>
+              <a:spcAft>
+                <a:spcPts val="0"/>
+              </a:spcAft>
+              <a:buNone/>
+            </a:pPr>
+            <a:r>
+              <a:t/>
+            </a:r>
+            <a:endParaRPr/>
+          </a:p>
+        </p:txBody>
+      </p:sp>
+      <p:sp>
+        <p:nvSpPr>
+          <p:cNvPr id="387" name="Google Shape;387;g31e148a63b6_0_130:notes"/>
           <p:cNvSpPr/>
           <p:nvPr>
             <p:ph idx="2" type="sldImg"/>
@@ -2935,7 +4249,7 @@
               <a:buNone/>
             </a:pPr>
             <a:r>
-              <a:rPr lang="en-US" sz="1800">
+              <a:rPr lang="en-US" sz="2000">
                 <a:latin typeface="Montserrat"/>
                 <a:ea typeface="Montserrat"/>
                 <a:cs typeface="Montserrat"/>
@@ -2943,7 +4257,7 @@
               </a:rPr>
               <a:t>- The dataset consists of approximately 500,000 transactions from an online retail store, capturing sales data over a specific period. It includes key attributes such as InvoiceNo, StockCode, Description, Quantity, InvoiceDate, UnitPrice, CustomerID, and Country.</a:t>
             </a:r>
-            <a:endParaRPr sz="1800">
+            <a:endParaRPr sz="2000">
               <a:latin typeface="Montserrat"/>
               <a:ea typeface="Montserrat"/>
               <a:cs typeface="Montserrat"/>
@@ -3134,19 +4448,19 @@
           </a:bodyPr>
           <a:lstStyle/>
           <a:p>
-            <a:pPr indent="-355600" lvl="0" marL="457200" rtl="0" algn="l">
-              <a:spcBef>
-                <a:spcPts val="0"/>
-              </a:spcBef>
-              <a:spcAft>
-                <a:spcPts val="0"/>
-              </a:spcAft>
-              <a:buSzPts val="2000"/>
+            <a:pPr indent="-368300" lvl="0" marL="457200" rtl="0" algn="l">
+              <a:spcBef>
+                <a:spcPts val="0"/>
+              </a:spcBef>
+              <a:spcAft>
+                <a:spcPts val="0"/>
+              </a:spcAft>
+              <a:buSzPts val="2200"/>
               <a:buFont typeface="Montserrat"/>
               <a:buChar char="-"/>
             </a:pPr>
             <a:r>
-              <a:rPr lang="en-US" sz="1800">
+              <a:rPr lang="en-US" sz="2000">
                 <a:latin typeface="Montserrat"/>
                 <a:ea typeface="Montserrat"/>
                 <a:cs typeface="Montserrat"/>
@@ -3154,7 +4468,7 @@
               </a:rPr>
               <a:t>Here, we can observe that customer id column has around 25% of missing values.</a:t>
             </a:r>
-            <a:endParaRPr sz="1800">
+            <a:endParaRPr sz="2000">
               <a:latin typeface="Montserrat"/>
               <a:ea typeface="Montserrat"/>
               <a:cs typeface="Montserrat"/>
@@ -3162,19 +4476,19 @@
             </a:endParaRPr>
           </a:p>
           <a:p>
-            <a:pPr indent="-342900" lvl="0" marL="457200" rtl="0" algn="l">
-              <a:spcBef>
-                <a:spcPts val="0"/>
-              </a:spcBef>
-              <a:spcAft>
-                <a:spcPts val="0"/>
-              </a:spcAft>
-              <a:buSzPts val="1800"/>
+            <a:pPr indent="-355600" lvl="0" marL="457200" rtl="0" algn="l">
+              <a:spcBef>
+                <a:spcPts val="0"/>
+              </a:spcBef>
+              <a:spcAft>
+                <a:spcPts val="0"/>
+              </a:spcAft>
+              <a:buSzPts val="2000"/>
               <a:buFont typeface="Montserrat"/>
               <a:buChar char="-"/>
             </a:pPr>
             <a:r>
-              <a:rPr lang="en-US" sz="1800">
+              <a:rPr lang="en-US" sz="2000">
                 <a:latin typeface="Montserrat"/>
                 <a:ea typeface="Montserrat"/>
                 <a:cs typeface="Montserrat"/>
@@ -3182,7 +4496,7 @@
               </a:rPr>
               <a:t>And the rows with missing values are omitted.</a:t>
             </a:r>
-            <a:endParaRPr sz="1800">
+            <a:endParaRPr sz="2000">
               <a:latin typeface="Montserrat"/>
               <a:ea typeface="Montserrat"/>
               <a:cs typeface="Montserrat"/>
@@ -3202,7 +4516,7 @@
             <a:r>
               <a:t/>
             </a:r>
-            <a:endParaRPr sz="1800">
+            <a:endParaRPr sz="2000">
               <a:latin typeface="Montserrat"/>
               <a:ea typeface="Montserrat"/>
               <a:cs typeface="Montserrat"/>
@@ -16955,9 +18269,132 @@
           </a:p>
         </p:txBody>
       </p:sp>
+      <p:sp>
+        <p:nvSpPr>
+          <p:cNvPr id="289" name="Google Shape;289;p29"/>
+          <p:cNvSpPr txBox="1"/>
+          <p:nvPr/>
+        </p:nvSpPr>
+        <p:spPr>
+          <a:xfrm>
+            <a:off x="2854375" y="2335875"/>
+            <a:ext cx="6526800" cy="6300600"/>
+          </a:xfrm>
+          <a:prstGeom prst="rect">
+            <a:avLst/>
+          </a:prstGeom>
+          <a:noFill/>
+          <a:ln>
+            <a:noFill/>
+          </a:ln>
+        </p:spPr>
+        <p:txBody>
+          <a:bodyPr anchorCtr="0" anchor="t" bIns="0" lIns="0" spcFirstLastPara="1" rIns="0" wrap="square" tIns="12700">
+            <a:noAutofit/>
+          </a:bodyPr>
+          <a:lstStyle/>
+          <a:p>
+            <a:pPr indent="-419100" lvl="0" marL="457200" rtl="0" algn="l">
+              <a:spcBef>
+                <a:spcPts val="0"/>
+              </a:spcBef>
+              <a:spcAft>
+                <a:spcPts val="0"/>
+              </a:spcAft>
+              <a:buClr>
+                <a:srgbClr val="0C234B"/>
+              </a:buClr>
+              <a:buSzPts val="3000"/>
+              <a:buFont typeface="Montserrat"/>
+              <a:buChar char="➢"/>
+            </a:pPr>
+            <a:r>
+              <a:rPr lang="en-US" sz="3000">
+                <a:solidFill>
+                  <a:srgbClr val="0C234B"/>
+                </a:solidFill>
+                <a:latin typeface="Montserrat"/>
+                <a:ea typeface="Montserrat"/>
+                <a:cs typeface="Montserrat"/>
+                <a:sym typeface="Montserrat"/>
+              </a:rPr>
+              <a:t>Cluster Insights: The silhouette plot indicates that Cluster 3 (blue) has the highest cohesion and separation, contributing positively to the clustering quality.</a:t>
+            </a:r>
+            <a:endParaRPr sz="3000">
+              <a:solidFill>
+                <a:srgbClr val="0C234B"/>
+              </a:solidFill>
+              <a:latin typeface="Montserrat"/>
+              <a:ea typeface="Montserrat"/>
+              <a:cs typeface="Montserrat"/>
+              <a:sym typeface="Montserrat"/>
+            </a:endParaRPr>
+          </a:p>
+          <a:p>
+            <a:pPr indent="0" lvl="0" marL="457200" rtl="0" algn="l">
+              <a:spcBef>
+                <a:spcPts val="0"/>
+              </a:spcBef>
+              <a:spcAft>
+                <a:spcPts val="0"/>
+              </a:spcAft>
+              <a:buNone/>
+            </a:pPr>
+            <a:r>
+              <a:t/>
+            </a:r>
+            <a:endParaRPr sz="3000">
+              <a:solidFill>
+                <a:srgbClr val="0C234B"/>
+              </a:solidFill>
+              <a:latin typeface="Montserrat"/>
+              <a:ea typeface="Montserrat"/>
+              <a:cs typeface="Montserrat"/>
+              <a:sym typeface="Montserrat"/>
+            </a:endParaRPr>
+          </a:p>
+          <a:p>
+            <a:pPr indent="-419100" lvl="0" marL="457200" rtl="0" algn="l">
+              <a:spcBef>
+                <a:spcPts val="0"/>
+              </a:spcBef>
+              <a:spcAft>
+                <a:spcPts val="0"/>
+              </a:spcAft>
+              <a:buClr>
+                <a:srgbClr val="0C234B"/>
+              </a:buClr>
+              <a:buSzPts val="3000"/>
+              <a:buFont typeface="Montserrat"/>
+              <a:buChar char="➢"/>
+            </a:pPr>
+            <a:r>
+              <a:rPr lang="en-US" sz="3000">
+                <a:solidFill>
+                  <a:srgbClr val="0C234B"/>
+                </a:solidFill>
+                <a:latin typeface="Montserrat"/>
+                <a:ea typeface="Montserrat"/>
+                <a:cs typeface="Montserrat"/>
+                <a:sym typeface="Montserrat"/>
+              </a:rPr>
+              <a:t>Optimal Clustering: The average silhouette width of ~0.75 demonstrates well-defined clusters, validating the choice of 3 clusters based on the Elbow Method.</a:t>
+            </a:r>
+            <a:endParaRPr sz="3000">
+              <a:solidFill>
+                <a:srgbClr val="0C234B"/>
+              </a:solidFill>
+              <a:latin typeface="Montserrat"/>
+              <a:ea typeface="Montserrat"/>
+              <a:cs typeface="Montserrat"/>
+              <a:sym typeface="Montserrat"/>
+            </a:endParaRPr>
+          </a:p>
+        </p:txBody>
+      </p:sp>
       <p:pic>
         <p:nvPicPr>
-          <p:cNvPr id="289" name="Google Shape;289;p29"/>
+          <p:cNvPr id="290" name="Google Shape;290;p29"/>
           <p:cNvPicPr preferRelativeResize="0"/>
           <p:nvPr/>
         </p:nvPicPr>
@@ -16971,8 +18408,8 @@
         </p:blipFill>
         <p:spPr>
           <a:xfrm>
-            <a:off x="9819359" y="3168500"/>
-            <a:ext cx="8334375" cy="5143500"/>
+            <a:off x="9505824" y="2335875"/>
+            <a:ext cx="8422299" cy="5197775"/>
           </a:xfrm>
           <a:prstGeom prst="rect">
             <a:avLst/>
@@ -16983,183 +18420,6 @@
           </a:ln>
         </p:spPr>
       </p:pic>
-      <p:sp>
-        <p:nvSpPr>
-          <p:cNvPr id="290" name="Google Shape;290;p29"/>
-          <p:cNvSpPr txBox="1"/>
-          <p:nvPr/>
-        </p:nvSpPr>
-        <p:spPr>
-          <a:xfrm>
-            <a:off x="2854375" y="2335875"/>
-            <a:ext cx="6526800" cy="6300600"/>
-          </a:xfrm>
-          <a:prstGeom prst="rect">
-            <a:avLst/>
-          </a:prstGeom>
-          <a:noFill/>
-          <a:ln>
-            <a:noFill/>
-          </a:ln>
-        </p:spPr>
-        <p:txBody>
-          <a:bodyPr anchorCtr="0" anchor="t" bIns="0" lIns="0" spcFirstLastPara="1" rIns="0" wrap="square" tIns="12700">
-            <a:noAutofit/>
-          </a:bodyPr>
-          <a:lstStyle/>
-          <a:p>
-            <a:pPr indent="-419100" lvl="0" marL="457200" rtl="0" algn="l">
-              <a:spcBef>
-                <a:spcPts val="0"/>
-              </a:spcBef>
-              <a:spcAft>
-                <a:spcPts val="0"/>
-              </a:spcAft>
-              <a:buClr>
-                <a:srgbClr val="0C234B"/>
-              </a:buClr>
-              <a:buSzPts val="3000"/>
-              <a:buFont typeface="Montserrat"/>
-              <a:buChar char="➢"/>
-            </a:pPr>
-            <a:r>
-              <a:rPr lang="en-US" sz="3000">
-                <a:solidFill>
-                  <a:srgbClr val="0C234B"/>
-                </a:solidFill>
-                <a:latin typeface="Montserrat"/>
-                <a:ea typeface="Montserrat"/>
-                <a:cs typeface="Montserrat"/>
-                <a:sym typeface="Montserrat"/>
-              </a:rPr>
-              <a:t>Cluster Insights: The silhouette plot indicates that Cluster 3 (blue) has the highest cohesion and separation, contributing positively to the clustering quality.</a:t>
-            </a:r>
-            <a:endParaRPr sz="3000">
-              <a:solidFill>
-                <a:srgbClr val="0C234B"/>
-              </a:solidFill>
-              <a:latin typeface="Montserrat"/>
-              <a:ea typeface="Montserrat"/>
-              <a:cs typeface="Montserrat"/>
-              <a:sym typeface="Montserrat"/>
-            </a:endParaRPr>
-          </a:p>
-          <a:p>
-            <a:pPr indent="0" lvl="0" marL="457200" rtl="0" algn="l">
-              <a:spcBef>
-                <a:spcPts val="0"/>
-              </a:spcBef>
-              <a:spcAft>
-                <a:spcPts val="0"/>
-              </a:spcAft>
-              <a:buNone/>
-            </a:pPr>
-            <a:r>
-              <a:t/>
-            </a:r>
-            <a:endParaRPr sz="3000">
-              <a:solidFill>
-                <a:srgbClr val="0C234B"/>
-              </a:solidFill>
-              <a:latin typeface="Montserrat"/>
-              <a:ea typeface="Montserrat"/>
-              <a:cs typeface="Montserrat"/>
-              <a:sym typeface="Montserrat"/>
-            </a:endParaRPr>
-          </a:p>
-          <a:p>
-            <a:pPr indent="-419100" lvl="0" marL="457200" rtl="0" algn="l">
-              <a:spcBef>
-                <a:spcPts val="0"/>
-              </a:spcBef>
-              <a:spcAft>
-                <a:spcPts val="0"/>
-              </a:spcAft>
-              <a:buClr>
-                <a:srgbClr val="0C234B"/>
-              </a:buClr>
-              <a:buSzPts val="3000"/>
-              <a:buFont typeface="Montserrat"/>
-              <a:buChar char="➢"/>
-            </a:pPr>
-            <a:r>
-              <a:rPr lang="en-US" sz="3000">
-                <a:solidFill>
-                  <a:srgbClr val="0C234B"/>
-                </a:solidFill>
-                <a:latin typeface="Montserrat"/>
-                <a:ea typeface="Montserrat"/>
-                <a:cs typeface="Montserrat"/>
-                <a:sym typeface="Montserrat"/>
-              </a:rPr>
-              <a:t>Optimal Clustering: The average silhouette width of ~0.75 demonstrates well-defined clusters, validating the choice of 3 clusters based on the Elbow Method.</a:t>
-            </a:r>
-            <a:endParaRPr sz="3000">
-              <a:solidFill>
-                <a:srgbClr val="0C234B"/>
-              </a:solidFill>
-              <a:latin typeface="Montserrat"/>
-              <a:ea typeface="Montserrat"/>
-              <a:cs typeface="Montserrat"/>
-              <a:sym typeface="Montserrat"/>
-            </a:endParaRPr>
-          </a:p>
-        </p:txBody>
-      </p:sp>
-      <p:sp>
-        <p:nvSpPr>
-          <p:cNvPr id="291" name="Google Shape;291;p29"/>
-          <p:cNvSpPr txBox="1"/>
-          <p:nvPr/>
-        </p:nvSpPr>
-        <p:spPr>
-          <a:xfrm>
-            <a:off x="9595900" y="7951575"/>
-            <a:ext cx="6156300" cy="1608600"/>
-          </a:xfrm>
-          <a:prstGeom prst="rect">
-            <a:avLst/>
-          </a:prstGeom>
-          <a:noFill/>
-          <a:ln>
-            <a:noFill/>
-          </a:ln>
-        </p:spPr>
-        <p:txBody>
-          <a:bodyPr anchorCtr="0" anchor="t" bIns="91425" lIns="91425" spcFirstLastPara="1" rIns="91425" wrap="square" tIns="91425">
-            <a:noAutofit/>
-          </a:bodyPr>
-          <a:lstStyle/>
-          <a:p>
-            <a:pPr indent="-406400" lvl="0" marL="457200" rtl="0" algn="l">
-              <a:spcBef>
-                <a:spcPts val="0"/>
-              </a:spcBef>
-              <a:spcAft>
-                <a:spcPts val="0"/>
-              </a:spcAft>
-              <a:buSzPts val="2800"/>
-              <a:buFont typeface="Montserrat"/>
-              <a:buChar char="-"/>
-            </a:pPr>
-            <a:r>
-              <a:rPr lang="en-US" sz="2800">
-                <a:latin typeface="Montserrat"/>
-                <a:ea typeface="Montserrat"/>
-                <a:cs typeface="Montserrat"/>
-                <a:sym typeface="Montserrat"/>
-              </a:rPr>
-              <a:t>Average Silhouette score for K Means Clustering  is 0.708, implying a strong clustering structure</a:t>
-            </a:r>
-            <a:endParaRPr sz="2800">
-              <a:latin typeface="Montserrat"/>
-              <a:ea typeface="Montserrat"/>
-              <a:cs typeface="Montserrat"/>
-              <a:sym typeface="Montserrat"/>
-            </a:endParaRPr>
-          </a:p>
-        </p:txBody>
-      </p:sp>
     </p:spTree>
   </p:cSld>
   <p:clrMapOvr>
@@ -17185,16 +18445,23 @@
           <a:chExt cx="0" cy="0"/>
         </a:xfrm>
       </p:grpSpPr>
-      <p:sp>
-        <p:nvSpPr>
+      <p:pic>
+        <p:nvPicPr>
           <p:cNvPr id="296" name="Google Shape;296;p30"/>
-          <p:cNvSpPr txBox="1"/>
+          <p:cNvPicPr preferRelativeResize="0"/>
           <p:nvPr/>
-        </p:nvSpPr>
+        </p:nvPicPr>
+        <p:blipFill rotWithShape="1">
+          <a:blip r:embed="rId3">
+            <a:alphaModFix/>
+          </a:blip>
+          <a:srcRect b="8424" l="0" r="0" t="0"/>
+          <a:stretch/>
+        </p:blipFill>
         <p:spPr>
-          <a:xfrm rot="-5400000">
-            <a:off x="-1593416" y="6130475"/>
-            <a:ext cx="5728200" cy="553800"/>
+          <a:xfrm>
+            <a:off x="4321475" y="821875"/>
+            <a:ext cx="12183975" cy="6885775"/>
           </a:xfrm>
           <a:prstGeom prst="rect">
             <a:avLst/>
@@ -17204,48 +18471,7 @@
             <a:noFill/>
           </a:ln>
         </p:spPr>
-        <p:txBody>
-          <a:bodyPr anchorCtr="0" anchor="t" bIns="0" lIns="0" spcFirstLastPara="1" rIns="0" wrap="square" tIns="8875">
-            <a:noAutofit/>
-          </a:bodyPr>
-          <a:lstStyle/>
-          <a:p>
-            <a:pPr indent="0" lvl="0" marL="12700" marR="0" rtl="0" algn="l">
-              <a:lnSpc>
-                <a:spcPct val="100000"/>
-              </a:lnSpc>
-              <a:spcBef>
-                <a:spcPts val="0"/>
-              </a:spcBef>
-              <a:spcAft>
-                <a:spcPts val="0"/>
-              </a:spcAft>
-              <a:buNone/>
-            </a:pPr>
-            <a:r>
-              <a:rPr lang="en-US" sz="1500">
-                <a:solidFill>
-                  <a:srgbClr val="0C234A"/>
-                </a:solidFill>
-                <a:latin typeface="Montserrat"/>
-                <a:ea typeface="Montserrat"/>
-                <a:cs typeface="Montserrat"/>
-                <a:sym typeface="Montserrat"/>
-              </a:rPr>
-              <a:t>ANALYSIS OF ONLINE RETAIL SALES | INFO 523 DATA MINING | COLLEGE OF INFORMATION SCIENCE | UNIVERSITY OF ARIZONA</a:t>
-            </a:r>
-            <a:endParaRPr sz="1500">
-              <a:solidFill>
-                <a:schemeClr val="dk1"/>
-              </a:solidFill>
-              <a:latin typeface="Montserrat"/>
-              <a:ea typeface="Montserrat"/>
-              <a:cs typeface="Montserrat"/>
-              <a:sym typeface="Montserrat"/>
-            </a:endParaRPr>
-          </a:p>
-        </p:txBody>
-      </p:sp>
+      </p:pic>
       <p:sp>
         <p:nvSpPr>
           <p:cNvPr id="297" name="Google Shape;297;p30"/>
@@ -17254,8 +18480,8 @@
         </p:nvSpPr>
         <p:spPr>
           <a:xfrm>
-            <a:off x="2307550" y="292300"/>
-            <a:ext cx="15675600" cy="1348500"/>
+            <a:off x="2896900" y="7951575"/>
+            <a:ext cx="12855300" cy="1608600"/>
           </a:xfrm>
           <a:prstGeom prst="rect">
             <a:avLst/>
@@ -17271,250 +18497,6 @@
           </a:bodyPr>
           <a:lstStyle/>
           <a:p>
-            <a:pPr indent="0" lvl="0" marL="0" rtl="0" algn="ctr">
-              <a:spcBef>
-                <a:spcPts val="0"/>
-              </a:spcBef>
-              <a:spcAft>
-                <a:spcPts val="0"/>
-              </a:spcAft>
-              <a:buNone/>
-            </a:pPr>
-            <a:r>
-              <a:rPr b="1" lang="en-US" sz="5200">
-                <a:latin typeface="Montserrat"/>
-                <a:ea typeface="Montserrat"/>
-                <a:cs typeface="Montserrat"/>
-                <a:sym typeface="Montserrat"/>
-              </a:rPr>
-              <a:t>CLUSTERING ALGORITHM - </a:t>
-            </a:r>
-            <a:r>
-              <a:rPr b="1" lang="en-US" sz="5200">
-                <a:latin typeface="Montserrat"/>
-                <a:ea typeface="Montserrat"/>
-                <a:cs typeface="Montserrat"/>
-                <a:sym typeface="Montserrat"/>
-              </a:rPr>
-              <a:t>HIERARCHICAL</a:t>
-            </a:r>
-            <a:r>
-              <a:rPr b="1" lang="en-US" sz="5200">
-                <a:latin typeface="Montserrat"/>
-                <a:ea typeface="Montserrat"/>
-                <a:cs typeface="Montserrat"/>
-                <a:sym typeface="Montserrat"/>
-              </a:rPr>
-              <a:t> CLUSTERING</a:t>
-            </a:r>
-            <a:endParaRPr b="1" sz="5200">
-              <a:latin typeface="Montserrat"/>
-              <a:ea typeface="Montserrat"/>
-              <a:cs typeface="Montserrat"/>
-              <a:sym typeface="Montserrat"/>
-            </a:endParaRPr>
-          </a:p>
-        </p:txBody>
-      </p:sp>
-      <p:sp>
-        <p:nvSpPr>
-          <p:cNvPr id="298" name="Google Shape;298;p30"/>
-          <p:cNvSpPr txBox="1"/>
-          <p:nvPr/>
-        </p:nvSpPr>
-        <p:spPr>
-          <a:xfrm>
-            <a:off x="2446625" y="2335875"/>
-            <a:ext cx="7209000" cy="7025700"/>
-          </a:xfrm>
-          <a:prstGeom prst="rect">
-            <a:avLst/>
-          </a:prstGeom>
-          <a:noFill/>
-          <a:ln>
-            <a:noFill/>
-          </a:ln>
-        </p:spPr>
-        <p:txBody>
-          <a:bodyPr anchorCtr="0" anchor="t" bIns="0" lIns="0" spcFirstLastPara="1" rIns="0" wrap="square" tIns="12700">
-            <a:noAutofit/>
-          </a:bodyPr>
-          <a:lstStyle/>
-          <a:p>
-            <a:pPr indent="-419100" lvl="0" marL="457200" rtl="0" algn="just">
-              <a:spcBef>
-                <a:spcPts val="0"/>
-              </a:spcBef>
-              <a:spcAft>
-                <a:spcPts val="0"/>
-              </a:spcAft>
-              <a:buClr>
-                <a:srgbClr val="0C234B"/>
-              </a:buClr>
-              <a:buSzPts val="3000"/>
-              <a:buFont typeface="Montserrat"/>
-              <a:buChar char="➢"/>
-            </a:pPr>
-            <a:r>
-              <a:rPr lang="en-US" sz="3000">
-                <a:solidFill>
-                  <a:srgbClr val="0C234B"/>
-                </a:solidFill>
-                <a:latin typeface="Montserrat"/>
-                <a:ea typeface="Montserrat"/>
-                <a:cs typeface="Montserrat"/>
-                <a:sym typeface="Montserrat"/>
-              </a:rPr>
-              <a:t>Cluster Cohesion and Separation: The silhouette plot demonstrates that Cluster 2 (green) has the highest silhouette width, indicating strong cohesion and clear separation from other clusters, whereas Cluster 3 (blue) shows poor cluster quality.</a:t>
-            </a:r>
-            <a:endParaRPr sz="3000">
-              <a:solidFill>
-                <a:srgbClr val="0C234B"/>
-              </a:solidFill>
-              <a:latin typeface="Montserrat"/>
-              <a:ea typeface="Montserrat"/>
-              <a:cs typeface="Montserrat"/>
-              <a:sym typeface="Montserrat"/>
-            </a:endParaRPr>
-          </a:p>
-          <a:p>
-            <a:pPr indent="0" lvl="0" marL="457200" rtl="0" algn="just">
-              <a:spcBef>
-                <a:spcPts val="0"/>
-              </a:spcBef>
-              <a:spcAft>
-                <a:spcPts val="0"/>
-              </a:spcAft>
-              <a:buNone/>
-            </a:pPr>
-            <a:r>
-              <a:t/>
-            </a:r>
-            <a:endParaRPr sz="3000">
-              <a:solidFill>
-                <a:srgbClr val="0C234B"/>
-              </a:solidFill>
-              <a:latin typeface="Montserrat"/>
-              <a:ea typeface="Montserrat"/>
-              <a:cs typeface="Montserrat"/>
-              <a:sym typeface="Montserrat"/>
-            </a:endParaRPr>
-          </a:p>
-          <a:p>
-            <a:pPr indent="-419100" lvl="0" marL="457200" rtl="0" algn="just">
-              <a:spcBef>
-                <a:spcPts val="0"/>
-              </a:spcBef>
-              <a:spcAft>
-                <a:spcPts val="0"/>
-              </a:spcAft>
-              <a:buClr>
-                <a:srgbClr val="0C234B"/>
-              </a:buClr>
-              <a:buSzPts val="3000"/>
-              <a:buFont typeface="Montserrat"/>
-              <a:buChar char="➢"/>
-            </a:pPr>
-            <a:r>
-              <a:rPr lang="en-US" sz="3000">
-                <a:solidFill>
-                  <a:srgbClr val="0C234B"/>
-                </a:solidFill>
-                <a:latin typeface="Montserrat"/>
-                <a:ea typeface="Montserrat"/>
-                <a:cs typeface="Montserrat"/>
-                <a:sym typeface="Montserrat"/>
-              </a:rPr>
-              <a:t>Hierarchical Clustering Efficiency: With an average silhouette width of approximately 0.5, the clustering structure is moderately defined, suggesting scope for further tuning or testing alternate distance measures.</a:t>
-            </a:r>
-            <a:endParaRPr sz="3000">
-              <a:solidFill>
-                <a:srgbClr val="0C234B"/>
-              </a:solidFill>
-              <a:latin typeface="Montserrat"/>
-              <a:ea typeface="Montserrat"/>
-              <a:cs typeface="Montserrat"/>
-              <a:sym typeface="Montserrat"/>
-            </a:endParaRPr>
-          </a:p>
-          <a:p>
-            <a:pPr indent="0" lvl="0" marL="0" rtl="0" algn="just">
-              <a:spcBef>
-                <a:spcPts val="0"/>
-              </a:spcBef>
-              <a:spcAft>
-                <a:spcPts val="0"/>
-              </a:spcAft>
-              <a:buNone/>
-            </a:pPr>
-            <a:r>
-              <a:t/>
-            </a:r>
-            <a:endParaRPr sz="3000">
-              <a:solidFill>
-                <a:srgbClr val="0C234B"/>
-              </a:solidFill>
-              <a:latin typeface="Montserrat"/>
-              <a:ea typeface="Montserrat"/>
-              <a:cs typeface="Montserrat"/>
-              <a:sym typeface="Montserrat"/>
-            </a:endParaRPr>
-          </a:p>
-        </p:txBody>
-      </p:sp>
-      <p:pic>
-        <p:nvPicPr>
-          <p:cNvPr id="299" name="Google Shape;299;p30"/>
-          <p:cNvPicPr preferRelativeResize="0"/>
-          <p:nvPr/>
-        </p:nvPicPr>
-        <p:blipFill>
-          <a:blip r:embed="rId3">
-            <a:alphaModFix/>
-          </a:blip>
-          <a:stretch>
-            <a:fillRect/>
-          </a:stretch>
-        </p:blipFill>
-        <p:spPr>
-          <a:xfrm>
-            <a:off x="9819425" y="2254525"/>
-            <a:ext cx="8163726" cy="5038185"/>
-          </a:xfrm>
-          <a:prstGeom prst="rect">
-            <a:avLst/>
-          </a:prstGeom>
-          <a:noFill/>
-          <a:ln>
-            <a:noFill/>
-          </a:ln>
-        </p:spPr>
-      </p:pic>
-      <p:sp>
-        <p:nvSpPr>
-          <p:cNvPr id="300" name="Google Shape;300;p30"/>
-          <p:cNvSpPr txBox="1"/>
-          <p:nvPr/>
-        </p:nvSpPr>
-        <p:spPr>
-          <a:xfrm>
-            <a:off x="9953350" y="7534525"/>
-            <a:ext cx="6156300" cy="1608600"/>
-          </a:xfrm>
-          <a:prstGeom prst="rect">
-            <a:avLst/>
-          </a:prstGeom>
-          <a:noFill/>
-          <a:ln>
-            <a:noFill/>
-          </a:ln>
-        </p:spPr>
-        <p:txBody>
-          <a:bodyPr anchorCtr="0" anchor="t" bIns="91425" lIns="91425" spcFirstLastPara="1" rIns="91425" wrap="square" tIns="91425">
-            <a:noAutofit/>
-          </a:bodyPr>
-          <a:lstStyle/>
-          <a:p>
             <a:pPr indent="-406400" lvl="0" marL="457200" rtl="0" algn="l">
               <a:spcBef>
                 <a:spcPts val="0"/>
@@ -17533,7 +18515,7 @@
                 <a:cs typeface="Montserrat"/>
                 <a:sym typeface="Montserrat"/>
               </a:rPr>
-              <a:t>Average Silhouette score for K Means Clustering  is 0.702, implying a strong clustering structure</a:t>
+              <a:t>Average Silhouette score for K Means Clustering  is 0.708, implying a strong clustering structure</a:t>
             </a:r>
             <a:endParaRPr sz="2800">
               <a:latin typeface="Montserrat"/>
@@ -17557,7 +18539,7 @@
   <p:cSld>
     <p:spTree>
       <p:nvGrpSpPr>
-        <p:cNvPr id="304" name="Shape 304"/>
+        <p:cNvPr id="301" name="Shape 301"/>
         <p:cNvGrpSpPr/>
         <p:nvPr/>
       </p:nvGrpSpPr>
@@ -17571,59 +18553,7 @@
       </p:grpSpPr>
       <p:sp>
         <p:nvSpPr>
-          <p:cNvPr id="305" name="Google Shape;305;p31"/>
-          <p:cNvSpPr txBox="1"/>
-          <p:nvPr/>
-        </p:nvSpPr>
-        <p:spPr>
-          <a:xfrm>
-            <a:off x="7373600" y="1770775"/>
-            <a:ext cx="9634500" cy="1348500"/>
-          </a:xfrm>
-          <a:prstGeom prst="rect">
-            <a:avLst/>
-          </a:prstGeom>
-          <a:noFill/>
-          <a:ln>
-            <a:noFill/>
-          </a:ln>
-        </p:spPr>
-        <p:txBody>
-          <a:bodyPr anchorCtr="0" anchor="t" bIns="91425" lIns="91425" spcFirstLastPara="1" rIns="91425" wrap="square" tIns="91425">
-            <a:noAutofit/>
-          </a:bodyPr>
-          <a:lstStyle/>
-          <a:p>
-            <a:pPr indent="0" lvl="0" marL="0" rtl="0" algn="ctr">
-              <a:spcBef>
-                <a:spcPts val="0"/>
-              </a:spcBef>
-              <a:spcAft>
-                <a:spcPts val="0"/>
-              </a:spcAft>
-              <a:buNone/>
-            </a:pPr>
-            <a:r>
-              <a:rPr b="1" lang="en-US" sz="3000">
-                <a:latin typeface="Montserrat"/>
-                <a:ea typeface="Montserrat"/>
-                <a:cs typeface="Montserrat"/>
-                <a:sym typeface="Montserrat"/>
-              </a:rPr>
-              <a:t>.</a:t>
-            </a:r>
-            <a:endParaRPr b="1" sz="3000">
-              <a:latin typeface="Montserrat"/>
-              <a:ea typeface="Montserrat"/>
-              <a:cs typeface="Montserrat"/>
-              <a:sym typeface="Montserrat"/>
-            </a:endParaRPr>
-          </a:p>
-        </p:txBody>
-      </p:sp>
-      <p:sp>
-        <p:nvSpPr>
-          <p:cNvPr id="306" name="Google Shape;306;p31"/>
+          <p:cNvPr id="302" name="Google Shape;302;p31"/>
           <p:cNvSpPr txBox="1"/>
           <p:nvPr/>
         </p:nvSpPr>
@@ -17682,72 +18612,16 @@
           </a:p>
         </p:txBody>
       </p:sp>
-      <p:pic>
-        <p:nvPicPr>
-          <p:cNvPr id="307" name="Google Shape;307;p31"/>
-          <p:cNvPicPr preferRelativeResize="0"/>
-          <p:nvPr/>
-        </p:nvPicPr>
-        <p:blipFill>
-          <a:blip r:embed="rId3">
-            <a:alphaModFix/>
-          </a:blip>
-          <a:stretch>
-            <a:fillRect/>
-          </a:stretch>
-        </p:blipFill>
-        <p:spPr>
-          <a:xfrm>
-            <a:off x="11731837" y="6866175"/>
-            <a:ext cx="4165250" cy="3303175"/>
-          </a:xfrm>
-          <a:prstGeom prst="rect">
-            <a:avLst/>
-          </a:prstGeom>
-          <a:noFill/>
-          <a:ln>
-            <a:noFill/>
-          </a:ln>
-        </p:spPr>
-      </p:pic>
-      <p:pic>
-        <p:nvPicPr>
-          <p:cNvPr id="308" name="Google Shape;308;p31"/>
-          <p:cNvPicPr preferRelativeResize="0"/>
-          <p:nvPr/>
-        </p:nvPicPr>
-        <p:blipFill>
-          <a:blip r:embed="rId4">
-            <a:alphaModFix/>
-          </a:blip>
-          <a:stretch>
-            <a:fillRect/>
-          </a:stretch>
-        </p:blipFill>
-        <p:spPr>
-          <a:xfrm>
-            <a:off x="9647284" y="1392075"/>
-            <a:ext cx="8334375" cy="5143500"/>
-          </a:xfrm>
-          <a:prstGeom prst="rect">
-            <a:avLst/>
-          </a:prstGeom>
-          <a:noFill/>
-          <a:ln>
-            <a:noFill/>
-          </a:ln>
-        </p:spPr>
-      </p:pic>
       <p:sp>
         <p:nvSpPr>
-          <p:cNvPr id="309" name="Google Shape;309;p31"/>
+          <p:cNvPr id="303" name="Google Shape;303;p31"/>
           <p:cNvSpPr txBox="1"/>
           <p:nvPr/>
         </p:nvSpPr>
         <p:spPr>
           <a:xfrm>
-            <a:off x="2354825" y="205700"/>
-            <a:ext cx="15006000" cy="1348500"/>
+            <a:off x="2307550" y="292300"/>
+            <a:ext cx="15675600" cy="1348500"/>
           </a:xfrm>
           <a:prstGeom prst="rect">
             <a:avLst/>
@@ -17779,7 +18653,7 @@
                 <a:cs typeface="Montserrat"/>
                 <a:sym typeface="Montserrat"/>
               </a:rPr>
-              <a:t>ASSOCIATION </a:t>
+              <a:t>CLUSTERING ALGORITHM - </a:t>
             </a:r>
             <a:r>
               <a:rPr b="1" lang="en-US" sz="5200">
@@ -17788,7 +18662,16 @@
                 <a:cs typeface="Montserrat"/>
                 <a:sym typeface="Montserrat"/>
               </a:rPr>
-              <a:t>ALGORITHM - ECLAT </a:t>
+              <a:t>HIERARCHICAL</a:t>
+            </a:r>
+            <a:r>
+              <a:rPr b="1" lang="en-US" sz="5200">
+                <a:latin typeface="Montserrat"/>
+                <a:ea typeface="Montserrat"/>
+                <a:cs typeface="Montserrat"/>
+                <a:sym typeface="Montserrat"/>
+              </a:rPr>
+              <a:t> CLUSTERING</a:t>
             </a:r>
             <a:endParaRPr b="1" sz="5200">
               <a:latin typeface="Montserrat"/>
@@ -17797,38 +18680,25 @@
               <a:sym typeface="Montserrat"/>
             </a:endParaRPr>
           </a:p>
-          <a:p>
-            <a:pPr indent="0" lvl="0" marL="0" rtl="0" algn="ctr">
-              <a:spcBef>
-                <a:spcPts val="0"/>
-              </a:spcBef>
-              <a:spcAft>
-                <a:spcPts val="0"/>
-              </a:spcAft>
-              <a:buNone/>
-            </a:pPr>
-            <a:r>
-              <a:t/>
-            </a:r>
-            <a:endParaRPr b="1" sz="3700">
-              <a:latin typeface="Montserrat"/>
-              <a:ea typeface="Montserrat"/>
-              <a:cs typeface="Montserrat"/>
-              <a:sym typeface="Montserrat"/>
-            </a:endParaRPr>
-          </a:p>
         </p:txBody>
       </p:sp>
-      <p:sp>
-        <p:nvSpPr>
-          <p:cNvPr id="310" name="Google Shape;310;p31"/>
-          <p:cNvSpPr txBox="1"/>
+      <p:pic>
+        <p:nvPicPr>
+          <p:cNvPr id="304" name="Google Shape;304;p31"/>
+          <p:cNvPicPr preferRelativeResize="0"/>
           <p:nvPr/>
-        </p:nvSpPr>
+        </p:nvPicPr>
+        <p:blipFill rotWithShape="1">
+          <a:blip r:embed="rId3">
+            <a:alphaModFix/>
+          </a:blip>
+          <a:srcRect b="10785" l="0" r="0" t="0"/>
+          <a:stretch/>
+        </p:blipFill>
         <p:spPr>
           <a:xfrm>
-            <a:off x="2854375" y="2335875"/>
-            <a:ext cx="6419400" cy="4530300"/>
+            <a:off x="5055375" y="2983850"/>
+            <a:ext cx="9163050" cy="5047475"/>
           </a:xfrm>
           <a:prstGeom prst="rect">
             <a:avLst/>
@@ -17838,110 +18708,7 @@
             <a:noFill/>
           </a:ln>
         </p:spPr>
-        <p:txBody>
-          <a:bodyPr anchorCtr="0" anchor="t" bIns="0" lIns="0" spcFirstLastPara="1" rIns="0" wrap="square" tIns="12700">
-            <a:noAutofit/>
-          </a:bodyPr>
-          <a:lstStyle/>
-          <a:p>
-            <a:pPr indent="-393700" lvl="0" marL="457200" rtl="0" algn="l">
-              <a:spcBef>
-                <a:spcPts val="0"/>
-              </a:spcBef>
-              <a:spcAft>
-                <a:spcPts val="0"/>
-              </a:spcAft>
-              <a:buClr>
-                <a:srgbClr val="0C234B"/>
-              </a:buClr>
-              <a:buSzPts val="2600"/>
-              <a:buFont typeface="Montserrat"/>
-              <a:buChar char="➔"/>
-            </a:pPr>
-            <a:r>
-              <a:rPr lang="en-US" sz="2600">
-                <a:solidFill>
-                  <a:srgbClr val="0C234B"/>
-                </a:solidFill>
-                <a:latin typeface="Montserrat"/>
-                <a:ea typeface="Montserrat"/>
-                <a:cs typeface="Montserrat"/>
-                <a:sym typeface="Montserrat"/>
-              </a:rPr>
-              <a:t>The chart highlights the top 10 most frequent itemsets, with “White Hanging heart light holder” having the highest support at 0.075. </a:t>
-            </a:r>
-            <a:endParaRPr sz="2600">
-              <a:solidFill>
-                <a:srgbClr val="0C234B"/>
-              </a:solidFill>
-              <a:latin typeface="Montserrat"/>
-              <a:ea typeface="Montserrat"/>
-              <a:cs typeface="Montserrat"/>
-              <a:sym typeface="Montserrat"/>
-            </a:endParaRPr>
-          </a:p>
-          <a:p>
-            <a:pPr indent="0" lvl="0" marL="0" rtl="0" algn="l">
-              <a:spcBef>
-                <a:spcPts val="0"/>
-              </a:spcBef>
-              <a:spcAft>
-                <a:spcPts val="0"/>
-              </a:spcAft>
-              <a:buNone/>
-            </a:pPr>
-            <a:r>
-              <a:t/>
-            </a:r>
-            <a:endParaRPr sz="2600">
-              <a:solidFill>
-                <a:srgbClr val="0C234B"/>
-              </a:solidFill>
-              <a:latin typeface="Montserrat"/>
-              <a:ea typeface="Montserrat"/>
-              <a:cs typeface="Montserrat"/>
-              <a:sym typeface="Montserrat"/>
-            </a:endParaRPr>
-          </a:p>
-          <a:p>
-            <a:pPr indent="-393700" lvl="0" marL="457200" rtl="0" algn="l">
-              <a:spcBef>
-                <a:spcPts val="0"/>
-              </a:spcBef>
-              <a:spcAft>
-                <a:spcPts val="0"/>
-              </a:spcAft>
-              <a:buClr>
-                <a:srgbClr val="0C234B"/>
-              </a:buClr>
-              <a:buSzPts val="2600"/>
-              <a:buFont typeface="Montserrat"/>
-              <a:buChar char="➔"/>
-            </a:pPr>
-            <a:r>
-              <a:rPr lang="en-US" sz="2600">
-                <a:solidFill>
-                  <a:srgbClr val="0C234B"/>
-                </a:solidFill>
-                <a:latin typeface="Montserrat"/>
-                <a:ea typeface="Montserrat"/>
-                <a:cs typeface="Montserrat"/>
-                <a:sym typeface="Montserrat"/>
-              </a:rPr>
-              <a:t>The high support values indicate these items were frequently purchased together, making them significant for association rule mining.</a:t>
-            </a:r>
-            <a:endParaRPr sz="2600">
-              <a:solidFill>
-                <a:srgbClr val="0C234B"/>
-              </a:solidFill>
-              <a:latin typeface="Montserrat"/>
-              <a:ea typeface="Montserrat"/>
-              <a:cs typeface="Montserrat"/>
-              <a:sym typeface="Montserrat"/>
-            </a:endParaRPr>
-          </a:p>
-        </p:txBody>
-      </p:sp>
+      </p:pic>
     </p:spTree>
   </p:cSld>
   <p:clrMapOvr>
@@ -17955,7 +18722,7 @@
   <p:cSld>
     <p:spTree>
       <p:nvGrpSpPr>
-        <p:cNvPr id="314" name="Shape 314"/>
+        <p:cNvPr id="309" name="Shape 309"/>
         <p:cNvGrpSpPr/>
         <p:nvPr/>
       </p:nvGrpSpPr>
@@ -17967,16 +18734,23 @@
           <a:chExt cx="0" cy="0"/>
         </a:xfrm>
       </p:grpSpPr>
-      <p:sp>
-        <p:nvSpPr>
-          <p:cNvPr id="315" name="Google Shape;315;p32"/>
-          <p:cNvSpPr txBox="1"/>
+      <p:pic>
+        <p:nvPicPr>
+          <p:cNvPr id="310" name="Google Shape;310;p32"/>
+          <p:cNvPicPr preferRelativeResize="0"/>
           <p:nvPr/>
-        </p:nvSpPr>
+        </p:nvPicPr>
+        <p:blipFill rotWithShape="1">
+          <a:blip r:embed="rId3">
+            <a:alphaModFix/>
+          </a:blip>
+          <a:srcRect b="7535" l="0" r="0" t="0"/>
+          <a:stretch/>
+        </p:blipFill>
         <p:spPr>
-          <a:xfrm rot="-5400000">
-            <a:off x="-1593416" y="6130475"/>
-            <a:ext cx="5728200" cy="553800"/>
+          <a:xfrm>
+            <a:off x="8195575" y="1142450"/>
+            <a:ext cx="9528450" cy="5437099"/>
           </a:xfrm>
           <a:prstGeom prst="rect">
             <a:avLst/>
@@ -17986,86 +18760,17 @@
             <a:noFill/>
           </a:ln>
         </p:spPr>
-        <p:txBody>
-          <a:bodyPr anchorCtr="0" anchor="t" bIns="0" lIns="0" spcFirstLastPara="1" rIns="0" wrap="square" tIns="8875">
-            <a:noAutofit/>
-          </a:bodyPr>
-          <a:lstStyle/>
-          <a:p>
-            <a:pPr indent="0" lvl="0" marL="12700" marR="0" rtl="0" algn="l">
-              <a:lnSpc>
-                <a:spcPct val="100000"/>
-              </a:lnSpc>
-              <a:spcBef>
-                <a:spcPts val="0"/>
-              </a:spcBef>
-              <a:spcAft>
-                <a:spcPts val="0"/>
-              </a:spcAft>
-              <a:buNone/>
-            </a:pPr>
-            <a:r>
-              <a:rPr lang="en-US" sz="1500">
-                <a:solidFill>
-                  <a:srgbClr val="0C234A"/>
-                </a:solidFill>
-                <a:latin typeface="Montserrat"/>
-                <a:ea typeface="Montserrat"/>
-                <a:cs typeface="Montserrat"/>
-                <a:sym typeface="Montserrat"/>
-              </a:rPr>
-              <a:t>ANALYSIS OF ONLINE RETAIL SALES | INFO 523 DATA MINING | COLLEGE OF INFORMATION SCIENCE | UNIVERSITY OF ARIZONA</a:t>
-            </a:r>
-            <a:endParaRPr sz="1500">
-              <a:solidFill>
-                <a:schemeClr val="dk1"/>
-              </a:solidFill>
-              <a:latin typeface="Montserrat"/>
-              <a:ea typeface="Montserrat"/>
-              <a:cs typeface="Montserrat"/>
-              <a:sym typeface="Montserrat"/>
-            </a:endParaRPr>
-          </a:p>
-        </p:txBody>
-      </p:sp>
-      <p:pic>
-        <p:nvPicPr>
-          <p:cNvPr id="316" name="Google Shape;316;p32"/>
-          <p:cNvPicPr preferRelativeResize="0"/>
-          <p:nvPr/>
-        </p:nvPicPr>
-        <p:blipFill>
-          <a:blip r:embed="rId3">
-            <a:alphaModFix/>
-          </a:blip>
-          <a:stretch>
-            <a:fillRect/>
-          </a:stretch>
-        </p:blipFill>
-        <p:spPr>
-          <a:xfrm>
-            <a:off x="9144000" y="1862499"/>
-            <a:ext cx="8966276" cy="5533449"/>
-          </a:xfrm>
-          <a:prstGeom prst="rect">
-            <a:avLst/>
-          </a:prstGeom>
-          <a:noFill/>
-          <a:ln>
-            <a:noFill/>
-          </a:ln>
-        </p:spPr>
       </p:pic>
       <p:sp>
         <p:nvSpPr>
-          <p:cNvPr id="317" name="Google Shape;317;p32"/>
+          <p:cNvPr id="311" name="Google Shape;311;p32"/>
           <p:cNvSpPr txBox="1"/>
           <p:nvPr/>
         </p:nvSpPr>
         <p:spPr>
           <a:xfrm>
-            <a:off x="2287775" y="192375"/>
-            <a:ext cx="15708600" cy="1348500"/>
+            <a:off x="8598475" y="7969475"/>
+            <a:ext cx="7478100" cy="1608600"/>
           </a:xfrm>
           <a:prstGeom prst="rect">
             <a:avLst/>
@@ -18081,37 +18786,27 @@
           </a:bodyPr>
           <a:lstStyle/>
           <a:p>
-            <a:pPr indent="0" lvl="0" marL="0" rtl="0" algn="ctr">
-              <a:spcBef>
-                <a:spcPts val="0"/>
-              </a:spcBef>
-              <a:spcAft>
-                <a:spcPts val="0"/>
-              </a:spcAft>
-              <a:buNone/>
-            </a:pPr>
-            <a:r>
-              <a:rPr b="1" lang="en-US" sz="5200">
-                <a:solidFill>
-                  <a:schemeClr val="dk1"/>
-                </a:solidFill>
+            <a:pPr indent="-406400" lvl="0" marL="457200" rtl="0" algn="l">
+              <a:spcBef>
+                <a:spcPts val="0"/>
+              </a:spcBef>
+              <a:spcAft>
+                <a:spcPts val="0"/>
+              </a:spcAft>
+              <a:buSzPts val="2800"/>
+              <a:buFont typeface="Montserrat"/>
+              <a:buChar char="-"/>
+            </a:pPr>
+            <a:r>
+              <a:rPr lang="en-US" sz="2800">
                 <a:latin typeface="Montserrat"/>
                 <a:ea typeface="Montserrat"/>
                 <a:cs typeface="Montserrat"/>
                 <a:sym typeface="Montserrat"/>
               </a:rPr>
-              <a:t>ASSOCIATION ALGORITHM - </a:t>
-            </a:r>
-            <a:r>
-              <a:rPr b="1" lang="en-US" sz="5200">
-                <a:latin typeface="Montserrat"/>
-                <a:ea typeface="Montserrat"/>
-                <a:cs typeface="Montserrat"/>
-                <a:sym typeface="Montserrat"/>
-              </a:rPr>
-              <a:t>FP GROWTH ALGORITHM</a:t>
-            </a:r>
-            <a:endParaRPr b="1" sz="5200">
+              <a:t>Average Silhouette score for K Means Clustering  is 0.702, implying a strong clustering structure</a:t>
+            </a:r>
+            <a:endParaRPr sz="2800">
               <a:latin typeface="Montserrat"/>
               <a:ea typeface="Montserrat"/>
               <a:cs typeface="Montserrat"/>
@@ -18120,44 +18815,16 @@
           </a:p>
         </p:txBody>
       </p:sp>
-      <p:pic>
-        <p:nvPicPr>
-          <p:cNvPr id="318" name="Google Shape;318;p32"/>
-          <p:cNvPicPr preferRelativeResize="0"/>
-          <p:nvPr/>
-        </p:nvPicPr>
-        <p:blipFill>
-          <a:blip r:embed="rId4">
-            <a:alphaModFix/>
-          </a:blip>
-          <a:stretch>
-            <a:fillRect/>
-          </a:stretch>
-        </p:blipFill>
-        <p:spPr>
-          <a:xfrm>
-            <a:off x="2833099" y="2156500"/>
-            <a:ext cx="5362102" cy="2262825"/>
-          </a:xfrm>
-          <a:prstGeom prst="rect">
-            <a:avLst/>
-          </a:prstGeom>
-          <a:noFill/>
-          <a:ln>
-            <a:noFill/>
-          </a:ln>
-        </p:spPr>
-      </p:pic>
       <p:sp>
         <p:nvSpPr>
-          <p:cNvPr id="319" name="Google Shape;319;p32"/>
+          <p:cNvPr id="312" name="Google Shape;312;p32"/>
           <p:cNvSpPr txBox="1"/>
           <p:nvPr/>
         </p:nvSpPr>
         <p:spPr>
           <a:xfrm>
-            <a:off x="2645100" y="4741175"/>
-            <a:ext cx="6419400" cy="4530300"/>
+            <a:off x="2446625" y="348150"/>
+            <a:ext cx="5632200" cy="7025700"/>
           </a:xfrm>
           <a:prstGeom prst="rect">
             <a:avLst/>
@@ -18173,7 +18840,7 @@
           </a:bodyPr>
           <a:lstStyle/>
           <a:p>
-            <a:pPr indent="-393700" lvl="0" marL="457200" rtl="0" algn="l">
+            <a:pPr indent="-419100" lvl="0" marL="457200" rtl="0" algn="just">
               <a:spcBef>
                 <a:spcPts val="0"/>
               </a:spcBef>
@@ -18183,12 +18850,12 @@
               <a:buClr>
                 <a:srgbClr val="0C234B"/>
               </a:buClr>
-              <a:buSzPts val="2600"/>
+              <a:buSzPts val="3000"/>
               <a:buFont typeface="Montserrat"/>
-              <a:buChar char="❏"/>
-            </a:pPr>
-            <a:r>
-              <a:rPr lang="en-US" sz="2600">
+              <a:buChar char="➢"/>
+            </a:pPr>
+            <a:r>
+              <a:rPr lang="en-US" sz="3000">
                 <a:solidFill>
                   <a:srgbClr val="0C234B"/>
                 </a:solidFill>
@@ -18197,9 +18864,9 @@
                 <a:cs typeface="Montserrat"/>
                 <a:sym typeface="Montserrat"/>
               </a:rPr>
-              <a:t>The graph illustrates association rules with nodes representing items, where larger nodes indicate higher support and darker edges reflect stronger lift values.</a:t>
-            </a:r>
-            <a:endParaRPr sz="2600">
+              <a:t>Cluster Cohesion and Separation: The silhouette plot demonstrates that Cluster 2 (green) has the highest silhouette width, indicating strong cohesion and clear separation from other clusters, whereas Cluster 3 (blue) shows poor cluster quality.</a:t>
+            </a:r>
+            <a:endParaRPr sz="3000">
               <a:solidFill>
                 <a:srgbClr val="0C234B"/>
               </a:solidFill>
@@ -18210,7 +18877,7 @@
             </a:endParaRPr>
           </a:p>
           <a:p>
-            <a:pPr indent="0" lvl="0" marL="914400" rtl="0" algn="l">
+            <a:pPr indent="0" lvl="0" marL="457200" rtl="0" algn="just">
               <a:spcBef>
                 <a:spcPts val="0"/>
               </a:spcBef>
@@ -18222,7 +18889,7 @@
             <a:r>
               <a:t/>
             </a:r>
-            <a:endParaRPr sz="2600">
+            <a:endParaRPr sz="3000">
               <a:solidFill>
                 <a:srgbClr val="0C234B"/>
               </a:solidFill>
@@ -18233,7 +18900,7 @@
             </a:endParaRPr>
           </a:p>
           <a:p>
-            <a:pPr indent="-393700" lvl="0" marL="457200" rtl="0" algn="l">
+            <a:pPr indent="-419100" lvl="0" marL="457200" rtl="0" algn="just">
               <a:spcBef>
                 <a:spcPts val="0"/>
               </a:spcBef>
@@ -18243,12 +18910,12 @@
               <a:buClr>
                 <a:srgbClr val="0C234B"/>
               </a:buClr>
-              <a:buSzPts val="2600"/>
+              <a:buSzPts val="3000"/>
               <a:buFont typeface="Montserrat"/>
-              <a:buChar char="❏"/>
-            </a:pPr>
-            <a:r>
-              <a:rPr lang="en-US" sz="2600">
+              <a:buChar char="➢"/>
+            </a:pPr>
+            <a:r>
+              <a:rPr lang="en-US" sz="3000">
                 <a:solidFill>
                   <a:srgbClr val="0C234B"/>
                 </a:solidFill>
@@ -18257,9 +18924,32 @@
                 <a:cs typeface="Montserrat"/>
                 <a:sym typeface="Montserrat"/>
               </a:rPr>
-              <a:t>Key associations like {23171} → {23170} highlight strong relationships, with lift values above 50, suggesting these items are frequently bought together.</a:t>
-            </a:r>
-            <a:endParaRPr sz="2600">
+              <a:t>Hierarchical Clustering Efficiency: With an average silhouette width of approximately 0.5, the clustering structure is moderately defined, suggesting scope for further tuning or testing alternate distance measures.</a:t>
+            </a:r>
+            <a:endParaRPr sz="3000">
+              <a:solidFill>
+                <a:srgbClr val="0C234B"/>
+              </a:solidFill>
+              <a:latin typeface="Montserrat"/>
+              <a:ea typeface="Montserrat"/>
+              <a:cs typeface="Montserrat"/>
+              <a:sym typeface="Montserrat"/>
+            </a:endParaRPr>
+          </a:p>
+          <a:p>
+            <a:pPr indent="0" lvl="0" marL="0" rtl="0" algn="just">
+              <a:spcBef>
+                <a:spcPts val="0"/>
+              </a:spcBef>
+              <a:spcAft>
+                <a:spcPts val="0"/>
+              </a:spcAft>
+              <a:buNone/>
+            </a:pPr>
+            <a:r>
+              <a:t/>
+            </a:r>
+            <a:endParaRPr sz="3000">
               <a:solidFill>
                 <a:srgbClr val="0C234B"/>
               </a:solidFill>
@@ -18284,7 +18974,7 @@
   <p:cSld>
     <p:spTree>
       <p:nvGrpSpPr>
-        <p:cNvPr id="323" name="Shape 323"/>
+        <p:cNvPr id="316" name="Shape 316"/>
         <p:cNvGrpSpPr/>
         <p:nvPr/>
       </p:nvGrpSpPr>
@@ -18298,7 +18988,59 @@
       </p:grpSpPr>
       <p:sp>
         <p:nvSpPr>
-          <p:cNvPr id="324" name="Google Shape;324;p33"/>
+          <p:cNvPr id="317" name="Google Shape;317;p33"/>
+          <p:cNvSpPr txBox="1"/>
+          <p:nvPr/>
+        </p:nvSpPr>
+        <p:spPr>
+          <a:xfrm>
+            <a:off x="7373600" y="1770775"/>
+            <a:ext cx="9634500" cy="1348500"/>
+          </a:xfrm>
+          <a:prstGeom prst="rect">
+            <a:avLst/>
+          </a:prstGeom>
+          <a:noFill/>
+          <a:ln>
+            <a:noFill/>
+          </a:ln>
+        </p:spPr>
+        <p:txBody>
+          <a:bodyPr anchorCtr="0" anchor="t" bIns="91425" lIns="91425" spcFirstLastPara="1" rIns="91425" wrap="square" tIns="91425">
+            <a:noAutofit/>
+          </a:bodyPr>
+          <a:lstStyle/>
+          <a:p>
+            <a:pPr indent="0" lvl="0" marL="0" rtl="0" algn="ctr">
+              <a:spcBef>
+                <a:spcPts val="0"/>
+              </a:spcBef>
+              <a:spcAft>
+                <a:spcPts val="0"/>
+              </a:spcAft>
+              <a:buNone/>
+            </a:pPr>
+            <a:r>
+              <a:rPr b="1" lang="en-US" sz="3000">
+                <a:latin typeface="Montserrat"/>
+                <a:ea typeface="Montserrat"/>
+                <a:cs typeface="Montserrat"/>
+                <a:sym typeface="Montserrat"/>
+              </a:rPr>
+              <a:t>.</a:t>
+            </a:r>
+            <a:endParaRPr b="1" sz="3000">
+              <a:latin typeface="Montserrat"/>
+              <a:ea typeface="Montserrat"/>
+              <a:cs typeface="Montserrat"/>
+              <a:sym typeface="Montserrat"/>
+            </a:endParaRPr>
+          </a:p>
+        </p:txBody>
+      </p:sp>
+      <p:sp>
+        <p:nvSpPr>
+          <p:cNvPr id="318" name="Google Shape;318;p33"/>
           <p:cNvSpPr txBox="1"/>
           <p:nvPr/>
         </p:nvSpPr>
@@ -18359,7 +19101,7 @@
       </p:sp>
       <p:pic>
         <p:nvPicPr>
-          <p:cNvPr id="325" name="Google Shape;325;p33"/>
+          <p:cNvPr id="319" name="Google Shape;319;p33"/>
           <p:cNvPicPr preferRelativeResize="0"/>
           <p:nvPr/>
         </p:nvPicPr>
@@ -18373,8 +19115,8 @@
         </p:blipFill>
         <p:spPr>
           <a:xfrm>
-            <a:off x="10566800" y="2673778"/>
-            <a:ext cx="7079824" cy="4369225"/>
+            <a:off x="9613009" y="2780800"/>
+            <a:ext cx="8334375" cy="5143500"/>
           </a:xfrm>
           <a:prstGeom prst="rect">
             <a:avLst/>
@@ -18387,14 +19129,14 @@
       </p:pic>
       <p:sp>
         <p:nvSpPr>
-          <p:cNvPr id="326" name="Google Shape;326;p33"/>
+          <p:cNvPr id="320" name="Google Shape;320;p33"/>
           <p:cNvSpPr txBox="1"/>
           <p:nvPr/>
         </p:nvSpPr>
         <p:spPr>
           <a:xfrm>
-            <a:off x="2426775" y="808000"/>
-            <a:ext cx="15351000" cy="1348500"/>
+            <a:off x="2354825" y="205700"/>
+            <a:ext cx="15006000" cy="1348500"/>
           </a:xfrm>
           <a:prstGeom prst="rect">
             <a:avLst/>
@@ -18426,7 +19168,16 @@
                 <a:cs typeface="Montserrat"/>
                 <a:sym typeface="Montserrat"/>
               </a:rPr>
-              <a:t>CLASSIFICATION ALGORITHM -  DECISION TREE</a:t>
+              <a:t>ASSOCIATION </a:t>
+            </a:r>
+            <a:r>
+              <a:rPr b="1" lang="en-US" sz="5200">
+                <a:latin typeface="Montserrat"/>
+                <a:ea typeface="Montserrat"/>
+                <a:cs typeface="Montserrat"/>
+                <a:sym typeface="Montserrat"/>
+              </a:rPr>
+              <a:t>ALGORITHM - ECLAT </a:t>
             </a:r>
             <a:endParaRPr b="1" sz="5200">
               <a:latin typeface="Montserrat"/>
@@ -18435,18 +19186,38 @@
               <a:sym typeface="Montserrat"/>
             </a:endParaRPr>
           </a:p>
+          <a:p>
+            <a:pPr indent="0" lvl="0" marL="0" rtl="0" algn="ctr">
+              <a:spcBef>
+                <a:spcPts val="0"/>
+              </a:spcBef>
+              <a:spcAft>
+                <a:spcPts val="0"/>
+              </a:spcAft>
+              <a:buNone/>
+            </a:pPr>
+            <a:r>
+              <a:t/>
+            </a:r>
+            <a:endParaRPr b="1" sz="3700">
+              <a:latin typeface="Montserrat"/>
+              <a:ea typeface="Montserrat"/>
+              <a:cs typeface="Montserrat"/>
+              <a:sym typeface="Montserrat"/>
+            </a:endParaRPr>
+          </a:p>
         </p:txBody>
       </p:sp>
       <p:sp>
         <p:nvSpPr>
-          <p:cNvPr id="327" name="Google Shape;327;p33"/>
+          <p:cNvPr id="321" name="Google Shape;321;p33"/>
           <p:cNvSpPr txBox="1"/>
           <p:nvPr/>
         </p:nvSpPr>
         <p:spPr>
           <a:xfrm>
-            <a:off x="2426775" y="2824275"/>
-            <a:ext cx="8101800" cy="7146600"/>
+            <a:off x="2837225" y="3021200"/>
+            <a:ext cx="6419400" cy="4519200"/>
           </a:xfrm>
           <a:prstGeom prst="rect">
             <a:avLst/>
@@ -18457,17 +19228,14 @@
           </a:ln>
         </p:spPr>
         <p:txBody>
-          <a:bodyPr anchorCtr="0" anchor="t" bIns="91425" lIns="91425" spcFirstLastPara="1" rIns="91425" wrap="square" tIns="91425">
-            <a:spAutoFit/>
+          <a:bodyPr anchorCtr="0" anchor="t" bIns="0" lIns="0" spcFirstLastPara="1" rIns="0" wrap="square" tIns="12700">
+            <a:noAutofit/>
           </a:bodyPr>
           <a:lstStyle/>
           <a:p>
             <a:pPr indent="-393700" lvl="0" marL="457200" rtl="0" algn="l">
-              <a:lnSpc>
-                <a:spcPct val="115000"/>
-              </a:lnSpc>
-              <a:spcBef>
-                <a:spcPts val="900"/>
+              <a:spcBef>
+                <a:spcPts val="0"/>
               </a:spcBef>
               <a:spcAft>
                 <a:spcPts val="0"/>
@@ -18477,7 +19245,7 @@
               </a:buClr>
               <a:buSzPts val="2600"/>
               <a:buFont typeface="Montserrat"/>
-              <a:buChar char="-"/>
+              <a:buChar char="➔"/>
             </a:pPr>
             <a:r>
               <a:rPr lang="en-US" sz="2600">
@@ -18489,7 +19257,7 @@
                 <a:cs typeface="Montserrat"/>
                 <a:sym typeface="Montserrat"/>
               </a:rPr>
-              <a:t>Decision Tree for Transaction Classification</a:t>
+              <a:t>The Eclat algorithm is a frequent itemset mining technique used in machine learning and data mining to discover patterns in transactional datasets. </a:t>
             </a:r>
             <a:endParaRPr sz="2600">
               <a:solidFill>
@@ -18502,12 +19270,9 @@
             </a:endParaRPr>
           </a:p>
           <a:p>
-            <a:pPr indent="0" lvl="0" marL="0" rtl="0" algn="l">
-              <a:lnSpc>
-                <a:spcPct val="115000"/>
-              </a:lnSpc>
-              <a:spcBef>
-                <a:spcPts val="900"/>
+            <a:pPr indent="0" lvl="0" marL="457200" rtl="0" algn="l">
+              <a:spcBef>
+                <a:spcPts val="0"/>
               </a:spcBef>
               <a:spcAft>
                 <a:spcPts val="0"/>
@@ -18529,11 +19294,8 @@
           </a:p>
           <a:p>
             <a:pPr indent="-393700" lvl="0" marL="457200" rtl="0" algn="l">
-              <a:lnSpc>
-                <a:spcPct val="115000"/>
-              </a:lnSpc>
-              <a:spcBef>
-                <a:spcPts val="900"/>
+              <a:spcBef>
+                <a:spcPts val="0"/>
               </a:spcBef>
               <a:spcAft>
                 <a:spcPts val="0"/>
@@ -18543,7 +19305,7 @@
               </a:buClr>
               <a:buSzPts val="2600"/>
               <a:buFont typeface="Montserrat"/>
-              <a:buChar char="-"/>
+              <a:buChar char="➔"/>
             </a:pPr>
             <a:r>
               <a:rPr lang="en-US" sz="2600">
@@ -18555,7 +19317,7 @@
                 <a:cs typeface="Montserrat"/>
                 <a:sym typeface="Montserrat"/>
               </a:rPr>
-              <a:t>Creating a target variable AmountCategory that classifies transactions into "High" or "Low" based on the Amount. </a:t>
+              <a:t>Recursively explores transactions in a database, building "equivalence classes" of items that frequently appear together.</a:t>
             </a:r>
             <a:endParaRPr sz="2600">
               <a:solidFill>
@@ -18568,12 +19330,9 @@
             </a:endParaRPr>
           </a:p>
           <a:p>
-            <a:pPr indent="0" lvl="0" marL="0" rtl="0" algn="l">
-              <a:lnSpc>
-                <a:spcPct val="115000"/>
-              </a:lnSpc>
-              <a:spcBef>
-                <a:spcPts val="900"/>
+            <a:pPr indent="0" lvl="0" marL="457200" rtl="0" algn="l">
+              <a:spcBef>
+                <a:spcPts val="0"/>
               </a:spcBef>
               <a:spcAft>
                 <a:spcPts val="0"/>
@@ -18595,11 +19354,8 @@
           </a:p>
           <a:p>
             <a:pPr indent="-393700" lvl="0" marL="457200" rtl="0" algn="l">
-              <a:lnSpc>
-                <a:spcPct val="115000"/>
-              </a:lnSpc>
-              <a:spcBef>
-                <a:spcPts val="1200"/>
+              <a:spcBef>
+                <a:spcPts val="0"/>
               </a:spcBef>
               <a:spcAft>
                 <a:spcPts val="0"/>
@@ -18609,7 +19365,7 @@
               </a:buClr>
               <a:buSzPts val="2600"/>
               <a:buFont typeface="Montserrat"/>
-              <a:buChar char="-"/>
+              <a:buChar char="➔"/>
             </a:pPr>
             <a:r>
               <a:rPr lang="en-US" sz="2600">
@@ -18621,7 +19377,7 @@
                 <a:cs typeface="Montserrat"/>
                 <a:sym typeface="Montserrat"/>
               </a:rPr>
-              <a:t>Training a decision tree model (rpart) using predictors like Quantity, UnitPrice, Recency, Frequency, and Monetary.</a:t>
+              <a:t>The chart highlights the top 10 most frequent itemsets, with “White Hanging heart light holder” having the highest support at 0.075. </a:t>
             </a:r>
             <a:endParaRPr sz="2600">
               <a:solidFill>
@@ -18635,11 +19391,8 @@
           </a:p>
           <a:p>
             <a:pPr indent="0" lvl="0" marL="0" rtl="0" algn="l">
-              <a:lnSpc>
-                <a:spcPct val="115000"/>
-              </a:lnSpc>
-              <a:spcBef>
-                <a:spcPts val="1200"/>
+              <a:spcBef>
+                <a:spcPts val="0"/>
               </a:spcBef>
               <a:spcAft>
                 <a:spcPts val="0"/>
@@ -18660,12 +19413,9 @@
             </a:endParaRPr>
           </a:p>
           <a:p>
-            <a:pPr indent="0" lvl="0" marL="0" rtl="0" algn="l">
-              <a:lnSpc>
-                <a:spcPct val="115000"/>
-              </a:lnSpc>
-              <a:spcBef>
-                <a:spcPts val="1200"/>
+            <a:pPr indent="0" lvl="0" marL="457200" rtl="0" algn="l">
+              <a:spcBef>
+                <a:spcPts val="0"/>
               </a:spcBef>
               <a:spcAft>
                 <a:spcPts val="0"/>
@@ -18686,38 +19436,9 @@
             </a:endParaRPr>
           </a:p>
           <a:p>
-            <a:pPr indent="-317500" lvl="0" marL="317500" rtl="0" algn="l">
-              <a:lnSpc>
-                <a:spcPct val="115000"/>
-              </a:lnSpc>
-              <a:spcBef>
-                <a:spcPts val="900"/>
-              </a:spcBef>
-              <a:spcAft>
-                <a:spcPts val="0"/>
-              </a:spcAft>
-              <a:buNone/>
-            </a:pPr>
-            <a:r>
-              <a:t/>
-            </a:r>
-            <a:endParaRPr sz="2600">
-              <a:solidFill>
-                <a:srgbClr val="0C234B"/>
-              </a:solidFill>
-              <a:latin typeface="Montserrat"/>
-              <a:ea typeface="Montserrat"/>
-              <a:cs typeface="Montserrat"/>
-              <a:sym typeface="Montserrat"/>
-            </a:endParaRPr>
-          </a:p>
-          <a:p>
-            <a:pPr indent="-317500" lvl="0" marL="317500" rtl="0" algn="l">
-              <a:lnSpc>
-                <a:spcPct val="115000"/>
-              </a:lnSpc>
-              <a:spcBef>
-                <a:spcPts val="900"/>
+            <a:pPr indent="0" lvl="0" marL="457200" rtl="0" algn="l">
+              <a:spcBef>
+                <a:spcPts val="0"/>
               </a:spcBef>
               <a:spcAft>
                 <a:spcPts val="0"/>
@@ -18752,7 +19473,123 @@
   <p:cSld>
     <p:spTree>
       <p:nvGrpSpPr>
-        <p:cNvPr id="331" name="Shape 331"/>
+        <p:cNvPr id="326" name="Shape 326"/>
+        <p:cNvGrpSpPr/>
+        <p:nvPr/>
+      </p:nvGrpSpPr>
+      <p:grpSpPr>
+        <a:xfrm>
+          <a:off x="0" y="0"/>
+          <a:ext cx="0" cy="0"/>
+          <a:chOff x="0" y="0"/>
+          <a:chExt cx="0" cy="0"/>
+        </a:xfrm>
+      </p:grpSpPr>
+      <p:pic>
+        <p:nvPicPr>
+          <p:cNvPr id="327" name="Google Shape;327;p34"/>
+          <p:cNvPicPr preferRelativeResize="0"/>
+          <p:nvPr/>
+        </p:nvPicPr>
+        <p:blipFill>
+          <a:blip r:embed="rId3">
+            <a:alphaModFix/>
+          </a:blip>
+          <a:stretch>
+            <a:fillRect/>
+          </a:stretch>
+        </p:blipFill>
+        <p:spPr>
+          <a:xfrm>
+            <a:off x="10102052" y="1721900"/>
+            <a:ext cx="8023825" cy="6363150"/>
+          </a:xfrm>
+          <a:prstGeom prst="rect">
+            <a:avLst/>
+          </a:prstGeom>
+          <a:noFill/>
+          <a:ln>
+            <a:noFill/>
+          </a:ln>
+        </p:spPr>
+      </p:pic>
+      <p:sp>
+        <p:nvSpPr>
+          <p:cNvPr id="328" name="Google Shape;328;p34"/>
+          <p:cNvSpPr txBox="1"/>
+          <p:nvPr/>
+        </p:nvSpPr>
+        <p:spPr>
+          <a:xfrm>
+            <a:off x="2417450" y="3679200"/>
+            <a:ext cx="7526700" cy="1785600"/>
+          </a:xfrm>
+          <a:prstGeom prst="rect">
+            <a:avLst/>
+          </a:prstGeom>
+          <a:noFill/>
+          <a:ln>
+            <a:noFill/>
+          </a:ln>
+        </p:spPr>
+        <p:txBody>
+          <a:bodyPr anchorCtr="0" anchor="t" bIns="91425" lIns="91425" spcFirstLastPara="1" rIns="91425" wrap="square" tIns="91425">
+            <a:spAutoFit/>
+          </a:bodyPr>
+          <a:lstStyle/>
+          <a:p>
+            <a:pPr indent="-393700" lvl="0" marL="457200" rtl="0" algn="l">
+              <a:spcBef>
+                <a:spcPts val="0"/>
+              </a:spcBef>
+              <a:spcAft>
+                <a:spcPts val="0"/>
+              </a:spcAft>
+              <a:buClr>
+                <a:srgbClr val="0C234B"/>
+              </a:buClr>
+              <a:buSzPts val="2600"/>
+              <a:buFont typeface="Montserrat"/>
+              <a:buChar char="➔"/>
+            </a:pPr>
+            <a:r>
+              <a:rPr lang="en-US" sz="2600">
+                <a:solidFill>
+                  <a:srgbClr val="0C234B"/>
+                </a:solidFill>
+                <a:latin typeface="Montserrat"/>
+                <a:ea typeface="Montserrat"/>
+                <a:cs typeface="Montserrat"/>
+                <a:sym typeface="Montserrat"/>
+              </a:rPr>
+              <a:t>The high support values indicate these items were frequently purchased together, making them significant for association rule mining.</a:t>
+            </a:r>
+            <a:endParaRPr sz="2600">
+              <a:solidFill>
+                <a:srgbClr val="0C234B"/>
+              </a:solidFill>
+              <a:latin typeface="Montserrat"/>
+              <a:ea typeface="Montserrat"/>
+              <a:cs typeface="Montserrat"/>
+              <a:sym typeface="Montserrat"/>
+            </a:endParaRPr>
+          </a:p>
+        </p:txBody>
+      </p:sp>
+    </p:spTree>
+  </p:cSld>
+  <p:clrMapOvr>
+    <a:masterClrMapping/>
+  </p:clrMapOvr>
+</p:sld>
+</file>
+
+<file path=ppt/slides/slide18.xml><?xml version="1.0" encoding="utf-8"?>
+<p:sld xmlns:a="http://schemas.openxmlformats.org/drawingml/2006/main" xmlns:r="http://schemas.openxmlformats.org/officeDocument/2006/relationships" xmlns:mc="http://schemas.openxmlformats.org/markup-compatibility/2006" xmlns:mv="urn:schemas-microsoft-com:mac:vml" xmlns:p="http://schemas.openxmlformats.org/presentationml/2006/main" xmlns:c="http://schemas.openxmlformats.org/drawingml/2006/chart" xmlns:dgm="http://schemas.openxmlformats.org/drawingml/2006/diagram" xmlns:o="urn:schemas-microsoft-com:office:office" xmlns:v="urn:schemas-microsoft-com:vml" xmlns:pvml="urn:schemas-microsoft-com:office:powerpoint" xmlns:com="http://schemas.openxmlformats.org/drawingml/2006/compatibility" xmlns:p14="http://schemas.microsoft.com/office/powerpoint/2010/main" xmlns:p15="http://schemas.microsoft.com/office/powerpoint/2012/main" xmlns:ahyp="http://schemas.microsoft.com/office/drawing/2018/hyperlinkcolor">
+  <p:cSld>
+    <p:spTree>
+      <p:nvGrpSpPr>
+        <p:cNvPr id="332" name="Shape 332"/>
         <p:cNvGrpSpPr/>
         <p:nvPr/>
       </p:nvGrpSpPr>
@@ -18766,7 +19603,7 @@
       </p:grpSpPr>
       <p:sp>
         <p:nvSpPr>
-          <p:cNvPr id="332" name="Google Shape;332;p34"/>
+          <p:cNvPr id="333" name="Google Shape;333;p35"/>
           <p:cNvSpPr txBox="1"/>
           <p:nvPr/>
         </p:nvSpPr>
@@ -18825,448 +19662,9 @@
           </a:p>
         </p:txBody>
       </p:sp>
-      <p:sp>
-        <p:nvSpPr>
-          <p:cNvPr id="333" name="Google Shape;333;p34"/>
-          <p:cNvSpPr txBox="1"/>
-          <p:nvPr/>
-        </p:nvSpPr>
-        <p:spPr>
-          <a:xfrm>
-            <a:off x="2426775" y="808000"/>
-            <a:ext cx="15351000" cy="1348500"/>
-          </a:xfrm>
-          <a:prstGeom prst="rect">
-            <a:avLst/>
-          </a:prstGeom>
-          <a:noFill/>
-          <a:ln>
-            <a:noFill/>
-          </a:ln>
-        </p:spPr>
-        <p:txBody>
-          <a:bodyPr anchorCtr="0" anchor="t" bIns="91425" lIns="91425" spcFirstLastPara="1" rIns="91425" wrap="square" tIns="91425">
-            <a:noAutofit/>
-          </a:bodyPr>
-          <a:lstStyle/>
-          <a:p>
-            <a:pPr indent="0" lvl="0" marL="0" rtl="0" algn="ctr">
-              <a:spcBef>
-                <a:spcPts val="0"/>
-              </a:spcBef>
-              <a:spcAft>
-                <a:spcPts val="0"/>
-              </a:spcAft>
-              <a:buNone/>
-            </a:pPr>
-            <a:r>
-              <a:rPr b="1" lang="en-US" sz="5200">
-                <a:latin typeface="Montserrat"/>
-                <a:ea typeface="Montserrat"/>
-                <a:cs typeface="Montserrat"/>
-                <a:sym typeface="Montserrat"/>
-              </a:rPr>
-              <a:t>CLASSIFICATION ALGORITHM -  DECISION TREE</a:t>
-            </a:r>
-            <a:endParaRPr b="1" sz="5200">
-              <a:latin typeface="Montserrat"/>
-              <a:ea typeface="Montserrat"/>
-              <a:cs typeface="Montserrat"/>
-              <a:sym typeface="Montserrat"/>
-            </a:endParaRPr>
-          </a:p>
-        </p:txBody>
-      </p:sp>
-      <p:sp>
-        <p:nvSpPr>
-          <p:cNvPr id="334" name="Google Shape;334;p34"/>
-          <p:cNvSpPr txBox="1"/>
-          <p:nvPr/>
-        </p:nvSpPr>
-        <p:spPr>
-          <a:xfrm>
-            <a:off x="2426775" y="2544375"/>
-            <a:ext cx="8101800" cy="6801900"/>
-          </a:xfrm>
-          <a:prstGeom prst="rect">
-            <a:avLst/>
-          </a:prstGeom>
-          <a:noFill/>
-          <a:ln>
-            <a:noFill/>
-          </a:ln>
-        </p:spPr>
-        <p:txBody>
-          <a:bodyPr anchorCtr="0" anchor="t" bIns="91425" lIns="91425" spcFirstLastPara="1" rIns="91425" wrap="square" tIns="91425">
-            <a:spAutoFit/>
-          </a:bodyPr>
-          <a:lstStyle/>
-          <a:p>
-            <a:pPr indent="-317500" lvl="0" marL="317500" rtl="0" algn="l">
-              <a:lnSpc>
-                <a:spcPct val="115000"/>
-              </a:lnSpc>
-              <a:spcBef>
-                <a:spcPts val="900"/>
-              </a:spcBef>
-              <a:spcAft>
-                <a:spcPts val="0"/>
-              </a:spcAft>
-              <a:buNone/>
-            </a:pPr>
-            <a:r>
-              <a:rPr lang="en-US" sz="2600">
-                <a:solidFill>
-                  <a:srgbClr val="0C234B"/>
-                </a:solidFill>
-                <a:latin typeface="Montserrat"/>
-                <a:ea typeface="Montserrat"/>
-                <a:cs typeface="Montserrat"/>
-                <a:sym typeface="Montserrat"/>
-              </a:rPr>
-              <a:t>Accuracy: 0.9682914 </a:t>
-            </a:r>
-            <a:endParaRPr sz="2600">
-              <a:solidFill>
-                <a:srgbClr val="0C234B"/>
-              </a:solidFill>
-              <a:latin typeface="Montserrat"/>
-              <a:ea typeface="Montserrat"/>
-              <a:cs typeface="Montserrat"/>
-              <a:sym typeface="Montserrat"/>
-            </a:endParaRPr>
-          </a:p>
-          <a:p>
-            <a:pPr indent="-317500" lvl="0" marL="317500" rtl="0" algn="l">
-              <a:lnSpc>
-                <a:spcPct val="115000"/>
-              </a:lnSpc>
-              <a:spcBef>
-                <a:spcPts val="900"/>
-              </a:spcBef>
-              <a:spcAft>
-                <a:spcPts val="0"/>
-              </a:spcAft>
-              <a:buNone/>
-            </a:pPr>
-            <a:r>
-              <a:rPr lang="en-US" sz="2600">
-                <a:solidFill>
-                  <a:srgbClr val="0C234B"/>
-                </a:solidFill>
-                <a:latin typeface="Montserrat"/>
-                <a:ea typeface="Montserrat"/>
-                <a:cs typeface="Montserrat"/>
-                <a:sym typeface="Montserrat"/>
-              </a:rPr>
-              <a:t>Precision (High): 0.9495289 </a:t>
-            </a:r>
-            <a:endParaRPr sz="2600">
-              <a:solidFill>
-                <a:srgbClr val="0C234B"/>
-              </a:solidFill>
-              <a:latin typeface="Montserrat"/>
-              <a:ea typeface="Montserrat"/>
-              <a:cs typeface="Montserrat"/>
-              <a:sym typeface="Montserrat"/>
-            </a:endParaRPr>
-          </a:p>
-          <a:p>
-            <a:pPr indent="-317500" lvl="0" marL="317500" rtl="0" algn="l">
-              <a:lnSpc>
-                <a:spcPct val="115000"/>
-              </a:lnSpc>
-              <a:spcBef>
-                <a:spcPts val="900"/>
-              </a:spcBef>
-              <a:spcAft>
-                <a:spcPts val="0"/>
-              </a:spcAft>
-              <a:buNone/>
-            </a:pPr>
-            <a:r>
-              <a:rPr lang="en-US" sz="2600">
-                <a:solidFill>
-                  <a:srgbClr val="0C234B"/>
-                </a:solidFill>
-                <a:latin typeface="Montserrat"/>
-                <a:ea typeface="Montserrat"/>
-                <a:cs typeface="Montserrat"/>
-                <a:sym typeface="Montserrat"/>
-              </a:rPr>
-              <a:t>Recall (High): 0.9892674 </a:t>
-            </a:r>
-            <a:endParaRPr sz="2600">
-              <a:solidFill>
-                <a:srgbClr val="0C234B"/>
-              </a:solidFill>
-              <a:latin typeface="Montserrat"/>
-              <a:ea typeface="Montserrat"/>
-              <a:cs typeface="Montserrat"/>
-              <a:sym typeface="Montserrat"/>
-            </a:endParaRPr>
-          </a:p>
-          <a:p>
-            <a:pPr indent="-317500" lvl="0" marL="317500" rtl="0" algn="l">
-              <a:lnSpc>
-                <a:spcPct val="115000"/>
-              </a:lnSpc>
-              <a:spcBef>
-                <a:spcPts val="900"/>
-              </a:spcBef>
-              <a:spcAft>
-                <a:spcPts val="0"/>
-              </a:spcAft>
-              <a:buNone/>
-            </a:pPr>
-            <a:r>
-              <a:rPr lang="en-US" sz="2600">
-                <a:solidFill>
-                  <a:srgbClr val="0C234B"/>
-                </a:solidFill>
-                <a:latin typeface="Montserrat"/>
-                <a:ea typeface="Montserrat"/>
-                <a:cs typeface="Montserrat"/>
-                <a:sym typeface="Montserrat"/>
-              </a:rPr>
-              <a:t>F1-Score (High): 0.9689909 </a:t>
-            </a:r>
-            <a:endParaRPr sz="2600">
-              <a:solidFill>
-                <a:srgbClr val="0C234B"/>
-              </a:solidFill>
-              <a:latin typeface="Montserrat"/>
-              <a:ea typeface="Montserrat"/>
-              <a:cs typeface="Montserrat"/>
-              <a:sym typeface="Montserrat"/>
-            </a:endParaRPr>
-          </a:p>
-          <a:p>
-            <a:pPr indent="-317500" lvl="0" marL="317500" rtl="0" algn="l">
-              <a:lnSpc>
-                <a:spcPct val="115000"/>
-              </a:lnSpc>
-              <a:spcBef>
-                <a:spcPts val="900"/>
-              </a:spcBef>
-              <a:spcAft>
-                <a:spcPts val="0"/>
-              </a:spcAft>
-              <a:buNone/>
-            </a:pPr>
-            <a:r>
-              <a:rPr lang="en-US" sz="2600">
-                <a:solidFill>
-                  <a:srgbClr val="0C234B"/>
-                </a:solidFill>
-                <a:latin typeface="Montserrat"/>
-                <a:ea typeface="Montserrat"/>
-                <a:cs typeface="Montserrat"/>
-                <a:sym typeface="Montserrat"/>
-              </a:rPr>
-              <a:t>Precision (Low): 0.9887612 </a:t>
-            </a:r>
-            <a:endParaRPr sz="2600">
-              <a:solidFill>
-                <a:srgbClr val="0C234B"/>
-              </a:solidFill>
-              <a:latin typeface="Montserrat"/>
-              <a:ea typeface="Montserrat"/>
-              <a:cs typeface="Montserrat"/>
-              <a:sym typeface="Montserrat"/>
-            </a:endParaRPr>
-          </a:p>
-          <a:p>
-            <a:pPr indent="-317500" lvl="0" marL="317500" rtl="0" algn="l">
-              <a:lnSpc>
-                <a:spcPct val="115000"/>
-              </a:lnSpc>
-              <a:spcBef>
-                <a:spcPts val="900"/>
-              </a:spcBef>
-              <a:spcAft>
-                <a:spcPts val="0"/>
-              </a:spcAft>
-              <a:buNone/>
-            </a:pPr>
-            <a:r>
-              <a:rPr lang="en-US" sz="2600">
-                <a:solidFill>
-                  <a:srgbClr val="0C234B"/>
-                </a:solidFill>
-                <a:latin typeface="Montserrat"/>
-                <a:ea typeface="Montserrat"/>
-                <a:cs typeface="Montserrat"/>
-                <a:sym typeface="Montserrat"/>
-              </a:rPr>
-              <a:t>Recall (Low): 0.9472483 </a:t>
-            </a:r>
-            <a:endParaRPr sz="2600">
-              <a:solidFill>
-                <a:srgbClr val="0C234B"/>
-              </a:solidFill>
-              <a:latin typeface="Montserrat"/>
-              <a:ea typeface="Montserrat"/>
-              <a:cs typeface="Montserrat"/>
-              <a:sym typeface="Montserrat"/>
-            </a:endParaRPr>
-          </a:p>
-          <a:p>
-            <a:pPr indent="-317500" lvl="0" marL="317500" rtl="0" algn="l">
-              <a:lnSpc>
-                <a:spcPct val="115000"/>
-              </a:lnSpc>
-              <a:spcBef>
-                <a:spcPts val="900"/>
-              </a:spcBef>
-              <a:spcAft>
-                <a:spcPts val="0"/>
-              </a:spcAft>
-              <a:buNone/>
-            </a:pPr>
-            <a:r>
-              <a:rPr lang="en-US" sz="2600">
-                <a:solidFill>
-                  <a:srgbClr val="0C234B"/>
-                </a:solidFill>
-                <a:latin typeface="Montserrat"/>
-                <a:ea typeface="Montserrat"/>
-                <a:cs typeface="Montserrat"/>
-                <a:sym typeface="Montserrat"/>
-              </a:rPr>
-              <a:t>F1-Score (Low): 0.9675597</a:t>
-            </a:r>
-            <a:endParaRPr sz="900">
-              <a:solidFill>
-                <a:srgbClr val="E6E1DC"/>
-              </a:solidFill>
-              <a:highlight>
-                <a:srgbClr val="202020"/>
-              </a:highlight>
-              <a:latin typeface="Courier New"/>
-              <a:ea typeface="Courier New"/>
-              <a:cs typeface="Courier New"/>
-              <a:sym typeface="Courier New"/>
-            </a:endParaRPr>
-          </a:p>
-          <a:p>
-            <a:pPr indent="-317500" lvl="0" marL="317500" rtl="0" algn="l">
-              <a:lnSpc>
-                <a:spcPct val="115000"/>
-              </a:lnSpc>
-              <a:spcBef>
-                <a:spcPts val="900"/>
-              </a:spcBef>
-              <a:spcAft>
-                <a:spcPts val="0"/>
-              </a:spcAft>
-              <a:buNone/>
-            </a:pPr>
-            <a:r>
-              <a:t/>
-            </a:r>
-            <a:endParaRPr sz="2600">
-              <a:solidFill>
-                <a:srgbClr val="0C234B"/>
-              </a:solidFill>
-              <a:latin typeface="Montserrat"/>
-              <a:ea typeface="Montserrat"/>
-              <a:cs typeface="Montserrat"/>
-              <a:sym typeface="Montserrat"/>
-            </a:endParaRPr>
-          </a:p>
-          <a:p>
-            <a:pPr indent="0" lvl="0" marL="0" rtl="0" algn="l">
-              <a:lnSpc>
-                <a:spcPct val="115000"/>
-              </a:lnSpc>
-              <a:spcBef>
-                <a:spcPts val="900"/>
-              </a:spcBef>
-              <a:spcAft>
-                <a:spcPts val="0"/>
-              </a:spcAft>
-              <a:buNone/>
-            </a:pPr>
-            <a:r>
-              <a:rPr lang="en-US" sz="2600">
-                <a:solidFill>
-                  <a:srgbClr val="0C234B"/>
-                </a:solidFill>
-                <a:latin typeface="Montserrat"/>
-                <a:ea typeface="Montserrat"/>
-                <a:cs typeface="Montserrat"/>
-                <a:sym typeface="Montserrat"/>
-              </a:rPr>
-              <a:t>High Precision and Recall with balanced F1-score.</a:t>
-            </a:r>
-            <a:endParaRPr sz="2600">
-              <a:solidFill>
-                <a:srgbClr val="0C234B"/>
-              </a:solidFill>
-              <a:latin typeface="Montserrat"/>
-              <a:ea typeface="Montserrat"/>
-              <a:cs typeface="Montserrat"/>
-              <a:sym typeface="Montserrat"/>
-            </a:endParaRPr>
-          </a:p>
-          <a:p>
-            <a:pPr indent="-317500" lvl="0" marL="317500" rtl="0" algn="l">
-              <a:lnSpc>
-                <a:spcPct val="115000"/>
-              </a:lnSpc>
-              <a:spcBef>
-                <a:spcPts val="900"/>
-              </a:spcBef>
-              <a:spcAft>
-                <a:spcPts val="0"/>
-              </a:spcAft>
-              <a:buNone/>
-            </a:pPr>
-            <a:r>
-              <a:t/>
-            </a:r>
-            <a:endParaRPr sz="2600">
-              <a:solidFill>
-                <a:srgbClr val="0C234B"/>
-              </a:solidFill>
-              <a:latin typeface="Montserrat"/>
-              <a:ea typeface="Montserrat"/>
-              <a:cs typeface="Montserrat"/>
-              <a:sym typeface="Montserrat"/>
-            </a:endParaRPr>
-          </a:p>
-          <a:p>
-            <a:pPr indent="-317500" lvl="0" marL="317500" rtl="0" algn="l">
-              <a:lnSpc>
-                <a:spcPct val="115000"/>
-              </a:lnSpc>
-              <a:spcBef>
-                <a:spcPts val="900"/>
-              </a:spcBef>
-              <a:spcAft>
-                <a:spcPts val="0"/>
-              </a:spcAft>
-              <a:buNone/>
-            </a:pPr>
-            <a:r>
-              <a:t/>
-            </a:r>
-            <a:endParaRPr sz="2600">
-              <a:solidFill>
-                <a:srgbClr val="0C234B"/>
-              </a:solidFill>
-              <a:latin typeface="Montserrat"/>
-              <a:ea typeface="Montserrat"/>
-              <a:cs typeface="Montserrat"/>
-              <a:sym typeface="Montserrat"/>
-            </a:endParaRPr>
-          </a:p>
-        </p:txBody>
-      </p:sp>
       <p:pic>
         <p:nvPicPr>
-          <p:cNvPr id="335" name="Google Shape;335;p34"/>
+          <p:cNvPr id="334" name="Google Shape;334;p35"/>
           <p:cNvPicPr preferRelativeResize="0"/>
           <p:nvPr/>
         </p:nvPicPr>
@@ -19280,8 +19678,8 @@
         </p:blipFill>
         <p:spPr>
           <a:xfrm>
-            <a:off x="10318425" y="2990675"/>
-            <a:ext cx="7777024" cy="4802025"/>
+            <a:off x="9144000" y="2856899"/>
+            <a:ext cx="8966276" cy="5533449"/>
           </a:xfrm>
           <a:prstGeom prst="rect">
             <a:avLst/>
@@ -19292,6 +19690,251 @@
           </a:ln>
         </p:spPr>
       </p:pic>
+      <p:sp>
+        <p:nvSpPr>
+          <p:cNvPr id="335" name="Google Shape;335;p35"/>
+          <p:cNvSpPr txBox="1"/>
+          <p:nvPr/>
+        </p:nvSpPr>
+        <p:spPr>
+          <a:xfrm>
+            <a:off x="2287775" y="192375"/>
+            <a:ext cx="15708600" cy="1348500"/>
+          </a:xfrm>
+          <a:prstGeom prst="rect">
+            <a:avLst/>
+          </a:prstGeom>
+          <a:noFill/>
+          <a:ln>
+            <a:noFill/>
+          </a:ln>
+        </p:spPr>
+        <p:txBody>
+          <a:bodyPr anchorCtr="0" anchor="t" bIns="91425" lIns="91425" spcFirstLastPara="1" rIns="91425" wrap="square" tIns="91425">
+            <a:noAutofit/>
+          </a:bodyPr>
+          <a:lstStyle/>
+          <a:p>
+            <a:pPr indent="0" lvl="0" marL="0" rtl="0" algn="ctr">
+              <a:spcBef>
+                <a:spcPts val="0"/>
+              </a:spcBef>
+              <a:spcAft>
+                <a:spcPts val="0"/>
+              </a:spcAft>
+              <a:buNone/>
+            </a:pPr>
+            <a:r>
+              <a:rPr b="1" lang="en-US" sz="5200">
+                <a:solidFill>
+                  <a:schemeClr val="dk1"/>
+                </a:solidFill>
+                <a:latin typeface="Montserrat"/>
+                <a:ea typeface="Montserrat"/>
+                <a:cs typeface="Montserrat"/>
+                <a:sym typeface="Montserrat"/>
+              </a:rPr>
+              <a:t>ASSOCIATION ALGORITHM - </a:t>
+            </a:r>
+            <a:r>
+              <a:rPr b="1" lang="en-US" sz="5200">
+                <a:latin typeface="Montserrat"/>
+                <a:ea typeface="Montserrat"/>
+                <a:cs typeface="Montserrat"/>
+                <a:sym typeface="Montserrat"/>
+              </a:rPr>
+              <a:t>FP GROWTH ALGORITHM</a:t>
+            </a:r>
+            <a:endParaRPr b="1" sz="5200">
+              <a:latin typeface="Montserrat"/>
+              <a:ea typeface="Montserrat"/>
+              <a:cs typeface="Montserrat"/>
+              <a:sym typeface="Montserrat"/>
+            </a:endParaRPr>
+          </a:p>
+        </p:txBody>
+      </p:sp>
+      <p:sp>
+        <p:nvSpPr>
+          <p:cNvPr id="336" name="Google Shape;336;p35"/>
+          <p:cNvSpPr txBox="1"/>
+          <p:nvPr/>
+        </p:nvSpPr>
+        <p:spPr>
+          <a:xfrm>
+            <a:off x="2490800" y="4484000"/>
+            <a:ext cx="6419400" cy="4530300"/>
+          </a:xfrm>
+          <a:prstGeom prst="rect">
+            <a:avLst/>
+          </a:prstGeom>
+          <a:noFill/>
+          <a:ln>
+            <a:noFill/>
+          </a:ln>
+        </p:spPr>
+        <p:txBody>
+          <a:bodyPr anchorCtr="0" anchor="t" bIns="0" lIns="0" spcFirstLastPara="1" rIns="0" wrap="square" tIns="12700">
+            <a:noAutofit/>
+          </a:bodyPr>
+          <a:lstStyle/>
+          <a:p>
+            <a:pPr indent="-393700" lvl="0" marL="457200" rtl="0" algn="l">
+              <a:spcBef>
+                <a:spcPts val="0"/>
+              </a:spcBef>
+              <a:spcAft>
+                <a:spcPts val="0"/>
+              </a:spcAft>
+              <a:buClr>
+                <a:srgbClr val="0C234B"/>
+              </a:buClr>
+              <a:buSzPts val="2600"/>
+              <a:buFont typeface="Montserrat"/>
+              <a:buChar char="❏"/>
+            </a:pPr>
+            <a:r>
+              <a:rPr lang="en-US" sz="2600">
+                <a:solidFill>
+                  <a:srgbClr val="0C234B"/>
+                </a:solidFill>
+                <a:latin typeface="Montserrat"/>
+                <a:ea typeface="Montserrat"/>
+                <a:cs typeface="Montserrat"/>
+                <a:sym typeface="Montserrat"/>
+              </a:rPr>
+              <a:t>The graph illustrates association rules with nodes representing items, where larger nodes indicate higher support and darker edges reflect stronger lift values.</a:t>
+            </a:r>
+            <a:endParaRPr sz="2600">
+              <a:solidFill>
+                <a:srgbClr val="0C234B"/>
+              </a:solidFill>
+              <a:latin typeface="Montserrat"/>
+              <a:ea typeface="Montserrat"/>
+              <a:cs typeface="Montserrat"/>
+              <a:sym typeface="Montserrat"/>
+            </a:endParaRPr>
+          </a:p>
+          <a:p>
+            <a:pPr indent="0" lvl="0" marL="914400" rtl="0" algn="l">
+              <a:spcBef>
+                <a:spcPts val="0"/>
+              </a:spcBef>
+              <a:spcAft>
+                <a:spcPts val="0"/>
+              </a:spcAft>
+              <a:buNone/>
+            </a:pPr>
+            <a:r>
+              <a:t/>
+            </a:r>
+            <a:endParaRPr sz="2600">
+              <a:solidFill>
+                <a:srgbClr val="0C234B"/>
+              </a:solidFill>
+              <a:latin typeface="Montserrat"/>
+              <a:ea typeface="Montserrat"/>
+              <a:cs typeface="Montserrat"/>
+              <a:sym typeface="Montserrat"/>
+            </a:endParaRPr>
+          </a:p>
+          <a:p>
+            <a:pPr indent="-393700" lvl="0" marL="457200" rtl="0" algn="l">
+              <a:spcBef>
+                <a:spcPts val="0"/>
+              </a:spcBef>
+              <a:spcAft>
+                <a:spcPts val="0"/>
+              </a:spcAft>
+              <a:buClr>
+                <a:srgbClr val="0C234B"/>
+              </a:buClr>
+              <a:buSzPts val="2600"/>
+              <a:buFont typeface="Montserrat"/>
+              <a:buChar char="❏"/>
+            </a:pPr>
+            <a:r>
+              <a:rPr lang="en-US" sz="2600">
+                <a:solidFill>
+                  <a:srgbClr val="0C234B"/>
+                </a:solidFill>
+                <a:latin typeface="Montserrat"/>
+                <a:ea typeface="Montserrat"/>
+                <a:cs typeface="Montserrat"/>
+                <a:sym typeface="Montserrat"/>
+              </a:rPr>
+              <a:t>Key associations like {23171} → {23170} highlight strong relationships, with lift values above 50, suggesting these items are frequently bought together.</a:t>
+            </a:r>
+            <a:endParaRPr sz="2600">
+              <a:solidFill>
+                <a:srgbClr val="0C234B"/>
+              </a:solidFill>
+              <a:latin typeface="Montserrat"/>
+              <a:ea typeface="Montserrat"/>
+              <a:cs typeface="Montserrat"/>
+              <a:sym typeface="Montserrat"/>
+            </a:endParaRPr>
+          </a:p>
+        </p:txBody>
+      </p:sp>
+      <p:sp>
+        <p:nvSpPr>
+          <p:cNvPr id="337" name="Google Shape;337;p35"/>
+          <p:cNvSpPr txBox="1"/>
+          <p:nvPr/>
+        </p:nvSpPr>
+        <p:spPr>
+          <a:xfrm>
+            <a:off x="2588900" y="2211700"/>
+            <a:ext cx="6321300" cy="2177400"/>
+          </a:xfrm>
+          <a:prstGeom prst="rect">
+            <a:avLst/>
+          </a:prstGeom>
+          <a:noFill/>
+          <a:ln>
+            <a:noFill/>
+          </a:ln>
+        </p:spPr>
+        <p:txBody>
+          <a:bodyPr anchorCtr="0" anchor="t" bIns="91425" lIns="91425" spcFirstLastPara="1" rIns="91425" wrap="square" tIns="91425">
+            <a:noAutofit/>
+          </a:bodyPr>
+          <a:lstStyle/>
+          <a:p>
+            <a:pPr indent="0" lvl="0" marL="0" rtl="0" algn="l">
+              <a:spcBef>
+                <a:spcPts val="0"/>
+              </a:spcBef>
+              <a:spcAft>
+                <a:spcPts val="0"/>
+              </a:spcAft>
+              <a:buNone/>
+            </a:pPr>
+            <a:r>
+              <a:rPr lang="en-US" sz="2600">
+                <a:solidFill>
+                  <a:srgbClr val="0C234B"/>
+                </a:solidFill>
+                <a:latin typeface="Montserrat"/>
+                <a:ea typeface="Montserrat"/>
+                <a:cs typeface="Montserrat"/>
+                <a:sym typeface="Montserrat"/>
+              </a:rPr>
+              <a:t>FPGrowth is an algorithm for discovering itemsets (group of items) occurring frequently in a transaction database (frequent itemsets). </a:t>
+            </a:r>
+            <a:endParaRPr sz="2600">
+              <a:solidFill>
+                <a:srgbClr val="0C234B"/>
+              </a:solidFill>
+              <a:latin typeface="Montserrat"/>
+              <a:ea typeface="Montserrat"/>
+              <a:cs typeface="Montserrat"/>
+              <a:sym typeface="Montserrat"/>
+            </a:endParaRPr>
+          </a:p>
+        </p:txBody>
+      </p:sp>
     </p:spTree>
   </p:cSld>
   <p:clrMapOvr>
@@ -19300,12 +19943,12 @@
 </p:sld>
 </file>
 
-<file path=ppt/slides/slide18.xml><?xml version="1.0" encoding="utf-8"?>
+<file path=ppt/slides/slide19.xml><?xml version="1.0" encoding="utf-8"?>
 <p:sld xmlns:a="http://schemas.openxmlformats.org/drawingml/2006/main" xmlns:r="http://schemas.openxmlformats.org/officeDocument/2006/relationships" xmlns:mc="http://schemas.openxmlformats.org/markup-compatibility/2006" xmlns:mv="urn:schemas-microsoft-com:mac:vml" xmlns:p="http://schemas.openxmlformats.org/presentationml/2006/main" xmlns:c="http://schemas.openxmlformats.org/drawingml/2006/chart" xmlns:dgm="http://schemas.openxmlformats.org/drawingml/2006/diagram" xmlns:o="urn:schemas-microsoft-com:office:office" xmlns:v="urn:schemas-microsoft-com:vml" xmlns:pvml="urn:schemas-microsoft-com:office:powerpoint" xmlns:com="http://schemas.openxmlformats.org/drawingml/2006/compatibility" xmlns:p14="http://schemas.microsoft.com/office/powerpoint/2010/main" xmlns:p15="http://schemas.microsoft.com/office/powerpoint/2012/main" xmlns:ahyp="http://schemas.microsoft.com/office/drawing/2018/hyperlinkcolor">
   <p:cSld>
     <p:spTree>
       <p:nvGrpSpPr>
-        <p:cNvPr id="339" name="Shape 339"/>
+        <p:cNvPr id="342" name="Shape 342"/>
         <p:cNvGrpSpPr/>
         <p:nvPr/>
       </p:nvGrpSpPr>
@@ -19317,453 +19960,9 @@
           <a:chExt cx="0" cy="0"/>
         </a:xfrm>
       </p:grpSpPr>
-      <p:sp>
-        <p:nvSpPr>
-          <p:cNvPr id="340" name="Google Shape;340;p35"/>
-          <p:cNvSpPr txBox="1"/>
-          <p:nvPr/>
-        </p:nvSpPr>
-        <p:spPr>
-          <a:xfrm>
-            <a:off x="3690900" y="252600"/>
-            <a:ext cx="13729800" cy="1661700"/>
-          </a:xfrm>
-          <a:prstGeom prst="rect">
-            <a:avLst/>
-          </a:prstGeom>
-          <a:noFill/>
-          <a:ln>
-            <a:noFill/>
-          </a:ln>
-        </p:spPr>
-        <p:txBody>
-          <a:bodyPr anchorCtr="0" anchor="t" bIns="91425" lIns="91425" spcFirstLastPara="1" rIns="91425" wrap="square" tIns="91425">
-            <a:noAutofit/>
-          </a:bodyPr>
-          <a:lstStyle/>
-          <a:p>
-            <a:pPr indent="0" lvl="0" marL="0" rtl="0" algn="ctr">
-              <a:spcBef>
-                <a:spcPts val="0"/>
-              </a:spcBef>
-              <a:spcAft>
-                <a:spcPts val="0"/>
-              </a:spcAft>
-              <a:buClr>
-                <a:schemeClr val="dk1"/>
-              </a:buClr>
-              <a:buSzPts val="1100"/>
-              <a:buFont typeface="Arial"/>
-              <a:buNone/>
-            </a:pPr>
-            <a:r>
-              <a:rPr b="1" lang="en-US" sz="5200">
-                <a:solidFill>
-                  <a:schemeClr val="dk1"/>
-                </a:solidFill>
-                <a:latin typeface="Montserrat"/>
-                <a:ea typeface="Montserrat"/>
-                <a:cs typeface="Montserrat"/>
-                <a:sym typeface="Montserrat"/>
-              </a:rPr>
-              <a:t>CLASSIFICATION ALGORITHM -  RANDOM FOREST</a:t>
-            </a:r>
-            <a:endParaRPr b="1" sz="5200">
-              <a:solidFill>
-                <a:schemeClr val="dk1"/>
-              </a:solidFill>
-              <a:latin typeface="Montserrat"/>
-              <a:ea typeface="Montserrat"/>
-              <a:cs typeface="Montserrat"/>
-              <a:sym typeface="Montserrat"/>
-            </a:endParaRPr>
-          </a:p>
-        </p:txBody>
-      </p:sp>
-      <p:sp>
-        <p:nvSpPr>
-          <p:cNvPr id="341" name="Google Shape;341;p35"/>
-          <p:cNvSpPr txBox="1"/>
-          <p:nvPr/>
-        </p:nvSpPr>
-        <p:spPr>
-          <a:xfrm rot="-5400000">
-            <a:off x="-1593416" y="6130475"/>
-            <a:ext cx="5728200" cy="553800"/>
-          </a:xfrm>
-          <a:prstGeom prst="rect">
-            <a:avLst/>
-          </a:prstGeom>
-          <a:noFill/>
-          <a:ln>
-            <a:noFill/>
-          </a:ln>
-        </p:spPr>
-        <p:txBody>
-          <a:bodyPr anchorCtr="0" anchor="t" bIns="0" lIns="0" spcFirstLastPara="1" rIns="0" wrap="square" tIns="8875">
-            <a:noAutofit/>
-          </a:bodyPr>
-          <a:lstStyle/>
-          <a:p>
-            <a:pPr indent="0" lvl="0" marL="12700" marR="0" rtl="0" algn="l">
-              <a:lnSpc>
-                <a:spcPct val="100000"/>
-              </a:lnSpc>
-              <a:spcBef>
-                <a:spcPts val="0"/>
-              </a:spcBef>
-              <a:spcAft>
-                <a:spcPts val="0"/>
-              </a:spcAft>
-              <a:buNone/>
-            </a:pPr>
-            <a:r>
-              <a:rPr lang="en-US" sz="1500">
-                <a:solidFill>
-                  <a:srgbClr val="0C234A"/>
-                </a:solidFill>
-                <a:latin typeface="Montserrat"/>
-                <a:ea typeface="Montserrat"/>
-                <a:cs typeface="Montserrat"/>
-                <a:sym typeface="Montserrat"/>
-              </a:rPr>
-              <a:t>ANALYSIS OF ONLINE RETAIL SALES | INFO 523 DATA MINING | COLLEGE OF INFORMATION SCIENCE | UNIVERSITY OF ARIZONA</a:t>
-            </a:r>
-            <a:endParaRPr sz="1500">
-              <a:solidFill>
-                <a:schemeClr val="dk1"/>
-              </a:solidFill>
-              <a:latin typeface="Montserrat"/>
-              <a:ea typeface="Montserrat"/>
-              <a:cs typeface="Montserrat"/>
-              <a:sym typeface="Montserrat"/>
-            </a:endParaRPr>
-          </a:p>
-        </p:txBody>
-      </p:sp>
-      <p:sp>
-        <p:nvSpPr>
-          <p:cNvPr id="342" name="Google Shape;342;p35"/>
-          <p:cNvSpPr txBox="1"/>
-          <p:nvPr/>
-        </p:nvSpPr>
-        <p:spPr>
-          <a:xfrm>
-            <a:off x="2548800" y="2870250"/>
-            <a:ext cx="9024000" cy="6123900"/>
-          </a:xfrm>
-          <a:prstGeom prst="rect">
-            <a:avLst/>
-          </a:prstGeom>
-          <a:noFill/>
-          <a:ln>
-            <a:noFill/>
-          </a:ln>
-        </p:spPr>
-        <p:txBody>
-          <a:bodyPr anchorCtr="0" anchor="t" bIns="91425" lIns="91425" spcFirstLastPara="1" rIns="91425" wrap="square" tIns="91425">
-            <a:spAutoFit/>
-          </a:bodyPr>
-          <a:lstStyle/>
-          <a:p>
-            <a:pPr indent="0" lvl="0" marL="0" rtl="0" algn="l">
-              <a:lnSpc>
-                <a:spcPct val="115000"/>
-              </a:lnSpc>
-              <a:spcBef>
-                <a:spcPts val="900"/>
-              </a:spcBef>
-              <a:spcAft>
-                <a:spcPts val="0"/>
-              </a:spcAft>
-              <a:buNone/>
-            </a:pPr>
-            <a:r>
-              <a:rPr lang="en-US" sz="2600">
-                <a:solidFill>
-                  <a:srgbClr val="0C234B"/>
-                </a:solidFill>
-                <a:latin typeface="Montserrat"/>
-                <a:ea typeface="Montserrat"/>
-                <a:cs typeface="Montserrat"/>
-                <a:sym typeface="Montserrat"/>
-              </a:rPr>
-              <a:t>A Random Forest model is trained using Recency, Frequency, and Monetary as predictors.</a:t>
-            </a:r>
-            <a:endParaRPr sz="1100">
-              <a:solidFill>
-                <a:schemeClr val="dk1"/>
-              </a:solidFill>
-            </a:endParaRPr>
-          </a:p>
-          <a:p>
-            <a:pPr indent="0" lvl="0" marL="0" rtl="0" algn="l">
-              <a:lnSpc>
-                <a:spcPct val="115000"/>
-              </a:lnSpc>
-              <a:spcBef>
-                <a:spcPts val="900"/>
-              </a:spcBef>
-              <a:spcAft>
-                <a:spcPts val="0"/>
-              </a:spcAft>
-              <a:buNone/>
-            </a:pPr>
-            <a:r>
-              <a:t/>
-            </a:r>
-            <a:endParaRPr sz="2600">
-              <a:solidFill>
-                <a:srgbClr val="0C234B"/>
-              </a:solidFill>
-              <a:latin typeface="Montserrat"/>
-              <a:ea typeface="Montserrat"/>
-              <a:cs typeface="Montserrat"/>
-              <a:sym typeface="Montserrat"/>
-            </a:endParaRPr>
-          </a:p>
-          <a:p>
-            <a:pPr indent="0" lvl="0" marL="0" rtl="0" algn="l">
-              <a:lnSpc>
-                <a:spcPct val="115000"/>
-              </a:lnSpc>
-              <a:spcBef>
-                <a:spcPts val="900"/>
-              </a:spcBef>
-              <a:spcAft>
-                <a:spcPts val="0"/>
-              </a:spcAft>
-              <a:buNone/>
-            </a:pPr>
-            <a:r>
-              <a:rPr lang="en-US" sz="2600">
-                <a:solidFill>
-                  <a:srgbClr val="0C234B"/>
-                </a:solidFill>
-                <a:latin typeface="Montserrat"/>
-                <a:ea typeface="Montserrat"/>
-                <a:cs typeface="Montserrat"/>
-                <a:sym typeface="Montserrat"/>
-              </a:rPr>
-              <a:t>Customers who haven't made a purchase in the last 6 months are flagged as churned (Churn = 1), while active customers are flagged as 0</a:t>
-            </a:r>
-            <a:r>
-              <a:rPr lang="en-US" sz="1100">
-                <a:solidFill>
-                  <a:schemeClr val="dk1"/>
-                </a:solidFill>
-              </a:rPr>
-              <a:t>.</a:t>
-            </a:r>
-            <a:endParaRPr sz="1100">
-              <a:solidFill>
-                <a:schemeClr val="dk1"/>
-              </a:solidFill>
-            </a:endParaRPr>
-          </a:p>
-          <a:p>
-            <a:pPr indent="0" lvl="0" marL="0" rtl="0" algn="l">
-              <a:lnSpc>
-                <a:spcPct val="115000"/>
-              </a:lnSpc>
-              <a:spcBef>
-                <a:spcPts val="900"/>
-              </a:spcBef>
-              <a:spcAft>
-                <a:spcPts val="0"/>
-              </a:spcAft>
-              <a:buNone/>
-            </a:pPr>
-            <a:r>
-              <a:t/>
-            </a:r>
-            <a:endParaRPr sz="1100">
-              <a:solidFill>
-                <a:schemeClr val="dk1"/>
-              </a:solidFill>
-            </a:endParaRPr>
-          </a:p>
-          <a:p>
-            <a:pPr indent="0" lvl="0" marL="0" rtl="0" algn="l">
-              <a:lnSpc>
-                <a:spcPct val="115000"/>
-              </a:lnSpc>
-              <a:spcBef>
-                <a:spcPts val="900"/>
-              </a:spcBef>
-              <a:spcAft>
-                <a:spcPts val="0"/>
-              </a:spcAft>
-              <a:buNone/>
-            </a:pPr>
-            <a:r>
-              <a:rPr lang="en-US" sz="2600">
-                <a:solidFill>
-                  <a:srgbClr val="0C234B"/>
-                </a:solidFill>
-                <a:latin typeface="Montserrat"/>
-                <a:ea typeface="Montserrat"/>
-                <a:cs typeface="Montserrat"/>
-                <a:sym typeface="Montserrat"/>
-              </a:rPr>
-              <a:t>Accuracy: 0.7739464 </a:t>
-            </a:r>
-            <a:endParaRPr sz="2600">
-              <a:solidFill>
-                <a:srgbClr val="0C234B"/>
-              </a:solidFill>
-              <a:latin typeface="Montserrat"/>
-              <a:ea typeface="Montserrat"/>
-              <a:cs typeface="Montserrat"/>
-              <a:sym typeface="Montserrat"/>
-            </a:endParaRPr>
-          </a:p>
-          <a:p>
-            <a:pPr indent="0" lvl="0" marL="0" rtl="0" algn="l">
-              <a:lnSpc>
-                <a:spcPct val="115000"/>
-              </a:lnSpc>
-              <a:spcBef>
-                <a:spcPts val="900"/>
-              </a:spcBef>
-              <a:spcAft>
-                <a:spcPts val="0"/>
-              </a:spcAft>
-              <a:buNone/>
-            </a:pPr>
-            <a:r>
-              <a:rPr lang="en-US" sz="2600">
-                <a:solidFill>
-                  <a:srgbClr val="0C234B"/>
-                </a:solidFill>
-                <a:latin typeface="Montserrat"/>
-                <a:ea typeface="Montserrat"/>
-                <a:cs typeface="Montserrat"/>
-                <a:sym typeface="Montserrat"/>
-              </a:rPr>
-              <a:t>Precision (Churn): 0.6871036 </a:t>
-            </a:r>
-            <a:endParaRPr sz="2600">
-              <a:solidFill>
-                <a:srgbClr val="0C234B"/>
-              </a:solidFill>
-              <a:latin typeface="Montserrat"/>
-              <a:ea typeface="Montserrat"/>
-              <a:cs typeface="Montserrat"/>
-              <a:sym typeface="Montserrat"/>
-            </a:endParaRPr>
-          </a:p>
-          <a:p>
-            <a:pPr indent="0" lvl="0" marL="0" rtl="0" algn="l">
-              <a:lnSpc>
-                <a:spcPct val="145000"/>
-              </a:lnSpc>
-              <a:spcBef>
-                <a:spcPts val="0"/>
-              </a:spcBef>
-              <a:spcAft>
-                <a:spcPts val="0"/>
-              </a:spcAft>
-              <a:buClr>
-                <a:schemeClr val="dk1"/>
-              </a:buClr>
-              <a:buSzPts val="1100"/>
-              <a:buFont typeface="Arial"/>
-              <a:buNone/>
-            </a:pPr>
-            <a:r>
-              <a:rPr lang="en-US" sz="2600">
-                <a:solidFill>
-                  <a:srgbClr val="0C234B"/>
-                </a:solidFill>
-                <a:latin typeface="Montserrat"/>
-                <a:ea typeface="Montserrat"/>
-                <a:cs typeface="Montserrat"/>
-                <a:sym typeface="Montserrat"/>
-              </a:rPr>
-              <a:t>Recall (Churn): 0.6885593</a:t>
-            </a:r>
-            <a:endParaRPr sz="2600">
-              <a:solidFill>
-                <a:srgbClr val="0C234B"/>
-              </a:solidFill>
-              <a:latin typeface="Montserrat"/>
-              <a:ea typeface="Montserrat"/>
-              <a:cs typeface="Montserrat"/>
-              <a:sym typeface="Montserrat"/>
-            </a:endParaRPr>
-          </a:p>
-          <a:p>
-            <a:pPr indent="0" lvl="0" marL="0" rtl="0" algn="l">
-              <a:lnSpc>
-                <a:spcPct val="115000"/>
-              </a:lnSpc>
-              <a:spcBef>
-                <a:spcPts val="900"/>
-              </a:spcBef>
-              <a:spcAft>
-                <a:spcPts val="0"/>
-              </a:spcAft>
-              <a:buNone/>
-            </a:pPr>
-            <a:r>
-              <a:t/>
-            </a:r>
-            <a:endParaRPr sz="1100">
-              <a:solidFill>
-                <a:schemeClr val="dk1"/>
-              </a:solidFill>
-            </a:endParaRPr>
-          </a:p>
-          <a:p>
-            <a:pPr indent="0" lvl="0" marL="0" rtl="0" algn="l">
-              <a:lnSpc>
-                <a:spcPct val="115000"/>
-              </a:lnSpc>
-              <a:spcBef>
-                <a:spcPts val="900"/>
-              </a:spcBef>
-              <a:spcAft>
-                <a:spcPts val="0"/>
-              </a:spcAft>
-              <a:buNone/>
-            </a:pPr>
-            <a:r>
-              <a:t/>
-            </a:r>
-            <a:endParaRPr sz="1100">
-              <a:solidFill>
-                <a:schemeClr val="dk1"/>
-              </a:solidFill>
-            </a:endParaRPr>
-          </a:p>
-          <a:p>
-            <a:pPr indent="0" lvl="0" marL="0" rtl="0" algn="l">
-              <a:lnSpc>
-                <a:spcPct val="115000"/>
-              </a:lnSpc>
-              <a:spcBef>
-                <a:spcPts val="900"/>
-              </a:spcBef>
-              <a:spcAft>
-                <a:spcPts val="0"/>
-              </a:spcAft>
-              <a:buNone/>
-            </a:pPr>
-            <a:r>
-              <a:t/>
-            </a:r>
-            <a:endParaRPr sz="1100">
-              <a:solidFill>
-                <a:schemeClr val="dk1"/>
-              </a:solidFill>
-            </a:endParaRPr>
-          </a:p>
-        </p:txBody>
-      </p:sp>
       <p:pic>
         <p:nvPicPr>
-          <p:cNvPr id="343" name="Google Shape;343;p35"/>
+          <p:cNvPr id="343" name="Google Shape;343;p36"/>
           <p:cNvPicPr preferRelativeResize="0"/>
           <p:nvPr/>
         </p:nvPicPr>
@@ -19777,8 +19976,8 @@
         </p:blipFill>
         <p:spPr>
           <a:xfrm>
-            <a:off x="11451350" y="3243975"/>
-            <a:ext cx="6547400" cy="4040676"/>
+            <a:off x="2662625" y="1198200"/>
+            <a:ext cx="14889100" cy="6283250"/>
           </a:xfrm>
           <a:prstGeom prst="rect">
             <a:avLst/>
@@ -19789,41 +19988,16 @@
           </a:ln>
         </p:spPr>
       </p:pic>
-    </p:spTree>
-  </p:cSld>
-  <p:clrMapOvr>
-    <a:masterClrMapping/>
-  </p:clrMapOvr>
-</p:sld>
-</file>
-
-<file path=ppt/slides/slide19.xml><?xml version="1.0" encoding="utf-8"?>
-<p:sld xmlns:a="http://schemas.openxmlformats.org/drawingml/2006/main" xmlns:r="http://schemas.openxmlformats.org/officeDocument/2006/relationships" xmlns:mc="http://schemas.openxmlformats.org/markup-compatibility/2006" xmlns:mv="urn:schemas-microsoft-com:mac:vml" xmlns:p="http://schemas.openxmlformats.org/presentationml/2006/main" xmlns:c="http://schemas.openxmlformats.org/drawingml/2006/chart" xmlns:dgm="http://schemas.openxmlformats.org/drawingml/2006/diagram" xmlns:o="urn:schemas-microsoft-com:office:office" xmlns:v="urn:schemas-microsoft-com:vml" xmlns:pvml="urn:schemas-microsoft-com:office:powerpoint" xmlns:com="http://schemas.openxmlformats.org/drawingml/2006/compatibility" xmlns:p14="http://schemas.microsoft.com/office/powerpoint/2010/main" xmlns:p15="http://schemas.microsoft.com/office/powerpoint/2012/main" xmlns:ahyp="http://schemas.microsoft.com/office/drawing/2018/hyperlinkcolor">
-  <p:cSld>
-    <p:spTree>
-      <p:nvGrpSpPr>
-        <p:cNvPr id="347" name="Shape 347"/>
-        <p:cNvGrpSpPr/>
-        <p:nvPr/>
-      </p:nvGrpSpPr>
-      <p:grpSpPr>
-        <a:xfrm>
-          <a:off x="0" y="0"/>
-          <a:ext cx="0" cy="0"/>
-          <a:chOff x="0" y="0"/>
-          <a:chExt cx="0" cy="0"/>
-        </a:xfrm>
-      </p:grpSpPr>
       <p:sp>
         <p:nvSpPr>
-          <p:cNvPr id="348" name="Google Shape;348;p36"/>
+          <p:cNvPr id="344" name="Google Shape;344;p36"/>
           <p:cNvSpPr txBox="1"/>
           <p:nvPr/>
         </p:nvSpPr>
         <p:spPr>
           <a:xfrm>
-            <a:off x="2479300" y="2335875"/>
-            <a:ext cx="10248000" cy="6589800"/>
+            <a:off x="3214700" y="7481450"/>
+            <a:ext cx="12591000" cy="1954200"/>
           </a:xfrm>
           <a:prstGeom prst="rect">
             <a:avLst/>
@@ -19834,27 +20008,25 @@
           </a:ln>
         </p:spPr>
         <p:txBody>
-          <a:bodyPr anchorCtr="0" anchor="t" bIns="0" lIns="0" spcFirstLastPara="1" rIns="0" wrap="square" tIns="12700">
+          <a:bodyPr anchorCtr="0" anchor="t" bIns="91425" lIns="91425" spcFirstLastPara="1" rIns="91425" wrap="square" tIns="91425">
             <a:noAutofit/>
           </a:bodyPr>
           <a:lstStyle/>
           <a:p>
-            <a:pPr indent="-431800" lvl="0" marL="457200" rtl="0" algn="l">
-              <a:spcBef>
-                <a:spcPts val="0"/>
-              </a:spcBef>
-              <a:spcAft>
-                <a:spcPts val="0"/>
-              </a:spcAft>
-              <a:buClr>
-                <a:srgbClr val="0C234B"/>
-              </a:buClr>
-              <a:buSzPts val="3200"/>
-              <a:buFont typeface="Montserrat"/>
-              <a:buChar char="●"/>
-            </a:pPr>
-            <a:r>
-              <a:rPr lang="en-US" sz="3200">
+            <a:pPr indent="0" lvl="0" marL="457200" rtl="0" algn="l">
+              <a:lnSpc>
+                <a:spcPct val="115000"/>
+              </a:lnSpc>
+              <a:spcBef>
+                <a:spcPts val="0"/>
+              </a:spcBef>
+              <a:spcAft>
+                <a:spcPts val="0"/>
+              </a:spcAft>
+              <a:buNone/>
+            </a:pPr>
+            <a:r>
+              <a:rPr lang="en-US" sz="1700">
                 <a:solidFill>
                   <a:srgbClr val="0C234B"/>
                 </a:solidFill>
@@ -19863,9 +20035,9 @@
                 <a:cs typeface="Montserrat"/>
                 <a:sym typeface="Montserrat"/>
               </a:rPr>
-              <a:t>Clustering algorithms revealed distinct customer segments based on purchasing behavior, enabling targeted marketing strategies and personalized customer experiences.</a:t>
-            </a:r>
-            <a:endParaRPr sz="3200">
+              <a:t>Support - Proportional frequency of an item in the database. Support(A) = Frequency(A) / # Total records</a:t>
+            </a:r>
+            <a:endParaRPr sz="1700">
               <a:solidFill>
                 <a:srgbClr val="0C234B"/>
               </a:solidFill>
@@ -19876,22 +20048,46 @@
             </a:endParaRPr>
           </a:p>
           <a:p>
-            <a:pPr indent="-431800" lvl="0" marL="457200" rtl="0" algn="l">
-              <a:spcBef>
-                <a:spcPts val="0"/>
-              </a:spcBef>
-              <a:spcAft>
-                <a:spcPts val="0"/>
-              </a:spcAft>
-              <a:buClr>
+            <a:pPr indent="0" lvl="0" marL="457200" rtl="0" algn="l">
+              <a:lnSpc>
+                <a:spcPct val="115000"/>
+              </a:lnSpc>
+              <a:spcBef>
+                <a:spcPts val="0"/>
+              </a:spcBef>
+              <a:spcAft>
+                <a:spcPts val="0"/>
+              </a:spcAft>
+              <a:buNone/>
+            </a:pPr>
+            <a:r>
+              <a:t/>
+            </a:r>
+            <a:endParaRPr sz="1700">
+              <a:solidFill>
                 <a:srgbClr val="0C234B"/>
-              </a:buClr>
-              <a:buSzPts val="3200"/>
-              <a:buFont typeface="Montserrat"/>
-              <a:buChar char="●"/>
-            </a:pPr>
-            <a:r>
-              <a:rPr lang="en-US" sz="3200">
+              </a:solidFill>
+              <a:latin typeface="Montserrat"/>
+              <a:ea typeface="Montserrat"/>
+              <a:cs typeface="Montserrat"/>
+              <a:sym typeface="Montserrat"/>
+            </a:endParaRPr>
+          </a:p>
+          <a:p>
+            <a:pPr indent="0" lvl="0" marL="457200" rtl="0" algn="l">
+              <a:lnSpc>
+                <a:spcPct val="115000"/>
+              </a:lnSpc>
+              <a:spcBef>
+                <a:spcPts val="0"/>
+              </a:spcBef>
+              <a:spcAft>
+                <a:spcPts val="0"/>
+              </a:spcAft>
+              <a:buNone/>
+            </a:pPr>
+            <a:r>
+              <a:rPr lang="en-US" sz="1700">
                 <a:solidFill>
                   <a:srgbClr val="0C234B"/>
                 </a:solidFill>
@@ -19900,9 +20096,9 @@
                 <a:cs typeface="Montserrat"/>
                 <a:sym typeface="Montserrat"/>
               </a:rPr>
-              <a:t>Classification models successfully predicted customer purchase probabilities with high accuracy, providing actionable insights for inventory management and sales forecasting.</a:t>
-            </a:r>
-            <a:endParaRPr sz="3200">
+              <a:t>Confidence - how confident we are of an event, given another event. Confidence(A→B) = Probability(A &amp; B) / Support(A)</a:t>
+            </a:r>
+            <a:endParaRPr sz="1700">
               <a:solidFill>
                 <a:srgbClr val="0C234B"/>
               </a:solidFill>
@@ -19913,22 +20109,46 @@
             </a:endParaRPr>
           </a:p>
           <a:p>
-            <a:pPr indent="-431800" lvl="0" marL="457200" rtl="0" algn="l">
-              <a:spcBef>
-                <a:spcPts val="0"/>
-              </a:spcBef>
-              <a:spcAft>
-                <a:spcPts val="0"/>
-              </a:spcAft>
-              <a:buClr>
+            <a:pPr indent="0" lvl="0" marL="457200" rtl="0" algn="l">
+              <a:lnSpc>
+                <a:spcPct val="115000"/>
+              </a:lnSpc>
+              <a:spcBef>
+                <a:spcPts val="0"/>
+              </a:spcBef>
+              <a:spcAft>
+                <a:spcPts val="0"/>
+              </a:spcAft>
+              <a:buNone/>
+            </a:pPr>
+            <a:r>
+              <a:t/>
+            </a:r>
+            <a:endParaRPr sz="1700">
+              <a:solidFill>
                 <a:srgbClr val="0C234B"/>
-              </a:buClr>
-              <a:buSzPts val="3200"/>
-              <a:buFont typeface="Montserrat"/>
-              <a:buChar char="●"/>
-            </a:pPr>
-            <a:r>
-              <a:rPr lang="en-US" sz="3200">
+              </a:solidFill>
+              <a:latin typeface="Montserrat"/>
+              <a:ea typeface="Montserrat"/>
+              <a:cs typeface="Montserrat"/>
+              <a:sym typeface="Montserrat"/>
+            </a:endParaRPr>
+          </a:p>
+          <a:p>
+            <a:pPr indent="0" lvl="0" marL="457200" rtl="0" algn="l">
+              <a:lnSpc>
+                <a:spcPct val="115000"/>
+              </a:lnSpc>
+              <a:spcBef>
+                <a:spcPts val="0"/>
+              </a:spcBef>
+              <a:spcAft>
+                <a:spcPts val="0"/>
+              </a:spcAft>
+              <a:buNone/>
+            </a:pPr>
+            <a:r>
+              <a:rPr lang="en-US" sz="1700">
                 <a:solidFill>
                   <a:srgbClr val="0C234B"/>
                 </a:solidFill>
@@ -19937,183 +20157,64 @@
                 <a:cs typeface="Montserrat"/>
                 <a:sym typeface="Montserrat"/>
               </a:rPr>
-              <a:t>Association algorithms uncovered significant product relationships and cross-selling opportunities, revealing strategic insights for product placement and promotional campaigns.</a:t>
-            </a:r>
-            <a:endParaRPr sz="3200">
-              <a:solidFill>
-                <a:srgbClr val="0C234B"/>
-              </a:solidFill>
-              <a:latin typeface="Montserrat"/>
-              <a:ea typeface="Montserrat"/>
-              <a:cs typeface="Montserrat"/>
-              <a:sym typeface="Montserrat"/>
-            </a:endParaRPr>
-          </a:p>
-          <a:p>
-            <a:pPr indent="0" lvl="0" marL="457200" rtl="0" algn="l">
-              <a:spcBef>
-                <a:spcPts val="0"/>
-              </a:spcBef>
-              <a:spcAft>
-                <a:spcPts val="0"/>
-              </a:spcAft>
-              <a:buNone/>
-            </a:pPr>
-            <a:r>
-              <a:t/>
-            </a:r>
-            <a:endParaRPr sz="3200">
-              <a:solidFill>
-                <a:srgbClr val="0C234B"/>
-              </a:solidFill>
-              <a:latin typeface="Montserrat"/>
-              <a:ea typeface="Montserrat"/>
-              <a:cs typeface="Montserrat"/>
-              <a:sym typeface="Montserrat"/>
-            </a:endParaRPr>
-          </a:p>
-        </p:txBody>
-      </p:sp>
-      <p:sp>
-        <p:nvSpPr>
-          <p:cNvPr id="349" name="Google Shape;349;p36"/>
-          <p:cNvSpPr txBox="1"/>
-          <p:nvPr/>
-        </p:nvSpPr>
-        <p:spPr>
-          <a:xfrm>
-            <a:off x="5332700" y="987375"/>
-            <a:ext cx="9634500" cy="1348500"/>
-          </a:xfrm>
-          <a:prstGeom prst="rect">
-            <a:avLst/>
-          </a:prstGeom>
-          <a:noFill/>
-          <a:ln>
-            <a:noFill/>
-          </a:ln>
-        </p:spPr>
-        <p:txBody>
-          <a:bodyPr anchorCtr="0" anchor="t" bIns="91425" lIns="91425" spcFirstLastPara="1" rIns="91425" wrap="square" tIns="91425">
-            <a:noAutofit/>
-          </a:bodyPr>
-          <a:lstStyle/>
-          <a:p>
-            <a:pPr indent="0" lvl="0" marL="0" rtl="0" algn="ctr">
-              <a:spcBef>
-                <a:spcPts val="0"/>
-              </a:spcBef>
-              <a:spcAft>
-                <a:spcPts val="0"/>
-              </a:spcAft>
-              <a:buNone/>
-            </a:pPr>
-            <a:r>
-              <a:rPr b="1" lang="en-US" sz="5200">
-                <a:latin typeface="Montserrat"/>
-                <a:ea typeface="Montserrat"/>
-                <a:cs typeface="Montserrat"/>
-                <a:sym typeface="Montserrat"/>
+              <a:t>Lift - a measure that tells us whether the probability of an event B increases or decreases given event A. Lift(A→B) = Confidence(A→B) / Support(B</a:t>
+            </a:r>
+            <a:r>
+              <a:rPr lang="en-US" sz="1200">
+                <a:solidFill>
+                  <a:schemeClr val="dk1"/>
+                </a:solidFill>
+                <a:highlight>
+                  <a:srgbClr val="181A1B"/>
+                </a:highlight>
+                <a:latin typeface="Roboto"/>
+                <a:ea typeface="Roboto"/>
+                <a:cs typeface="Roboto"/>
+                <a:sym typeface="Roboto"/>
               </a:rPr>
-              <a:t>CONCLUSION</a:t>
-            </a:r>
-            <a:endParaRPr b="1" sz="5200">
-              <a:latin typeface="Montserrat"/>
-              <a:ea typeface="Montserrat"/>
-              <a:cs typeface="Montserrat"/>
-              <a:sym typeface="Montserrat"/>
-            </a:endParaRPr>
-          </a:p>
-        </p:txBody>
-      </p:sp>
-      <p:sp>
-        <p:nvSpPr>
-          <p:cNvPr id="350" name="Google Shape;350;p36"/>
-          <p:cNvSpPr txBox="1"/>
-          <p:nvPr/>
-        </p:nvSpPr>
-        <p:spPr>
-          <a:xfrm rot="-5400000">
-            <a:off x="-1593416" y="6130475"/>
-            <a:ext cx="5728200" cy="553800"/>
-          </a:xfrm>
-          <a:prstGeom prst="rect">
-            <a:avLst/>
-          </a:prstGeom>
-          <a:noFill/>
-          <a:ln>
-            <a:noFill/>
-          </a:ln>
-        </p:spPr>
-        <p:txBody>
-          <a:bodyPr anchorCtr="0" anchor="t" bIns="0" lIns="0" spcFirstLastPara="1" rIns="0" wrap="square" tIns="8875">
-            <a:noAutofit/>
-          </a:bodyPr>
-          <a:lstStyle/>
-          <a:p>
-            <a:pPr indent="0" lvl="0" marL="12700" marR="0" rtl="0" algn="l">
-              <a:lnSpc>
-                <a:spcPct val="100000"/>
-              </a:lnSpc>
-              <a:spcBef>
-                <a:spcPts val="0"/>
-              </a:spcBef>
-              <a:spcAft>
-                <a:spcPts val="0"/>
-              </a:spcAft>
-              <a:buNone/>
-            </a:pPr>
-            <a:r>
-              <a:rPr lang="en-US" sz="1500">
-                <a:solidFill>
-                  <a:srgbClr val="0C234A"/>
-                </a:solidFill>
-                <a:latin typeface="Montserrat"/>
-                <a:ea typeface="Montserrat"/>
-                <a:cs typeface="Montserrat"/>
-                <a:sym typeface="Montserrat"/>
-              </a:rPr>
-              <a:t>ANALYSIS OF ONLINE RETAIL SALES | INFO 523 DATA MINING | COLLEGE OF INFORMATION SCIENCE | UNIVERSITY OF ARIZONA</a:t>
-            </a:r>
-            <a:endParaRPr sz="1500">
+              <a:t>)</a:t>
+            </a:r>
+            <a:endParaRPr sz="1200">
               <a:solidFill>
                 <a:schemeClr val="dk1"/>
               </a:solidFill>
-              <a:latin typeface="Montserrat"/>
-              <a:ea typeface="Montserrat"/>
-              <a:cs typeface="Montserrat"/>
-              <a:sym typeface="Montserrat"/>
+              <a:highlight>
+                <a:srgbClr val="181A1B"/>
+              </a:highlight>
+              <a:latin typeface="Roboto"/>
+              <a:ea typeface="Roboto"/>
+              <a:cs typeface="Roboto"/>
+              <a:sym typeface="Roboto"/>
+            </a:endParaRPr>
+          </a:p>
+          <a:p>
+            <a:pPr indent="0" lvl="0" marL="457200" rtl="0" algn="l">
+              <a:spcBef>
+                <a:spcPts val="0"/>
+              </a:spcBef>
+              <a:spcAft>
+                <a:spcPts val="0"/>
+              </a:spcAft>
+              <a:buNone/>
+            </a:pPr>
+            <a:r>
+              <a:t/>
+            </a:r>
+            <a:endParaRPr sz="1350">
+              <a:solidFill>
+                <a:srgbClr val="EEF0FF"/>
+              </a:solidFill>
+              <a:highlight>
+                <a:srgbClr val="1F1F1F"/>
+              </a:highlight>
+              <a:latin typeface="Roboto"/>
+              <a:ea typeface="Roboto"/>
+              <a:cs typeface="Roboto"/>
+              <a:sym typeface="Roboto"/>
             </a:endParaRPr>
           </a:p>
         </p:txBody>
       </p:sp>
-      <p:pic>
-        <p:nvPicPr>
-          <p:cNvPr id="351" name="Google Shape;351;p36"/>
-          <p:cNvPicPr preferRelativeResize="0"/>
-          <p:nvPr/>
-        </p:nvPicPr>
-        <p:blipFill rotWithShape="1">
-          <a:blip r:embed="rId3">
-            <a:alphaModFix/>
-          </a:blip>
-          <a:srcRect b="0" l="34400" r="0" t="10466"/>
-          <a:stretch/>
-        </p:blipFill>
-        <p:spPr>
-          <a:xfrm>
-            <a:off x="12818950" y="4075650"/>
-            <a:ext cx="5469052" cy="4196575"/>
-          </a:xfrm>
-          <a:prstGeom prst="rect">
-            <a:avLst/>
-          </a:prstGeom>
-          <a:noFill/>
-          <a:ln>
-            <a:noFill/>
-          </a:ln>
-        </p:spPr>
-      </p:pic>
     </p:spTree>
   </p:cSld>
   <p:clrMapOvr>
@@ -20415,7 +20516,7 @@
   <p:cSld>
     <p:spTree>
       <p:nvGrpSpPr>
-        <p:cNvPr id="355" name="Shape 355"/>
+        <p:cNvPr id="348" name="Shape 348"/>
         <p:cNvGrpSpPr/>
         <p:nvPr/>
       </p:nvGrpSpPr>
@@ -20429,7 +20530,2394 @@
       </p:grpSpPr>
       <p:sp>
         <p:nvSpPr>
-          <p:cNvPr id="356" name="Google Shape;356;p37"/>
+          <p:cNvPr id="349" name="Google Shape;349;p37"/>
+          <p:cNvSpPr txBox="1"/>
+          <p:nvPr/>
+        </p:nvSpPr>
+        <p:spPr>
+          <a:xfrm rot="-5400000">
+            <a:off x="-1593416" y="6130475"/>
+            <a:ext cx="5728200" cy="553800"/>
+          </a:xfrm>
+          <a:prstGeom prst="rect">
+            <a:avLst/>
+          </a:prstGeom>
+          <a:noFill/>
+          <a:ln>
+            <a:noFill/>
+          </a:ln>
+        </p:spPr>
+        <p:txBody>
+          <a:bodyPr anchorCtr="0" anchor="t" bIns="0" lIns="0" spcFirstLastPara="1" rIns="0" wrap="square" tIns="8875">
+            <a:noAutofit/>
+          </a:bodyPr>
+          <a:lstStyle/>
+          <a:p>
+            <a:pPr indent="0" lvl="0" marL="12700" marR="0" rtl="0" algn="l">
+              <a:lnSpc>
+                <a:spcPct val="100000"/>
+              </a:lnSpc>
+              <a:spcBef>
+                <a:spcPts val="0"/>
+              </a:spcBef>
+              <a:spcAft>
+                <a:spcPts val="0"/>
+              </a:spcAft>
+              <a:buNone/>
+            </a:pPr>
+            <a:r>
+              <a:rPr lang="en-US" sz="1500">
+                <a:solidFill>
+                  <a:srgbClr val="0C234A"/>
+                </a:solidFill>
+                <a:latin typeface="Montserrat"/>
+                <a:ea typeface="Montserrat"/>
+                <a:cs typeface="Montserrat"/>
+                <a:sym typeface="Montserrat"/>
+              </a:rPr>
+              <a:t>ANALYSIS OF ONLINE RETAIL SALES | INFO 523 DATA MINING | COLLEGE OF INFORMATION SCIENCE | UNIVERSITY OF ARIZONA</a:t>
+            </a:r>
+            <a:endParaRPr sz="1500">
+              <a:solidFill>
+                <a:schemeClr val="dk1"/>
+              </a:solidFill>
+              <a:latin typeface="Montserrat"/>
+              <a:ea typeface="Montserrat"/>
+              <a:cs typeface="Montserrat"/>
+              <a:sym typeface="Montserrat"/>
+            </a:endParaRPr>
+          </a:p>
+        </p:txBody>
+      </p:sp>
+      <p:pic>
+        <p:nvPicPr>
+          <p:cNvPr id="350" name="Google Shape;350;p37"/>
+          <p:cNvPicPr preferRelativeResize="0"/>
+          <p:nvPr/>
+        </p:nvPicPr>
+        <p:blipFill>
+          <a:blip r:embed="rId3">
+            <a:alphaModFix/>
+          </a:blip>
+          <a:stretch>
+            <a:fillRect/>
+          </a:stretch>
+        </p:blipFill>
+        <p:spPr>
+          <a:xfrm>
+            <a:off x="10643000" y="2673775"/>
+            <a:ext cx="7474576" cy="4321150"/>
+          </a:xfrm>
+          <a:prstGeom prst="rect">
+            <a:avLst/>
+          </a:prstGeom>
+          <a:noFill/>
+          <a:ln>
+            <a:noFill/>
+          </a:ln>
+        </p:spPr>
+      </p:pic>
+      <p:sp>
+        <p:nvSpPr>
+          <p:cNvPr id="351" name="Google Shape;351;p37"/>
+          <p:cNvSpPr txBox="1"/>
+          <p:nvPr/>
+        </p:nvSpPr>
+        <p:spPr>
+          <a:xfrm>
+            <a:off x="2426775" y="808000"/>
+            <a:ext cx="15351000" cy="1348500"/>
+          </a:xfrm>
+          <a:prstGeom prst="rect">
+            <a:avLst/>
+          </a:prstGeom>
+          <a:noFill/>
+          <a:ln>
+            <a:noFill/>
+          </a:ln>
+        </p:spPr>
+        <p:txBody>
+          <a:bodyPr anchorCtr="0" anchor="t" bIns="91425" lIns="91425" spcFirstLastPara="1" rIns="91425" wrap="square" tIns="91425">
+            <a:noAutofit/>
+          </a:bodyPr>
+          <a:lstStyle/>
+          <a:p>
+            <a:pPr indent="0" lvl="0" marL="0" rtl="0" algn="ctr">
+              <a:spcBef>
+                <a:spcPts val="0"/>
+              </a:spcBef>
+              <a:spcAft>
+                <a:spcPts val="0"/>
+              </a:spcAft>
+              <a:buNone/>
+            </a:pPr>
+            <a:r>
+              <a:rPr b="1" lang="en-US" sz="5200">
+                <a:latin typeface="Montserrat"/>
+                <a:ea typeface="Montserrat"/>
+                <a:cs typeface="Montserrat"/>
+                <a:sym typeface="Montserrat"/>
+              </a:rPr>
+              <a:t>CLASSIFICATION ALGORITHM -  DECISION TREE</a:t>
+            </a:r>
+            <a:endParaRPr b="1" sz="5200">
+              <a:latin typeface="Montserrat"/>
+              <a:ea typeface="Montserrat"/>
+              <a:cs typeface="Montserrat"/>
+              <a:sym typeface="Montserrat"/>
+            </a:endParaRPr>
+          </a:p>
+        </p:txBody>
+      </p:sp>
+      <p:sp>
+        <p:nvSpPr>
+          <p:cNvPr id="352" name="Google Shape;352;p37"/>
+          <p:cNvSpPr txBox="1"/>
+          <p:nvPr/>
+        </p:nvSpPr>
+        <p:spPr>
+          <a:xfrm>
+            <a:off x="2426775" y="2824275"/>
+            <a:ext cx="8101800" cy="7606800"/>
+          </a:xfrm>
+          <a:prstGeom prst="rect">
+            <a:avLst/>
+          </a:prstGeom>
+          <a:noFill/>
+          <a:ln>
+            <a:noFill/>
+          </a:ln>
+        </p:spPr>
+        <p:txBody>
+          <a:bodyPr anchorCtr="0" anchor="t" bIns="91425" lIns="91425" spcFirstLastPara="1" rIns="91425" wrap="square" tIns="91425">
+            <a:spAutoFit/>
+          </a:bodyPr>
+          <a:lstStyle/>
+          <a:p>
+            <a:pPr indent="-393700" lvl="0" marL="457200" rtl="0" algn="l">
+              <a:lnSpc>
+                <a:spcPct val="115000"/>
+              </a:lnSpc>
+              <a:spcBef>
+                <a:spcPts val="900"/>
+              </a:spcBef>
+              <a:spcAft>
+                <a:spcPts val="0"/>
+              </a:spcAft>
+              <a:buClr>
+                <a:srgbClr val="0C234B"/>
+              </a:buClr>
+              <a:buSzPts val="2600"/>
+              <a:buFont typeface="Montserrat"/>
+              <a:buChar char="-"/>
+            </a:pPr>
+            <a:r>
+              <a:rPr lang="en-US" sz="2600">
+                <a:solidFill>
+                  <a:srgbClr val="0C234B"/>
+                </a:solidFill>
+                <a:latin typeface="Montserrat"/>
+                <a:ea typeface="Montserrat"/>
+                <a:cs typeface="Montserrat"/>
+                <a:sym typeface="Montserrat"/>
+              </a:rPr>
+              <a:t>Decision Tree for classifying the customer using transactions.  </a:t>
+            </a:r>
+            <a:endParaRPr sz="2600">
+              <a:solidFill>
+                <a:srgbClr val="0C234B"/>
+              </a:solidFill>
+              <a:latin typeface="Montserrat"/>
+              <a:ea typeface="Montserrat"/>
+              <a:cs typeface="Montserrat"/>
+              <a:sym typeface="Montserrat"/>
+            </a:endParaRPr>
+          </a:p>
+          <a:p>
+            <a:pPr indent="0" lvl="0" marL="0" rtl="0" algn="l">
+              <a:lnSpc>
+                <a:spcPct val="115000"/>
+              </a:lnSpc>
+              <a:spcBef>
+                <a:spcPts val="900"/>
+              </a:spcBef>
+              <a:spcAft>
+                <a:spcPts val="0"/>
+              </a:spcAft>
+              <a:buNone/>
+            </a:pPr>
+            <a:r>
+              <a:t/>
+            </a:r>
+            <a:endParaRPr sz="2600">
+              <a:solidFill>
+                <a:srgbClr val="0C234B"/>
+              </a:solidFill>
+              <a:latin typeface="Montserrat"/>
+              <a:ea typeface="Montserrat"/>
+              <a:cs typeface="Montserrat"/>
+              <a:sym typeface="Montserrat"/>
+            </a:endParaRPr>
+          </a:p>
+          <a:p>
+            <a:pPr indent="-393700" lvl="0" marL="457200" rtl="0" algn="l">
+              <a:lnSpc>
+                <a:spcPct val="115000"/>
+              </a:lnSpc>
+              <a:spcBef>
+                <a:spcPts val="900"/>
+              </a:spcBef>
+              <a:spcAft>
+                <a:spcPts val="0"/>
+              </a:spcAft>
+              <a:buClr>
+                <a:srgbClr val="0C234B"/>
+              </a:buClr>
+              <a:buSzPts val="2600"/>
+              <a:buFont typeface="Montserrat"/>
+              <a:buChar char="-"/>
+            </a:pPr>
+            <a:r>
+              <a:rPr lang="en-US" sz="2600">
+                <a:solidFill>
+                  <a:srgbClr val="0C234B"/>
+                </a:solidFill>
+                <a:latin typeface="Montserrat"/>
+                <a:ea typeface="Montserrat"/>
+                <a:cs typeface="Montserrat"/>
+                <a:sym typeface="Montserrat"/>
+              </a:rPr>
+              <a:t>Creating a target variable AmountCategory that classifies transactions into "High" or "Low" based on the Amount. </a:t>
+            </a:r>
+            <a:endParaRPr sz="2600">
+              <a:solidFill>
+                <a:srgbClr val="0C234B"/>
+              </a:solidFill>
+              <a:latin typeface="Montserrat"/>
+              <a:ea typeface="Montserrat"/>
+              <a:cs typeface="Montserrat"/>
+              <a:sym typeface="Montserrat"/>
+            </a:endParaRPr>
+          </a:p>
+          <a:p>
+            <a:pPr indent="0" lvl="0" marL="0" rtl="0" algn="l">
+              <a:lnSpc>
+                <a:spcPct val="115000"/>
+              </a:lnSpc>
+              <a:spcBef>
+                <a:spcPts val="900"/>
+              </a:spcBef>
+              <a:spcAft>
+                <a:spcPts val="0"/>
+              </a:spcAft>
+              <a:buNone/>
+            </a:pPr>
+            <a:r>
+              <a:t/>
+            </a:r>
+            <a:endParaRPr sz="2600">
+              <a:solidFill>
+                <a:srgbClr val="0C234B"/>
+              </a:solidFill>
+              <a:latin typeface="Montserrat"/>
+              <a:ea typeface="Montserrat"/>
+              <a:cs typeface="Montserrat"/>
+              <a:sym typeface="Montserrat"/>
+            </a:endParaRPr>
+          </a:p>
+          <a:p>
+            <a:pPr indent="-393700" lvl="0" marL="457200" rtl="0" algn="l">
+              <a:lnSpc>
+                <a:spcPct val="115000"/>
+              </a:lnSpc>
+              <a:spcBef>
+                <a:spcPts val="1200"/>
+              </a:spcBef>
+              <a:spcAft>
+                <a:spcPts val="0"/>
+              </a:spcAft>
+              <a:buClr>
+                <a:srgbClr val="0C234B"/>
+              </a:buClr>
+              <a:buSzPts val="2600"/>
+              <a:buFont typeface="Montserrat"/>
+              <a:buChar char="-"/>
+            </a:pPr>
+            <a:r>
+              <a:rPr lang="en-US" sz="2600">
+                <a:solidFill>
+                  <a:srgbClr val="0C234B"/>
+                </a:solidFill>
+                <a:latin typeface="Montserrat"/>
+                <a:ea typeface="Montserrat"/>
+                <a:cs typeface="Montserrat"/>
+                <a:sym typeface="Montserrat"/>
+              </a:rPr>
+              <a:t>Training a decision tree model (rpart) using predictors like Quantity, UnitPrice, Recency, Frequency, and Monetary.</a:t>
+            </a:r>
+            <a:endParaRPr sz="2600">
+              <a:solidFill>
+                <a:srgbClr val="0C234B"/>
+              </a:solidFill>
+              <a:latin typeface="Montserrat"/>
+              <a:ea typeface="Montserrat"/>
+              <a:cs typeface="Montserrat"/>
+              <a:sym typeface="Montserrat"/>
+            </a:endParaRPr>
+          </a:p>
+          <a:p>
+            <a:pPr indent="0" lvl="0" marL="0" rtl="0" algn="l">
+              <a:lnSpc>
+                <a:spcPct val="115000"/>
+              </a:lnSpc>
+              <a:spcBef>
+                <a:spcPts val="1200"/>
+              </a:spcBef>
+              <a:spcAft>
+                <a:spcPts val="0"/>
+              </a:spcAft>
+              <a:buNone/>
+            </a:pPr>
+            <a:r>
+              <a:t/>
+            </a:r>
+            <a:endParaRPr sz="2600">
+              <a:solidFill>
+                <a:srgbClr val="0C234B"/>
+              </a:solidFill>
+              <a:latin typeface="Montserrat"/>
+              <a:ea typeface="Montserrat"/>
+              <a:cs typeface="Montserrat"/>
+              <a:sym typeface="Montserrat"/>
+            </a:endParaRPr>
+          </a:p>
+          <a:p>
+            <a:pPr indent="0" lvl="0" marL="0" rtl="0" algn="l">
+              <a:lnSpc>
+                <a:spcPct val="115000"/>
+              </a:lnSpc>
+              <a:spcBef>
+                <a:spcPts val="1200"/>
+              </a:spcBef>
+              <a:spcAft>
+                <a:spcPts val="0"/>
+              </a:spcAft>
+              <a:buNone/>
+            </a:pPr>
+            <a:r>
+              <a:t/>
+            </a:r>
+            <a:endParaRPr sz="2600">
+              <a:solidFill>
+                <a:srgbClr val="0C234B"/>
+              </a:solidFill>
+              <a:latin typeface="Montserrat"/>
+              <a:ea typeface="Montserrat"/>
+              <a:cs typeface="Montserrat"/>
+              <a:sym typeface="Montserrat"/>
+            </a:endParaRPr>
+          </a:p>
+          <a:p>
+            <a:pPr indent="-317500" lvl="0" marL="317500" rtl="0" algn="l">
+              <a:lnSpc>
+                <a:spcPct val="115000"/>
+              </a:lnSpc>
+              <a:spcBef>
+                <a:spcPts val="900"/>
+              </a:spcBef>
+              <a:spcAft>
+                <a:spcPts val="0"/>
+              </a:spcAft>
+              <a:buNone/>
+            </a:pPr>
+            <a:r>
+              <a:t/>
+            </a:r>
+            <a:endParaRPr sz="2600">
+              <a:solidFill>
+                <a:srgbClr val="0C234B"/>
+              </a:solidFill>
+              <a:latin typeface="Montserrat"/>
+              <a:ea typeface="Montserrat"/>
+              <a:cs typeface="Montserrat"/>
+              <a:sym typeface="Montserrat"/>
+            </a:endParaRPr>
+          </a:p>
+          <a:p>
+            <a:pPr indent="-317500" lvl="0" marL="317500" rtl="0" algn="l">
+              <a:lnSpc>
+                <a:spcPct val="115000"/>
+              </a:lnSpc>
+              <a:spcBef>
+                <a:spcPts val="900"/>
+              </a:spcBef>
+              <a:spcAft>
+                <a:spcPts val="0"/>
+              </a:spcAft>
+              <a:buNone/>
+            </a:pPr>
+            <a:r>
+              <a:t/>
+            </a:r>
+            <a:endParaRPr sz="2600">
+              <a:solidFill>
+                <a:srgbClr val="0C234B"/>
+              </a:solidFill>
+              <a:latin typeface="Montserrat"/>
+              <a:ea typeface="Montserrat"/>
+              <a:cs typeface="Montserrat"/>
+              <a:sym typeface="Montserrat"/>
+            </a:endParaRPr>
+          </a:p>
+        </p:txBody>
+      </p:sp>
+    </p:spTree>
+  </p:cSld>
+  <p:clrMapOvr>
+    <a:masterClrMapping/>
+  </p:clrMapOvr>
+</p:sld>
+</file>
+
+<file path=ppt/slides/slide21.xml><?xml version="1.0" encoding="utf-8"?>
+<p:sld xmlns:a="http://schemas.openxmlformats.org/drawingml/2006/main" xmlns:r="http://schemas.openxmlformats.org/officeDocument/2006/relationships" xmlns:mc="http://schemas.openxmlformats.org/markup-compatibility/2006" xmlns:mv="urn:schemas-microsoft-com:mac:vml" xmlns:p="http://schemas.openxmlformats.org/presentationml/2006/main" xmlns:c="http://schemas.openxmlformats.org/drawingml/2006/chart" xmlns:dgm="http://schemas.openxmlformats.org/drawingml/2006/diagram" xmlns:o="urn:schemas-microsoft-com:office:office" xmlns:v="urn:schemas-microsoft-com:vml" xmlns:pvml="urn:schemas-microsoft-com:office:powerpoint" xmlns:com="http://schemas.openxmlformats.org/drawingml/2006/compatibility" xmlns:p14="http://schemas.microsoft.com/office/powerpoint/2010/main" xmlns:p15="http://schemas.microsoft.com/office/powerpoint/2012/main" xmlns:ahyp="http://schemas.microsoft.com/office/drawing/2018/hyperlinkcolor">
+  <p:cSld>
+    <p:spTree>
+      <p:nvGrpSpPr>
+        <p:cNvPr id="356" name="Shape 356"/>
+        <p:cNvGrpSpPr/>
+        <p:nvPr/>
+      </p:nvGrpSpPr>
+      <p:grpSpPr>
+        <a:xfrm>
+          <a:off x="0" y="0"/>
+          <a:ext cx="0" cy="0"/>
+          <a:chOff x="0" y="0"/>
+          <a:chExt cx="0" cy="0"/>
+        </a:xfrm>
+      </p:grpSpPr>
+      <p:sp>
+        <p:nvSpPr>
+          <p:cNvPr id="357" name="Google Shape;357;p38"/>
+          <p:cNvSpPr txBox="1"/>
+          <p:nvPr/>
+        </p:nvSpPr>
+        <p:spPr>
+          <a:xfrm rot="-5400000">
+            <a:off x="-1593416" y="6130475"/>
+            <a:ext cx="5728200" cy="553800"/>
+          </a:xfrm>
+          <a:prstGeom prst="rect">
+            <a:avLst/>
+          </a:prstGeom>
+          <a:noFill/>
+          <a:ln>
+            <a:noFill/>
+          </a:ln>
+        </p:spPr>
+        <p:txBody>
+          <a:bodyPr anchorCtr="0" anchor="t" bIns="0" lIns="0" spcFirstLastPara="1" rIns="0" wrap="square" tIns="8875">
+            <a:noAutofit/>
+          </a:bodyPr>
+          <a:lstStyle/>
+          <a:p>
+            <a:pPr indent="0" lvl="0" marL="12700" marR="0" rtl="0" algn="l">
+              <a:lnSpc>
+                <a:spcPct val="100000"/>
+              </a:lnSpc>
+              <a:spcBef>
+                <a:spcPts val="0"/>
+              </a:spcBef>
+              <a:spcAft>
+                <a:spcPts val="0"/>
+              </a:spcAft>
+              <a:buNone/>
+            </a:pPr>
+            <a:r>
+              <a:rPr lang="en-US" sz="1500">
+                <a:solidFill>
+                  <a:srgbClr val="0C234A"/>
+                </a:solidFill>
+                <a:latin typeface="Montserrat"/>
+                <a:ea typeface="Montserrat"/>
+                <a:cs typeface="Montserrat"/>
+                <a:sym typeface="Montserrat"/>
+              </a:rPr>
+              <a:t>ANALYSIS OF ONLINE RETAIL SALES | INFO 523 DATA MINING | COLLEGE OF INFORMATION SCIENCE | UNIVERSITY OF ARIZONA</a:t>
+            </a:r>
+            <a:endParaRPr sz="1500">
+              <a:solidFill>
+                <a:schemeClr val="dk1"/>
+              </a:solidFill>
+              <a:latin typeface="Montserrat"/>
+              <a:ea typeface="Montserrat"/>
+              <a:cs typeface="Montserrat"/>
+              <a:sym typeface="Montserrat"/>
+            </a:endParaRPr>
+          </a:p>
+        </p:txBody>
+      </p:sp>
+      <p:sp>
+        <p:nvSpPr>
+          <p:cNvPr id="358" name="Google Shape;358;p38"/>
+          <p:cNvSpPr txBox="1"/>
+          <p:nvPr/>
+        </p:nvSpPr>
+        <p:spPr>
+          <a:xfrm>
+            <a:off x="2426775" y="808000"/>
+            <a:ext cx="15351000" cy="1348500"/>
+          </a:xfrm>
+          <a:prstGeom prst="rect">
+            <a:avLst/>
+          </a:prstGeom>
+          <a:noFill/>
+          <a:ln>
+            <a:noFill/>
+          </a:ln>
+        </p:spPr>
+        <p:txBody>
+          <a:bodyPr anchorCtr="0" anchor="t" bIns="91425" lIns="91425" spcFirstLastPara="1" rIns="91425" wrap="square" tIns="91425">
+            <a:noAutofit/>
+          </a:bodyPr>
+          <a:lstStyle/>
+          <a:p>
+            <a:pPr indent="0" lvl="0" marL="0" rtl="0" algn="ctr">
+              <a:spcBef>
+                <a:spcPts val="0"/>
+              </a:spcBef>
+              <a:spcAft>
+                <a:spcPts val="0"/>
+              </a:spcAft>
+              <a:buNone/>
+            </a:pPr>
+            <a:r>
+              <a:rPr b="1" lang="en-US" sz="5200">
+                <a:latin typeface="Montserrat"/>
+                <a:ea typeface="Montserrat"/>
+                <a:cs typeface="Montserrat"/>
+                <a:sym typeface="Montserrat"/>
+              </a:rPr>
+              <a:t>CLASSIFICATION ALGORITHM -  DECISION TREE</a:t>
+            </a:r>
+            <a:endParaRPr b="1" sz="5200">
+              <a:latin typeface="Montserrat"/>
+              <a:ea typeface="Montserrat"/>
+              <a:cs typeface="Montserrat"/>
+              <a:sym typeface="Montserrat"/>
+            </a:endParaRPr>
+          </a:p>
+        </p:txBody>
+      </p:sp>
+      <p:sp>
+        <p:nvSpPr>
+          <p:cNvPr id="359" name="Google Shape;359;p38"/>
+          <p:cNvSpPr txBox="1"/>
+          <p:nvPr/>
+        </p:nvSpPr>
+        <p:spPr>
+          <a:xfrm>
+            <a:off x="2426775" y="2544375"/>
+            <a:ext cx="8101800" cy="6801900"/>
+          </a:xfrm>
+          <a:prstGeom prst="rect">
+            <a:avLst/>
+          </a:prstGeom>
+          <a:noFill/>
+          <a:ln>
+            <a:noFill/>
+          </a:ln>
+        </p:spPr>
+        <p:txBody>
+          <a:bodyPr anchorCtr="0" anchor="t" bIns="91425" lIns="91425" spcFirstLastPara="1" rIns="91425" wrap="square" tIns="91425">
+            <a:spAutoFit/>
+          </a:bodyPr>
+          <a:lstStyle/>
+          <a:p>
+            <a:pPr indent="-317500" lvl="0" marL="317500" rtl="0" algn="l">
+              <a:lnSpc>
+                <a:spcPct val="115000"/>
+              </a:lnSpc>
+              <a:spcBef>
+                <a:spcPts val="900"/>
+              </a:spcBef>
+              <a:spcAft>
+                <a:spcPts val="0"/>
+              </a:spcAft>
+              <a:buNone/>
+            </a:pPr>
+            <a:r>
+              <a:rPr lang="en-US" sz="2600">
+                <a:solidFill>
+                  <a:srgbClr val="0C234B"/>
+                </a:solidFill>
+                <a:latin typeface="Montserrat"/>
+                <a:ea typeface="Montserrat"/>
+                <a:cs typeface="Montserrat"/>
+                <a:sym typeface="Montserrat"/>
+              </a:rPr>
+              <a:t>Accuracy: 0.9682914 </a:t>
+            </a:r>
+            <a:endParaRPr sz="2600">
+              <a:solidFill>
+                <a:srgbClr val="0C234B"/>
+              </a:solidFill>
+              <a:latin typeface="Montserrat"/>
+              <a:ea typeface="Montserrat"/>
+              <a:cs typeface="Montserrat"/>
+              <a:sym typeface="Montserrat"/>
+            </a:endParaRPr>
+          </a:p>
+          <a:p>
+            <a:pPr indent="-317500" lvl="0" marL="317500" rtl="0" algn="l">
+              <a:lnSpc>
+                <a:spcPct val="115000"/>
+              </a:lnSpc>
+              <a:spcBef>
+                <a:spcPts val="900"/>
+              </a:spcBef>
+              <a:spcAft>
+                <a:spcPts val="0"/>
+              </a:spcAft>
+              <a:buNone/>
+            </a:pPr>
+            <a:r>
+              <a:rPr lang="en-US" sz="2600">
+                <a:solidFill>
+                  <a:srgbClr val="0C234B"/>
+                </a:solidFill>
+                <a:latin typeface="Montserrat"/>
+                <a:ea typeface="Montserrat"/>
+                <a:cs typeface="Montserrat"/>
+                <a:sym typeface="Montserrat"/>
+              </a:rPr>
+              <a:t>Precision (High): 0.9495289 </a:t>
+            </a:r>
+            <a:endParaRPr sz="2600">
+              <a:solidFill>
+                <a:srgbClr val="0C234B"/>
+              </a:solidFill>
+              <a:latin typeface="Montserrat"/>
+              <a:ea typeface="Montserrat"/>
+              <a:cs typeface="Montserrat"/>
+              <a:sym typeface="Montserrat"/>
+            </a:endParaRPr>
+          </a:p>
+          <a:p>
+            <a:pPr indent="-317500" lvl="0" marL="317500" rtl="0" algn="l">
+              <a:lnSpc>
+                <a:spcPct val="115000"/>
+              </a:lnSpc>
+              <a:spcBef>
+                <a:spcPts val="900"/>
+              </a:spcBef>
+              <a:spcAft>
+                <a:spcPts val="0"/>
+              </a:spcAft>
+              <a:buNone/>
+            </a:pPr>
+            <a:r>
+              <a:rPr lang="en-US" sz="2600">
+                <a:solidFill>
+                  <a:srgbClr val="0C234B"/>
+                </a:solidFill>
+                <a:latin typeface="Montserrat"/>
+                <a:ea typeface="Montserrat"/>
+                <a:cs typeface="Montserrat"/>
+                <a:sym typeface="Montserrat"/>
+              </a:rPr>
+              <a:t>Recall (High): 0.9892674 </a:t>
+            </a:r>
+            <a:endParaRPr sz="2600">
+              <a:solidFill>
+                <a:srgbClr val="0C234B"/>
+              </a:solidFill>
+              <a:latin typeface="Montserrat"/>
+              <a:ea typeface="Montserrat"/>
+              <a:cs typeface="Montserrat"/>
+              <a:sym typeface="Montserrat"/>
+            </a:endParaRPr>
+          </a:p>
+          <a:p>
+            <a:pPr indent="-317500" lvl="0" marL="317500" rtl="0" algn="l">
+              <a:lnSpc>
+                <a:spcPct val="115000"/>
+              </a:lnSpc>
+              <a:spcBef>
+                <a:spcPts val="900"/>
+              </a:spcBef>
+              <a:spcAft>
+                <a:spcPts val="0"/>
+              </a:spcAft>
+              <a:buNone/>
+            </a:pPr>
+            <a:r>
+              <a:rPr lang="en-US" sz="2600">
+                <a:solidFill>
+                  <a:srgbClr val="0C234B"/>
+                </a:solidFill>
+                <a:latin typeface="Montserrat"/>
+                <a:ea typeface="Montserrat"/>
+                <a:cs typeface="Montserrat"/>
+                <a:sym typeface="Montserrat"/>
+              </a:rPr>
+              <a:t>F1-Score (High): 0.9689909 </a:t>
+            </a:r>
+            <a:endParaRPr sz="2600">
+              <a:solidFill>
+                <a:srgbClr val="0C234B"/>
+              </a:solidFill>
+              <a:latin typeface="Montserrat"/>
+              <a:ea typeface="Montserrat"/>
+              <a:cs typeface="Montserrat"/>
+              <a:sym typeface="Montserrat"/>
+            </a:endParaRPr>
+          </a:p>
+          <a:p>
+            <a:pPr indent="-317500" lvl="0" marL="317500" rtl="0" algn="l">
+              <a:lnSpc>
+                <a:spcPct val="115000"/>
+              </a:lnSpc>
+              <a:spcBef>
+                <a:spcPts val="900"/>
+              </a:spcBef>
+              <a:spcAft>
+                <a:spcPts val="0"/>
+              </a:spcAft>
+              <a:buNone/>
+            </a:pPr>
+            <a:r>
+              <a:rPr lang="en-US" sz="2600">
+                <a:solidFill>
+                  <a:srgbClr val="0C234B"/>
+                </a:solidFill>
+                <a:latin typeface="Montserrat"/>
+                <a:ea typeface="Montserrat"/>
+                <a:cs typeface="Montserrat"/>
+                <a:sym typeface="Montserrat"/>
+              </a:rPr>
+              <a:t>Precision (Low): 0.9887612 </a:t>
+            </a:r>
+            <a:endParaRPr sz="2600">
+              <a:solidFill>
+                <a:srgbClr val="0C234B"/>
+              </a:solidFill>
+              <a:latin typeface="Montserrat"/>
+              <a:ea typeface="Montserrat"/>
+              <a:cs typeface="Montserrat"/>
+              <a:sym typeface="Montserrat"/>
+            </a:endParaRPr>
+          </a:p>
+          <a:p>
+            <a:pPr indent="-317500" lvl="0" marL="317500" rtl="0" algn="l">
+              <a:lnSpc>
+                <a:spcPct val="115000"/>
+              </a:lnSpc>
+              <a:spcBef>
+                <a:spcPts val="900"/>
+              </a:spcBef>
+              <a:spcAft>
+                <a:spcPts val="0"/>
+              </a:spcAft>
+              <a:buNone/>
+            </a:pPr>
+            <a:r>
+              <a:rPr lang="en-US" sz="2600">
+                <a:solidFill>
+                  <a:srgbClr val="0C234B"/>
+                </a:solidFill>
+                <a:latin typeface="Montserrat"/>
+                <a:ea typeface="Montserrat"/>
+                <a:cs typeface="Montserrat"/>
+                <a:sym typeface="Montserrat"/>
+              </a:rPr>
+              <a:t>Recall (Low): 0.9472483 </a:t>
+            </a:r>
+            <a:endParaRPr sz="2600">
+              <a:solidFill>
+                <a:srgbClr val="0C234B"/>
+              </a:solidFill>
+              <a:latin typeface="Montserrat"/>
+              <a:ea typeface="Montserrat"/>
+              <a:cs typeface="Montserrat"/>
+              <a:sym typeface="Montserrat"/>
+            </a:endParaRPr>
+          </a:p>
+          <a:p>
+            <a:pPr indent="-317500" lvl="0" marL="317500" rtl="0" algn="l">
+              <a:lnSpc>
+                <a:spcPct val="115000"/>
+              </a:lnSpc>
+              <a:spcBef>
+                <a:spcPts val="900"/>
+              </a:spcBef>
+              <a:spcAft>
+                <a:spcPts val="0"/>
+              </a:spcAft>
+              <a:buNone/>
+            </a:pPr>
+            <a:r>
+              <a:rPr lang="en-US" sz="2600">
+                <a:solidFill>
+                  <a:srgbClr val="0C234B"/>
+                </a:solidFill>
+                <a:latin typeface="Montserrat"/>
+                <a:ea typeface="Montserrat"/>
+                <a:cs typeface="Montserrat"/>
+                <a:sym typeface="Montserrat"/>
+              </a:rPr>
+              <a:t>F1-Score (Low): 0.9675597</a:t>
+            </a:r>
+            <a:endParaRPr sz="900">
+              <a:solidFill>
+                <a:srgbClr val="E6E1DC"/>
+              </a:solidFill>
+              <a:highlight>
+                <a:srgbClr val="202020"/>
+              </a:highlight>
+              <a:latin typeface="Courier New"/>
+              <a:ea typeface="Courier New"/>
+              <a:cs typeface="Courier New"/>
+              <a:sym typeface="Courier New"/>
+            </a:endParaRPr>
+          </a:p>
+          <a:p>
+            <a:pPr indent="-317500" lvl="0" marL="317500" rtl="0" algn="l">
+              <a:lnSpc>
+                <a:spcPct val="115000"/>
+              </a:lnSpc>
+              <a:spcBef>
+                <a:spcPts val="900"/>
+              </a:spcBef>
+              <a:spcAft>
+                <a:spcPts val="0"/>
+              </a:spcAft>
+              <a:buNone/>
+            </a:pPr>
+            <a:r>
+              <a:t/>
+            </a:r>
+            <a:endParaRPr sz="2600">
+              <a:solidFill>
+                <a:srgbClr val="0C234B"/>
+              </a:solidFill>
+              <a:latin typeface="Montserrat"/>
+              <a:ea typeface="Montserrat"/>
+              <a:cs typeface="Montserrat"/>
+              <a:sym typeface="Montserrat"/>
+            </a:endParaRPr>
+          </a:p>
+          <a:p>
+            <a:pPr indent="0" lvl="0" marL="0" rtl="0" algn="l">
+              <a:lnSpc>
+                <a:spcPct val="115000"/>
+              </a:lnSpc>
+              <a:spcBef>
+                <a:spcPts val="900"/>
+              </a:spcBef>
+              <a:spcAft>
+                <a:spcPts val="0"/>
+              </a:spcAft>
+              <a:buNone/>
+            </a:pPr>
+            <a:r>
+              <a:rPr lang="en-US" sz="2600">
+                <a:solidFill>
+                  <a:srgbClr val="0C234B"/>
+                </a:solidFill>
+                <a:latin typeface="Montserrat"/>
+                <a:ea typeface="Montserrat"/>
+                <a:cs typeface="Montserrat"/>
+                <a:sym typeface="Montserrat"/>
+              </a:rPr>
+              <a:t>High Precision and Recall with balanced F1-score.</a:t>
+            </a:r>
+            <a:endParaRPr sz="2600">
+              <a:solidFill>
+                <a:srgbClr val="0C234B"/>
+              </a:solidFill>
+              <a:latin typeface="Montserrat"/>
+              <a:ea typeface="Montserrat"/>
+              <a:cs typeface="Montserrat"/>
+              <a:sym typeface="Montserrat"/>
+            </a:endParaRPr>
+          </a:p>
+          <a:p>
+            <a:pPr indent="-317500" lvl="0" marL="317500" rtl="0" algn="l">
+              <a:lnSpc>
+                <a:spcPct val="115000"/>
+              </a:lnSpc>
+              <a:spcBef>
+                <a:spcPts val="900"/>
+              </a:spcBef>
+              <a:spcAft>
+                <a:spcPts val="0"/>
+              </a:spcAft>
+              <a:buNone/>
+            </a:pPr>
+            <a:r>
+              <a:t/>
+            </a:r>
+            <a:endParaRPr sz="2600">
+              <a:solidFill>
+                <a:srgbClr val="0C234B"/>
+              </a:solidFill>
+              <a:latin typeface="Montserrat"/>
+              <a:ea typeface="Montserrat"/>
+              <a:cs typeface="Montserrat"/>
+              <a:sym typeface="Montserrat"/>
+            </a:endParaRPr>
+          </a:p>
+          <a:p>
+            <a:pPr indent="-317500" lvl="0" marL="317500" rtl="0" algn="l">
+              <a:lnSpc>
+                <a:spcPct val="115000"/>
+              </a:lnSpc>
+              <a:spcBef>
+                <a:spcPts val="900"/>
+              </a:spcBef>
+              <a:spcAft>
+                <a:spcPts val="0"/>
+              </a:spcAft>
+              <a:buNone/>
+            </a:pPr>
+            <a:r>
+              <a:t/>
+            </a:r>
+            <a:endParaRPr sz="2600">
+              <a:solidFill>
+                <a:srgbClr val="0C234B"/>
+              </a:solidFill>
+              <a:latin typeface="Montserrat"/>
+              <a:ea typeface="Montserrat"/>
+              <a:cs typeface="Montserrat"/>
+              <a:sym typeface="Montserrat"/>
+            </a:endParaRPr>
+          </a:p>
+        </p:txBody>
+      </p:sp>
+      <p:pic>
+        <p:nvPicPr>
+          <p:cNvPr id="360" name="Google Shape;360;p38"/>
+          <p:cNvPicPr preferRelativeResize="0"/>
+          <p:nvPr/>
+        </p:nvPicPr>
+        <p:blipFill>
+          <a:blip r:embed="rId3">
+            <a:alphaModFix/>
+          </a:blip>
+          <a:stretch>
+            <a:fillRect/>
+          </a:stretch>
+        </p:blipFill>
+        <p:spPr>
+          <a:xfrm>
+            <a:off x="10318425" y="2990675"/>
+            <a:ext cx="7777024" cy="4802025"/>
+          </a:xfrm>
+          <a:prstGeom prst="rect">
+            <a:avLst/>
+          </a:prstGeom>
+          <a:noFill/>
+          <a:ln>
+            <a:noFill/>
+          </a:ln>
+        </p:spPr>
+      </p:pic>
+    </p:spTree>
+  </p:cSld>
+  <p:clrMapOvr>
+    <a:masterClrMapping/>
+  </p:clrMapOvr>
+</p:sld>
+</file>
+
+<file path=ppt/slides/slide22.xml><?xml version="1.0" encoding="utf-8"?>
+<p:sld xmlns:a="http://schemas.openxmlformats.org/drawingml/2006/main" xmlns:r="http://schemas.openxmlformats.org/officeDocument/2006/relationships" xmlns:mc="http://schemas.openxmlformats.org/markup-compatibility/2006" xmlns:mv="urn:schemas-microsoft-com:mac:vml" xmlns:p="http://schemas.openxmlformats.org/presentationml/2006/main" xmlns:c="http://schemas.openxmlformats.org/drawingml/2006/chart" xmlns:dgm="http://schemas.openxmlformats.org/drawingml/2006/diagram" xmlns:o="urn:schemas-microsoft-com:office:office" xmlns:v="urn:schemas-microsoft-com:vml" xmlns:pvml="urn:schemas-microsoft-com:office:powerpoint" xmlns:com="http://schemas.openxmlformats.org/drawingml/2006/compatibility" xmlns:p14="http://schemas.microsoft.com/office/powerpoint/2010/main" xmlns:p15="http://schemas.microsoft.com/office/powerpoint/2012/main" xmlns:ahyp="http://schemas.microsoft.com/office/drawing/2018/hyperlinkcolor">
+  <p:cSld>
+    <p:spTree>
+      <p:nvGrpSpPr>
+        <p:cNvPr id="364" name="Shape 364"/>
+        <p:cNvGrpSpPr/>
+        <p:nvPr/>
+      </p:nvGrpSpPr>
+      <p:grpSpPr>
+        <a:xfrm>
+          <a:off x="0" y="0"/>
+          <a:ext cx="0" cy="0"/>
+          <a:chOff x="0" y="0"/>
+          <a:chExt cx="0" cy="0"/>
+        </a:xfrm>
+      </p:grpSpPr>
+      <p:sp>
+        <p:nvSpPr>
+          <p:cNvPr id="365" name="Google Shape;365;p39"/>
+          <p:cNvSpPr txBox="1"/>
+          <p:nvPr/>
+        </p:nvSpPr>
+        <p:spPr>
+          <a:xfrm>
+            <a:off x="3690900" y="252600"/>
+            <a:ext cx="13729800" cy="1661700"/>
+          </a:xfrm>
+          <a:prstGeom prst="rect">
+            <a:avLst/>
+          </a:prstGeom>
+          <a:noFill/>
+          <a:ln>
+            <a:noFill/>
+          </a:ln>
+        </p:spPr>
+        <p:txBody>
+          <a:bodyPr anchorCtr="0" anchor="t" bIns="91425" lIns="91425" spcFirstLastPara="1" rIns="91425" wrap="square" tIns="91425">
+            <a:noAutofit/>
+          </a:bodyPr>
+          <a:lstStyle/>
+          <a:p>
+            <a:pPr indent="0" lvl="0" marL="0" rtl="0" algn="ctr">
+              <a:spcBef>
+                <a:spcPts val="0"/>
+              </a:spcBef>
+              <a:spcAft>
+                <a:spcPts val="0"/>
+              </a:spcAft>
+              <a:buClr>
+                <a:schemeClr val="dk1"/>
+              </a:buClr>
+              <a:buSzPts val="1100"/>
+              <a:buFont typeface="Arial"/>
+              <a:buNone/>
+            </a:pPr>
+            <a:r>
+              <a:rPr b="1" lang="en-US" sz="5200">
+                <a:solidFill>
+                  <a:schemeClr val="dk1"/>
+                </a:solidFill>
+                <a:latin typeface="Montserrat"/>
+                <a:ea typeface="Montserrat"/>
+                <a:cs typeface="Montserrat"/>
+                <a:sym typeface="Montserrat"/>
+              </a:rPr>
+              <a:t>CLASSIFICATION ALGORITHM -  RANDOM FOREST</a:t>
+            </a:r>
+            <a:endParaRPr b="1" sz="5200">
+              <a:solidFill>
+                <a:schemeClr val="dk1"/>
+              </a:solidFill>
+              <a:latin typeface="Montserrat"/>
+              <a:ea typeface="Montserrat"/>
+              <a:cs typeface="Montserrat"/>
+              <a:sym typeface="Montserrat"/>
+            </a:endParaRPr>
+          </a:p>
+        </p:txBody>
+      </p:sp>
+      <p:sp>
+        <p:nvSpPr>
+          <p:cNvPr id="366" name="Google Shape;366;p39"/>
+          <p:cNvSpPr txBox="1"/>
+          <p:nvPr/>
+        </p:nvSpPr>
+        <p:spPr>
+          <a:xfrm rot="-5400000">
+            <a:off x="-1593416" y="6130475"/>
+            <a:ext cx="5728200" cy="553800"/>
+          </a:xfrm>
+          <a:prstGeom prst="rect">
+            <a:avLst/>
+          </a:prstGeom>
+          <a:noFill/>
+          <a:ln>
+            <a:noFill/>
+          </a:ln>
+        </p:spPr>
+        <p:txBody>
+          <a:bodyPr anchorCtr="0" anchor="t" bIns="0" lIns="0" spcFirstLastPara="1" rIns="0" wrap="square" tIns="8875">
+            <a:noAutofit/>
+          </a:bodyPr>
+          <a:lstStyle/>
+          <a:p>
+            <a:pPr indent="0" lvl="0" marL="12700" marR="0" rtl="0" algn="l">
+              <a:lnSpc>
+                <a:spcPct val="100000"/>
+              </a:lnSpc>
+              <a:spcBef>
+                <a:spcPts val="0"/>
+              </a:spcBef>
+              <a:spcAft>
+                <a:spcPts val="0"/>
+              </a:spcAft>
+              <a:buNone/>
+            </a:pPr>
+            <a:r>
+              <a:rPr lang="en-US" sz="1500">
+                <a:solidFill>
+                  <a:srgbClr val="0C234A"/>
+                </a:solidFill>
+                <a:latin typeface="Montserrat"/>
+                <a:ea typeface="Montserrat"/>
+                <a:cs typeface="Montserrat"/>
+                <a:sym typeface="Montserrat"/>
+              </a:rPr>
+              <a:t>ANALYSIS OF ONLINE RETAIL SALES | INFO 523 DATA MINING | COLLEGE OF INFORMATION SCIENCE | UNIVERSITY OF ARIZONA</a:t>
+            </a:r>
+            <a:endParaRPr sz="1500">
+              <a:solidFill>
+                <a:schemeClr val="dk1"/>
+              </a:solidFill>
+              <a:latin typeface="Montserrat"/>
+              <a:ea typeface="Montserrat"/>
+              <a:cs typeface="Montserrat"/>
+              <a:sym typeface="Montserrat"/>
+            </a:endParaRPr>
+          </a:p>
+        </p:txBody>
+      </p:sp>
+      <p:sp>
+        <p:nvSpPr>
+          <p:cNvPr id="367" name="Google Shape;367;p39"/>
+          <p:cNvSpPr txBox="1"/>
+          <p:nvPr/>
+        </p:nvSpPr>
+        <p:spPr>
+          <a:xfrm>
+            <a:off x="2548800" y="2870250"/>
+            <a:ext cx="9024000" cy="7204500"/>
+          </a:xfrm>
+          <a:prstGeom prst="rect">
+            <a:avLst/>
+          </a:prstGeom>
+          <a:noFill/>
+          <a:ln>
+            <a:noFill/>
+          </a:ln>
+        </p:spPr>
+        <p:txBody>
+          <a:bodyPr anchorCtr="0" anchor="t" bIns="91425" lIns="91425" spcFirstLastPara="1" rIns="91425" wrap="square" tIns="91425">
+            <a:spAutoFit/>
+          </a:bodyPr>
+          <a:lstStyle/>
+          <a:p>
+            <a:pPr indent="0" lvl="0" marL="0" rtl="0" algn="l">
+              <a:lnSpc>
+                <a:spcPct val="115000"/>
+              </a:lnSpc>
+              <a:spcBef>
+                <a:spcPts val="900"/>
+              </a:spcBef>
+              <a:spcAft>
+                <a:spcPts val="0"/>
+              </a:spcAft>
+              <a:buNone/>
+            </a:pPr>
+            <a:r>
+              <a:rPr lang="en-US" sz="2600">
+                <a:solidFill>
+                  <a:srgbClr val="0C234B"/>
+                </a:solidFill>
+                <a:latin typeface="Montserrat"/>
+                <a:ea typeface="Montserrat"/>
+                <a:cs typeface="Montserrat"/>
+                <a:sym typeface="Montserrat"/>
+              </a:rPr>
+              <a:t>A Random Forest model is trained using Recency, Frequency, and Monetary as predictors to understand the Churn. </a:t>
+            </a:r>
+            <a:endParaRPr sz="1100">
+              <a:solidFill>
+                <a:schemeClr val="dk1"/>
+              </a:solidFill>
+            </a:endParaRPr>
+          </a:p>
+          <a:p>
+            <a:pPr indent="0" lvl="0" marL="0" rtl="0" algn="l">
+              <a:lnSpc>
+                <a:spcPct val="115000"/>
+              </a:lnSpc>
+              <a:spcBef>
+                <a:spcPts val="900"/>
+              </a:spcBef>
+              <a:spcAft>
+                <a:spcPts val="0"/>
+              </a:spcAft>
+              <a:buNone/>
+            </a:pPr>
+            <a:r>
+              <a:t/>
+            </a:r>
+            <a:endParaRPr sz="2600">
+              <a:solidFill>
+                <a:srgbClr val="0C234B"/>
+              </a:solidFill>
+              <a:latin typeface="Montserrat"/>
+              <a:ea typeface="Montserrat"/>
+              <a:cs typeface="Montserrat"/>
+              <a:sym typeface="Montserrat"/>
+            </a:endParaRPr>
+          </a:p>
+          <a:p>
+            <a:pPr indent="0" lvl="0" marL="0" rtl="0" algn="l">
+              <a:lnSpc>
+                <a:spcPct val="115000"/>
+              </a:lnSpc>
+              <a:spcBef>
+                <a:spcPts val="900"/>
+              </a:spcBef>
+              <a:spcAft>
+                <a:spcPts val="0"/>
+              </a:spcAft>
+              <a:buNone/>
+            </a:pPr>
+            <a:r>
+              <a:rPr lang="en-US" sz="2600">
+                <a:solidFill>
+                  <a:srgbClr val="0C234B"/>
+                </a:solidFill>
+                <a:latin typeface="Montserrat"/>
+                <a:ea typeface="Montserrat"/>
+                <a:cs typeface="Montserrat"/>
+                <a:sym typeface="Montserrat"/>
+              </a:rPr>
+              <a:t>Customers who haven't made a purchase in the last 6 months are flagged as churned (Churn = 1), while active customers are flagged as 0</a:t>
+            </a:r>
+            <a:r>
+              <a:rPr lang="en-US" sz="1100">
+                <a:solidFill>
+                  <a:schemeClr val="dk1"/>
+                </a:solidFill>
+              </a:rPr>
+              <a:t>.</a:t>
+            </a:r>
+            <a:endParaRPr sz="1100">
+              <a:solidFill>
+                <a:schemeClr val="dk1"/>
+              </a:solidFill>
+            </a:endParaRPr>
+          </a:p>
+          <a:p>
+            <a:pPr indent="0" lvl="0" marL="0" rtl="0" algn="l">
+              <a:lnSpc>
+                <a:spcPct val="115000"/>
+              </a:lnSpc>
+              <a:spcBef>
+                <a:spcPts val="900"/>
+              </a:spcBef>
+              <a:spcAft>
+                <a:spcPts val="0"/>
+              </a:spcAft>
+              <a:buNone/>
+            </a:pPr>
+            <a:r>
+              <a:t/>
+            </a:r>
+            <a:endParaRPr sz="1100">
+              <a:solidFill>
+                <a:schemeClr val="dk1"/>
+              </a:solidFill>
+            </a:endParaRPr>
+          </a:p>
+          <a:p>
+            <a:pPr indent="0" lvl="0" marL="0" rtl="0" algn="l">
+              <a:lnSpc>
+                <a:spcPct val="115000"/>
+              </a:lnSpc>
+              <a:spcBef>
+                <a:spcPts val="900"/>
+              </a:spcBef>
+              <a:spcAft>
+                <a:spcPts val="0"/>
+              </a:spcAft>
+              <a:buNone/>
+            </a:pPr>
+            <a:r>
+              <a:t/>
+            </a:r>
+            <a:endParaRPr sz="1100">
+              <a:solidFill>
+                <a:schemeClr val="dk1"/>
+              </a:solidFill>
+            </a:endParaRPr>
+          </a:p>
+          <a:p>
+            <a:pPr indent="0" lvl="0" marL="0" rtl="0" algn="l">
+              <a:lnSpc>
+                <a:spcPct val="115000"/>
+              </a:lnSpc>
+              <a:spcBef>
+                <a:spcPts val="900"/>
+              </a:spcBef>
+              <a:spcAft>
+                <a:spcPts val="0"/>
+              </a:spcAft>
+              <a:buNone/>
+            </a:pPr>
+            <a:r>
+              <a:t/>
+            </a:r>
+            <a:endParaRPr sz="1100">
+              <a:solidFill>
+                <a:schemeClr val="dk1"/>
+              </a:solidFill>
+            </a:endParaRPr>
+          </a:p>
+          <a:p>
+            <a:pPr indent="0" lvl="0" marL="0" rtl="0" algn="l">
+              <a:lnSpc>
+                <a:spcPct val="115000"/>
+              </a:lnSpc>
+              <a:spcBef>
+                <a:spcPts val="900"/>
+              </a:spcBef>
+              <a:spcAft>
+                <a:spcPts val="0"/>
+              </a:spcAft>
+              <a:buNone/>
+            </a:pPr>
+            <a:r>
+              <a:rPr lang="en-US" sz="2600">
+                <a:solidFill>
+                  <a:srgbClr val="0C234B"/>
+                </a:solidFill>
+                <a:latin typeface="Montserrat"/>
+                <a:ea typeface="Montserrat"/>
+                <a:cs typeface="Montserrat"/>
+                <a:sym typeface="Montserrat"/>
+              </a:rPr>
+              <a:t>Accuracy: 0.7739464 </a:t>
+            </a:r>
+            <a:endParaRPr sz="2600">
+              <a:solidFill>
+                <a:srgbClr val="0C234B"/>
+              </a:solidFill>
+              <a:latin typeface="Montserrat"/>
+              <a:ea typeface="Montserrat"/>
+              <a:cs typeface="Montserrat"/>
+              <a:sym typeface="Montserrat"/>
+            </a:endParaRPr>
+          </a:p>
+          <a:p>
+            <a:pPr indent="0" lvl="0" marL="0" rtl="0" algn="l">
+              <a:lnSpc>
+                <a:spcPct val="115000"/>
+              </a:lnSpc>
+              <a:spcBef>
+                <a:spcPts val="900"/>
+              </a:spcBef>
+              <a:spcAft>
+                <a:spcPts val="0"/>
+              </a:spcAft>
+              <a:buNone/>
+            </a:pPr>
+            <a:r>
+              <a:rPr lang="en-US" sz="2600">
+                <a:solidFill>
+                  <a:srgbClr val="0C234B"/>
+                </a:solidFill>
+                <a:latin typeface="Montserrat"/>
+                <a:ea typeface="Montserrat"/>
+                <a:cs typeface="Montserrat"/>
+                <a:sym typeface="Montserrat"/>
+              </a:rPr>
+              <a:t>Precision (Churn): 0.6871036 </a:t>
+            </a:r>
+            <a:endParaRPr sz="2600">
+              <a:solidFill>
+                <a:srgbClr val="0C234B"/>
+              </a:solidFill>
+              <a:latin typeface="Montserrat"/>
+              <a:ea typeface="Montserrat"/>
+              <a:cs typeface="Montserrat"/>
+              <a:sym typeface="Montserrat"/>
+            </a:endParaRPr>
+          </a:p>
+          <a:p>
+            <a:pPr indent="0" lvl="0" marL="0" rtl="0" algn="l">
+              <a:lnSpc>
+                <a:spcPct val="145000"/>
+              </a:lnSpc>
+              <a:spcBef>
+                <a:spcPts val="0"/>
+              </a:spcBef>
+              <a:spcAft>
+                <a:spcPts val="0"/>
+              </a:spcAft>
+              <a:buClr>
+                <a:schemeClr val="dk1"/>
+              </a:buClr>
+              <a:buSzPts val="1100"/>
+              <a:buFont typeface="Arial"/>
+              <a:buNone/>
+            </a:pPr>
+            <a:r>
+              <a:rPr lang="en-US" sz="2600">
+                <a:solidFill>
+                  <a:srgbClr val="0C234B"/>
+                </a:solidFill>
+                <a:latin typeface="Montserrat"/>
+                <a:ea typeface="Montserrat"/>
+                <a:cs typeface="Montserrat"/>
+                <a:sym typeface="Montserrat"/>
+              </a:rPr>
+              <a:t>Recall (Churn): 0.6885593</a:t>
+            </a:r>
+            <a:endParaRPr sz="2600">
+              <a:solidFill>
+                <a:srgbClr val="0C234B"/>
+              </a:solidFill>
+              <a:latin typeface="Montserrat"/>
+              <a:ea typeface="Montserrat"/>
+              <a:cs typeface="Montserrat"/>
+              <a:sym typeface="Montserrat"/>
+            </a:endParaRPr>
+          </a:p>
+          <a:p>
+            <a:pPr indent="0" lvl="0" marL="0" rtl="0" algn="l">
+              <a:lnSpc>
+                <a:spcPct val="115000"/>
+              </a:lnSpc>
+              <a:spcBef>
+                <a:spcPts val="900"/>
+              </a:spcBef>
+              <a:spcAft>
+                <a:spcPts val="0"/>
+              </a:spcAft>
+              <a:buNone/>
+            </a:pPr>
+            <a:r>
+              <a:t/>
+            </a:r>
+            <a:endParaRPr sz="1100">
+              <a:solidFill>
+                <a:schemeClr val="dk1"/>
+              </a:solidFill>
+            </a:endParaRPr>
+          </a:p>
+          <a:p>
+            <a:pPr indent="0" lvl="0" marL="0" rtl="0" algn="l">
+              <a:lnSpc>
+                <a:spcPct val="115000"/>
+              </a:lnSpc>
+              <a:spcBef>
+                <a:spcPts val="900"/>
+              </a:spcBef>
+              <a:spcAft>
+                <a:spcPts val="0"/>
+              </a:spcAft>
+              <a:buNone/>
+            </a:pPr>
+            <a:r>
+              <a:t/>
+            </a:r>
+            <a:endParaRPr sz="1100">
+              <a:solidFill>
+                <a:schemeClr val="dk1"/>
+              </a:solidFill>
+            </a:endParaRPr>
+          </a:p>
+          <a:p>
+            <a:pPr indent="0" lvl="0" marL="0" rtl="0" algn="l">
+              <a:lnSpc>
+                <a:spcPct val="115000"/>
+              </a:lnSpc>
+              <a:spcBef>
+                <a:spcPts val="900"/>
+              </a:spcBef>
+              <a:spcAft>
+                <a:spcPts val="0"/>
+              </a:spcAft>
+              <a:buNone/>
+            </a:pPr>
+            <a:r>
+              <a:t/>
+            </a:r>
+            <a:endParaRPr sz="1100">
+              <a:solidFill>
+                <a:schemeClr val="dk1"/>
+              </a:solidFill>
+            </a:endParaRPr>
+          </a:p>
+        </p:txBody>
+      </p:sp>
+      <p:pic>
+        <p:nvPicPr>
+          <p:cNvPr id="368" name="Google Shape;368;p39"/>
+          <p:cNvPicPr preferRelativeResize="0"/>
+          <p:nvPr/>
+        </p:nvPicPr>
+        <p:blipFill>
+          <a:blip r:embed="rId3">
+            <a:alphaModFix/>
+          </a:blip>
+          <a:stretch>
+            <a:fillRect/>
+          </a:stretch>
+        </p:blipFill>
+        <p:spPr>
+          <a:xfrm>
+            <a:off x="11433725" y="3543275"/>
+            <a:ext cx="6410401" cy="3956133"/>
+          </a:xfrm>
+          <a:prstGeom prst="rect">
+            <a:avLst/>
+          </a:prstGeom>
+          <a:noFill/>
+          <a:ln>
+            <a:noFill/>
+          </a:ln>
+        </p:spPr>
+      </p:pic>
+    </p:spTree>
+  </p:cSld>
+  <p:clrMapOvr>
+    <a:masterClrMapping/>
+  </p:clrMapOvr>
+</p:sld>
+</file>
+
+<file path=ppt/slides/slide23.xml><?xml version="1.0" encoding="utf-8"?>
+<p:sld xmlns:a="http://schemas.openxmlformats.org/drawingml/2006/main" xmlns:r="http://schemas.openxmlformats.org/officeDocument/2006/relationships" xmlns:mc="http://schemas.openxmlformats.org/markup-compatibility/2006" xmlns:mv="urn:schemas-microsoft-com:mac:vml" xmlns:p="http://schemas.openxmlformats.org/presentationml/2006/main" xmlns:c="http://schemas.openxmlformats.org/drawingml/2006/chart" xmlns:dgm="http://schemas.openxmlformats.org/drawingml/2006/diagram" xmlns:o="urn:schemas-microsoft-com:office:office" xmlns:v="urn:schemas-microsoft-com:vml" xmlns:pvml="urn:schemas-microsoft-com:office:powerpoint" xmlns:com="http://schemas.openxmlformats.org/drawingml/2006/compatibility" xmlns:p14="http://schemas.microsoft.com/office/powerpoint/2010/main" xmlns:p15="http://schemas.microsoft.com/office/powerpoint/2012/main" xmlns:ahyp="http://schemas.microsoft.com/office/drawing/2018/hyperlinkcolor">
+  <p:cSld>
+    <p:spTree>
+      <p:nvGrpSpPr>
+        <p:cNvPr id="373" name="Shape 373"/>
+        <p:cNvGrpSpPr/>
+        <p:nvPr/>
+      </p:nvGrpSpPr>
+      <p:grpSpPr>
+        <a:xfrm>
+          <a:off x="0" y="0"/>
+          <a:ext cx="0" cy="0"/>
+          <a:chOff x="0" y="0"/>
+          <a:chExt cx="0" cy="0"/>
+        </a:xfrm>
+      </p:grpSpPr>
+      <p:sp>
+        <p:nvSpPr>
+          <p:cNvPr id="374" name="Google Shape;374;p40"/>
+          <p:cNvSpPr txBox="1"/>
+          <p:nvPr/>
+        </p:nvSpPr>
+        <p:spPr>
+          <a:xfrm>
+            <a:off x="3086100" y="1888800"/>
+            <a:ext cx="8589600" cy="6509400"/>
+          </a:xfrm>
+          <a:prstGeom prst="rect">
+            <a:avLst/>
+          </a:prstGeom>
+          <a:noFill/>
+          <a:ln>
+            <a:noFill/>
+          </a:ln>
+        </p:spPr>
+        <p:txBody>
+          <a:bodyPr anchorCtr="0" anchor="t" bIns="91425" lIns="91425" spcFirstLastPara="1" rIns="91425" wrap="square" tIns="91425">
+            <a:spAutoFit/>
+          </a:bodyPr>
+          <a:lstStyle/>
+          <a:p>
+            <a:pPr indent="0" lvl="0" marL="0" rtl="0" algn="l">
+              <a:spcBef>
+                <a:spcPts val="0"/>
+              </a:spcBef>
+              <a:spcAft>
+                <a:spcPts val="0"/>
+              </a:spcAft>
+              <a:buNone/>
+            </a:pPr>
+            <a:r>
+              <a:rPr lang="en-US" sz="2600">
+                <a:solidFill>
+                  <a:srgbClr val="0C234B"/>
+                </a:solidFill>
+                <a:latin typeface="Montserrat"/>
+                <a:ea typeface="Montserrat"/>
+                <a:cs typeface="Montserrat"/>
+                <a:sym typeface="Montserrat"/>
+              </a:rPr>
+              <a:t>Performance Metrics:</a:t>
+            </a:r>
+            <a:endParaRPr sz="2600">
+              <a:solidFill>
+                <a:srgbClr val="0C234B"/>
+              </a:solidFill>
+              <a:latin typeface="Montserrat"/>
+              <a:ea typeface="Montserrat"/>
+              <a:cs typeface="Montserrat"/>
+              <a:sym typeface="Montserrat"/>
+            </a:endParaRPr>
+          </a:p>
+          <a:p>
+            <a:pPr indent="-298450" lvl="0" marL="457200" rtl="0" algn="l">
+              <a:lnSpc>
+                <a:spcPct val="115000"/>
+              </a:lnSpc>
+              <a:spcBef>
+                <a:spcPts val="1200"/>
+              </a:spcBef>
+              <a:spcAft>
+                <a:spcPts val="0"/>
+              </a:spcAft>
+              <a:buClr>
+                <a:schemeClr val="dk1"/>
+              </a:buClr>
+              <a:buSzPts val="1100"/>
+              <a:buChar char="●"/>
+            </a:pPr>
+            <a:r>
+              <a:rPr lang="en-US" sz="2600">
+                <a:solidFill>
+                  <a:srgbClr val="0C234B"/>
+                </a:solidFill>
+                <a:latin typeface="Montserrat"/>
+                <a:ea typeface="Montserrat"/>
+                <a:cs typeface="Montserrat"/>
+                <a:sym typeface="Montserrat"/>
+              </a:rPr>
+              <a:t>Out-of-Bag (OOB) Error Rate: 23.61%.</a:t>
+            </a:r>
+            <a:endParaRPr sz="2600">
+              <a:solidFill>
+                <a:srgbClr val="0C234B"/>
+              </a:solidFill>
+              <a:latin typeface="Montserrat"/>
+              <a:ea typeface="Montserrat"/>
+              <a:cs typeface="Montserrat"/>
+              <a:sym typeface="Montserrat"/>
+            </a:endParaRPr>
+          </a:p>
+          <a:p>
+            <a:pPr indent="-298450" lvl="0" marL="457200" rtl="0" algn="l">
+              <a:lnSpc>
+                <a:spcPct val="115000"/>
+              </a:lnSpc>
+              <a:spcBef>
+                <a:spcPts val="0"/>
+              </a:spcBef>
+              <a:spcAft>
+                <a:spcPts val="0"/>
+              </a:spcAft>
+              <a:buClr>
+                <a:schemeClr val="dk1"/>
+              </a:buClr>
+              <a:buSzPts val="1100"/>
+              <a:buChar char="●"/>
+            </a:pPr>
+            <a:r>
+              <a:rPr lang="en-US" sz="2600">
+                <a:solidFill>
+                  <a:srgbClr val="0C234B"/>
+                </a:solidFill>
+                <a:latin typeface="Montserrat"/>
+                <a:ea typeface="Montserrat"/>
+                <a:cs typeface="Montserrat"/>
+                <a:sym typeface="Montserrat"/>
+              </a:rPr>
+              <a:t>Confusion Matrix:</a:t>
+            </a:r>
+            <a:endParaRPr sz="2600">
+              <a:solidFill>
+                <a:srgbClr val="0C234B"/>
+              </a:solidFill>
+              <a:latin typeface="Montserrat"/>
+              <a:ea typeface="Montserrat"/>
+              <a:cs typeface="Montserrat"/>
+              <a:sym typeface="Montserrat"/>
+            </a:endParaRPr>
+          </a:p>
+          <a:p>
+            <a:pPr indent="-298450" lvl="1" marL="914400" rtl="0" algn="l">
+              <a:lnSpc>
+                <a:spcPct val="115000"/>
+              </a:lnSpc>
+              <a:spcBef>
+                <a:spcPts val="0"/>
+              </a:spcBef>
+              <a:spcAft>
+                <a:spcPts val="0"/>
+              </a:spcAft>
+              <a:buClr>
+                <a:schemeClr val="dk1"/>
+              </a:buClr>
+              <a:buSzPts val="1100"/>
+              <a:buChar char="○"/>
+            </a:pPr>
+            <a:r>
+              <a:rPr lang="en-US" sz="2600">
+                <a:solidFill>
+                  <a:srgbClr val="0C234B"/>
+                </a:solidFill>
+                <a:latin typeface="Montserrat"/>
+                <a:ea typeface="Montserrat"/>
+                <a:cs typeface="Montserrat"/>
+                <a:sym typeface="Montserrat"/>
+              </a:rPr>
+              <a:t>For the training set, the model shows class errors of 33.45% for class 0 (non-churn) and 17.84% for class 1 (churn).</a:t>
+            </a:r>
+            <a:endParaRPr sz="2600">
+              <a:solidFill>
+                <a:srgbClr val="0C234B"/>
+              </a:solidFill>
+              <a:latin typeface="Montserrat"/>
+              <a:ea typeface="Montserrat"/>
+              <a:cs typeface="Montserrat"/>
+              <a:sym typeface="Montserrat"/>
+            </a:endParaRPr>
+          </a:p>
+          <a:p>
+            <a:pPr indent="0" lvl="0" marL="0" rtl="0" algn="l">
+              <a:lnSpc>
+                <a:spcPct val="115000"/>
+              </a:lnSpc>
+              <a:spcBef>
+                <a:spcPts val="1200"/>
+              </a:spcBef>
+              <a:spcAft>
+                <a:spcPts val="0"/>
+              </a:spcAft>
+              <a:buNone/>
+            </a:pPr>
+            <a:r>
+              <a:rPr lang="en-US" sz="2600">
+                <a:solidFill>
+                  <a:srgbClr val="0C234B"/>
+                </a:solidFill>
+                <a:latin typeface="Montserrat"/>
+                <a:ea typeface="Montserrat"/>
+                <a:cs typeface="Montserrat"/>
+                <a:sym typeface="Montserrat"/>
+              </a:rPr>
+              <a:t>Feature Importance:</a:t>
+            </a:r>
+            <a:endParaRPr sz="2600">
+              <a:solidFill>
+                <a:srgbClr val="0C234B"/>
+              </a:solidFill>
+              <a:latin typeface="Montserrat"/>
+              <a:ea typeface="Montserrat"/>
+              <a:cs typeface="Montserrat"/>
+              <a:sym typeface="Montserrat"/>
+            </a:endParaRPr>
+          </a:p>
+          <a:p>
+            <a:pPr indent="-298450" lvl="0" marL="457200" rtl="0" algn="l">
+              <a:lnSpc>
+                <a:spcPct val="115000"/>
+              </a:lnSpc>
+              <a:spcBef>
+                <a:spcPts val="1200"/>
+              </a:spcBef>
+              <a:spcAft>
+                <a:spcPts val="0"/>
+              </a:spcAft>
+              <a:buClr>
+                <a:schemeClr val="dk1"/>
+              </a:buClr>
+              <a:buSzPts val="1100"/>
+              <a:buChar char="●"/>
+            </a:pPr>
+            <a:r>
+              <a:rPr lang="en-US" sz="2600">
+                <a:solidFill>
+                  <a:srgbClr val="0C234B"/>
+                </a:solidFill>
+                <a:latin typeface="Montserrat"/>
+                <a:ea typeface="Montserrat"/>
+                <a:cs typeface="Montserrat"/>
+                <a:sym typeface="Montserrat"/>
+              </a:rPr>
+              <a:t>Recency has the highest mean decrease in accuracy (88.29635) and Gini (512.2293), indicating its significant impact on the model's predictive power.</a:t>
+            </a:r>
+            <a:endParaRPr sz="2600">
+              <a:solidFill>
+                <a:srgbClr val="0C234B"/>
+              </a:solidFill>
+              <a:latin typeface="Montserrat"/>
+              <a:ea typeface="Montserrat"/>
+              <a:cs typeface="Montserrat"/>
+              <a:sym typeface="Montserrat"/>
+            </a:endParaRPr>
+          </a:p>
+          <a:p>
+            <a:pPr indent="-298450" lvl="0" marL="457200" rtl="0" algn="l">
+              <a:lnSpc>
+                <a:spcPct val="115000"/>
+              </a:lnSpc>
+              <a:spcBef>
+                <a:spcPts val="0"/>
+              </a:spcBef>
+              <a:spcAft>
+                <a:spcPts val="0"/>
+              </a:spcAft>
+              <a:buClr>
+                <a:schemeClr val="dk1"/>
+              </a:buClr>
+              <a:buSzPts val="1100"/>
+              <a:buChar char="●"/>
+            </a:pPr>
+            <a:r>
+              <a:rPr lang="en-US" sz="2600">
+                <a:solidFill>
+                  <a:srgbClr val="0C234B"/>
+                </a:solidFill>
+                <a:latin typeface="Montserrat"/>
+                <a:ea typeface="Montserrat"/>
+                <a:cs typeface="Montserrat"/>
+                <a:sym typeface="Montserrat"/>
+              </a:rPr>
+              <a:t>Monetary and Frequency also contribute, but to a lesser extent.</a:t>
+            </a:r>
+            <a:endParaRPr sz="1100">
+              <a:solidFill>
+                <a:schemeClr val="dk1"/>
+              </a:solidFill>
+            </a:endParaRPr>
+          </a:p>
+        </p:txBody>
+      </p:sp>
+      <p:pic>
+        <p:nvPicPr>
+          <p:cNvPr id="375" name="Google Shape;375;p40"/>
+          <p:cNvPicPr preferRelativeResize="0"/>
+          <p:nvPr/>
+        </p:nvPicPr>
+        <p:blipFill>
+          <a:blip r:embed="rId3">
+            <a:alphaModFix/>
+          </a:blip>
+          <a:stretch>
+            <a:fillRect/>
+          </a:stretch>
+        </p:blipFill>
+        <p:spPr>
+          <a:xfrm>
+            <a:off x="11571350" y="2198125"/>
+            <a:ext cx="6547400" cy="4040676"/>
+          </a:xfrm>
+          <a:prstGeom prst="rect">
+            <a:avLst/>
+          </a:prstGeom>
+          <a:noFill/>
+          <a:ln>
+            <a:noFill/>
+          </a:ln>
+        </p:spPr>
+      </p:pic>
+      <p:sp>
+        <p:nvSpPr>
+          <p:cNvPr id="376" name="Google Shape;376;p40"/>
+          <p:cNvSpPr txBox="1"/>
+          <p:nvPr/>
+        </p:nvSpPr>
+        <p:spPr>
+          <a:xfrm>
+            <a:off x="1097275" y="0"/>
+            <a:ext cx="16939200" cy="1785600"/>
+          </a:xfrm>
+          <a:prstGeom prst="rect">
+            <a:avLst/>
+          </a:prstGeom>
+          <a:noFill/>
+          <a:ln>
+            <a:noFill/>
+          </a:ln>
+        </p:spPr>
+        <p:txBody>
+          <a:bodyPr anchorCtr="0" anchor="t" bIns="91425" lIns="91425" spcFirstLastPara="1" rIns="91425" wrap="square" tIns="91425">
+            <a:spAutoFit/>
+          </a:bodyPr>
+          <a:lstStyle/>
+          <a:p>
+            <a:pPr indent="0" lvl="0" marL="0" rtl="0" algn="ctr">
+              <a:spcBef>
+                <a:spcPts val="0"/>
+              </a:spcBef>
+              <a:spcAft>
+                <a:spcPts val="0"/>
+              </a:spcAft>
+              <a:buNone/>
+            </a:pPr>
+            <a:r>
+              <a:rPr b="1" lang="en-US" sz="5200">
+                <a:solidFill>
+                  <a:schemeClr val="dk1"/>
+                </a:solidFill>
+                <a:latin typeface="Montserrat"/>
+                <a:ea typeface="Montserrat"/>
+                <a:cs typeface="Montserrat"/>
+                <a:sym typeface="Montserrat"/>
+              </a:rPr>
+              <a:t>CLASSIFICATION ALGORITHM -  RANDOM FOREST</a:t>
+            </a:r>
+            <a:endParaRPr/>
+          </a:p>
+        </p:txBody>
+      </p:sp>
+    </p:spTree>
+  </p:cSld>
+  <p:clrMapOvr>
+    <a:masterClrMapping/>
+  </p:clrMapOvr>
+</p:sld>
+</file>
+
+<file path=ppt/slides/slide24.xml><?xml version="1.0" encoding="utf-8"?>
+<p:sld xmlns:a="http://schemas.openxmlformats.org/drawingml/2006/main" xmlns:r="http://schemas.openxmlformats.org/officeDocument/2006/relationships" xmlns:mc="http://schemas.openxmlformats.org/markup-compatibility/2006" xmlns:mv="urn:schemas-microsoft-com:mac:vml" xmlns:p="http://schemas.openxmlformats.org/presentationml/2006/main" xmlns:c="http://schemas.openxmlformats.org/drawingml/2006/chart" xmlns:dgm="http://schemas.openxmlformats.org/drawingml/2006/diagram" xmlns:o="urn:schemas-microsoft-com:office:office" xmlns:v="urn:schemas-microsoft-com:vml" xmlns:pvml="urn:schemas-microsoft-com:office:powerpoint" xmlns:com="http://schemas.openxmlformats.org/drawingml/2006/compatibility" xmlns:p14="http://schemas.microsoft.com/office/powerpoint/2010/main" xmlns:p15="http://schemas.microsoft.com/office/powerpoint/2012/main" xmlns:ahyp="http://schemas.microsoft.com/office/drawing/2018/hyperlinkcolor">
+  <p:cSld>
+    <p:spTree>
+      <p:nvGrpSpPr>
+        <p:cNvPr id="380" name="Shape 380"/>
+        <p:cNvGrpSpPr/>
+        <p:nvPr/>
+      </p:nvGrpSpPr>
+      <p:grpSpPr>
+        <a:xfrm>
+          <a:off x="0" y="0"/>
+          <a:ext cx="0" cy="0"/>
+          <a:chOff x="0" y="0"/>
+          <a:chExt cx="0" cy="0"/>
+        </a:xfrm>
+      </p:grpSpPr>
+      <p:sp>
+        <p:nvSpPr>
+          <p:cNvPr id="381" name="Google Shape;381;p41"/>
+          <p:cNvSpPr txBox="1"/>
+          <p:nvPr/>
+        </p:nvSpPr>
+        <p:spPr>
+          <a:xfrm>
+            <a:off x="2479300" y="2335875"/>
+            <a:ext cx="10248000" cy="6589800"/>
+          </a:xfrm>
+          <a:prstGeom prst="rect">
+            <a:avLst/>
+          </a:prstGeom>
+          <a:noFill/>
+          <a:ln>
+            <a:noFill/>
+          </a:ln>
+        </p:spPr>
+        <p:txBody>
+          <a:bodyPr anchorCtr="0" anchor="t" bIns="0" lIns="0" spcFirstLastPara="1" rIns="0" wrap="square" tIns="12700">
+            <a:noAutofit/>
+          </a:bodyPr>
+          <a:lstStyle/>
+          <a:p>
+            <a:pPr indent="-298450" lvl="0" marL="457200" rtl="0" algn="l">
+              <a:lnSpc>
+                <a:spcPct val="115000"/>
+              </a:lnSpc>
+              <a:spcBef>
+                <a:spcPts val="1200"/>
+              </a:spcBef>
+              <a:spcAft>
+                <a:spcPts val="0"/>
+              </a:spcAft>
+              <a:buClr>
+                <a:schemeClr val="dk1"/>
+              </a:buClr>
+              <a:buSzPts val="1100"/>
+              <a:buChar char="●"/>
+            </a:pPr>
+            <a:r>
+              <a:rPr lang="en-US" sz="2900">
+                <a:solidFill>
+                  <a:srgbClr val="0C234B"/>
+                </a:solidFill>
+                <a:latin typeface="Montserrat"/>
+                <a:ea typeface="Montserrat"/>
+                <a:cs typeface="Montserrat"/>
+                <a:sym typeface="Montserrat"/>
+              </a:rPr>
+              <a:t>Clustering: Identified customer segments for targeted</a:t>
+            </a:r>
+            <a:r>
+              <a:rPr lang="en-US" sz="2800">
+                <a:solidFill>
+                  <a:srgbClr val="0C234B"/>
+                </a:solidFill>
+                <a:latin typeface="Montserrat"/>
+                <a:ea typeface="Montserrat"/>
+                <a:cs typeface="Montserrat"/>
+                <a:sym typeface="Montserrat"/>
+              </a:rPr>
+              <a:t> </a:t>
+            </a:r>
+            <a:r>
+              <a:rPr lang="en-US" sz="2900">
+                <a:solidFill>
+                  <a:srgbClr val="0C234B"/>
+                </a:solidFill>
+                <a:latin typeface="Montserrat"/>
+                <a:ea typeface="Montserrat"/>
+                <a:cs typeface="Montserrat"/>
+                <a:sym typeface="Montserrat"/>
+              </a:rPr>
+              <a:t>marketing and personalized experiences.</a:t>
+            </a:r>
+            <a:endParaRPr sz="2900">
+              <a:solidFill>
+                <a:srgbClr val="0C234B"/>
+              </a:solidFill>
+              <a:latin typeface="Montserrat"/>
+              <a:ea typeface="Montserrat"/>
+              <a:cs typeface="Montserrat"/>
+              <a:sym typeface="Montserrat"/>
+            </a:endParaRPr>
+          </a:p>
+          <a:p>
+            <a:pPr indent="0" lvl="0" marL="457200" rtl="0" algn="l">
+              <a:lnSpc>
+                <a:spcPct val="115000"/>
+              </a:lnSpc>
+              <a:spcBef>
+                <a:spcPts val="1200"/>
+              </a:spcBef>
+              <a:spcAft>
+                <a:spcPts val="0"/>
+              </a:spcAft>
+              <a:buNone/>
+            </a:pPr>
+            <a:r>
+              <a:t/>
+            </a:r>
+            <a:endParaRPr sz="2900">
+              <a:solidFill>
+                <a:srgbClr val="0C234B"/>
+              </a:solidFill>
+              <a:latin typeface="Montserrat"/>
+              <a:ea typeface="Montserrat"/>
+              <a:cs typeface="Montserrat"/>
+              <a:sym typeface="Montserrat"/>
+            </a:endParaRPr>
+          </a:p>
+          <a:p>
+            <a:pPr indent="-317500" lvl="0" marL="457200" rtl="0" algn="l">
+              <a:lnSpc>
+                <a:spcPct val="115000"/>
+              </a:lnSpc>
+              <a:spcBef>
+                <a:spcPts val="1200"/>
+              </a:spcBef>
+              <a:spcAft>
+                <a:spcPts val="0"/>
+              </a:spcAft>
+              <a:buClr>
+                <a:schemeClr val="dk1"/>
+              </a:buClr>
+              <a:buSzPts val="1400"/>
+              <a:buChar char="●"/>
+            </a:pPr>
+            <a:r>
+              <a:rPr lang="en-US" sz="2900">
+                <a:solidFill>
+                  <a:srgbClr val="0C234B"/>
+                </a:solidFill>
+                <a:latin typeface="Montserrat"/>
+                <a:ea typeface="Montserrat"/>
+                <a:cs typeface="Montserrat"/>
+                <a:sym typeface="Montserrat"/>
+              </a:rPr>
+              <a:t>Classification: Predicted churn analysis</a:t>
+            </a:r>
+            <a:r>
+              <a:rPr lang="en-US" sz="2900">
+                <a:solidFill>
+                  <a:srgbClr val="0C234B"/>
+                </a:solidFill>
+                <a:latin typeface="Montserrat"/>
+                <a:ea typeface="Montserrat"/>
+                <a:cs typeface="Montserrat"/>
+                <a:sym typeface="Montserrat"/>
+              </a:rPr>
+              <a:t>, aiding inventory management and sales forecasting.</a:t>
+            </a:r>
+            <a:endParaRPr sz="2900">
+              <a:solidFill>
+                <a:srgbClr val="0C234B"/>
+              </a:solidFill>
+              <a:latin typeface="Montserrat"/>
+              <a:ea typeface="Montserrat"/>
+              <a:cs typeface="Montserrat"/>
+              <a:sym typeface="Montserrat"/>
+            </a:endParaRPr>
+          </a:p>
+          <a:p>
+            <a:pPr indent="0" lvl="0" marL="457200" rtl="0" algn="l">
+              <a:lnSpc>
+                <a:spcPct val="115000"/>
+              </a:lnSpc>
+              <a:spcBef>
+                <a:spcPts val="1200"/>
+              </a:spcBef>
+              <a:spcAft>
+                <a:spcPts val="0"/>
+              </a:spcAft>
+              <a:buNone/>
+            </a:pPr>
+            <a:r>
+              <a:t/>
+            </a:r>
+            <a:endParaRPr sz="2900">
+              <a:solidFill>
+                <a:srgbClr val="0C234B"/>
+              </a:solidFill>
+              <a:latin typeface="Montserrat"/>
+              <a:ea typeface="Montserrat"/>
+              <a:cs typeface="Montserrat"/>
+              <a:sym typeface="Montserrat"/>
+            </a:endParaRPr>
+          </a:p>
+          <a:p>
+            <a:pPr indent="-317500" lvl="0" marL="457200" rtl="0" algn="l">
+              <a:lnSpc>
+                <a:spcPct val="115000"/>
+              </a:lnSpc>
+              <a:spcBef>
+                <a:spcPts val="1200"/>
+              </a:spcBef>
+              <a:spcAft>
+                <a:spcPts val="0"/>
+              </a:spcAft>
+              <a:buClr>
+                <a:schemeClr val="dk1"/>
+              </a:buClr>
+              <a:buSzPts val="1400"/>
+              <a:buChar char="●"/>
+            </a:pPr>
+            <a:r>
+              <a:rPr lang="en-US" sz="2900">
+                <a:solidFill>
+                  <a:srgbClr val="0C234B"/>
+                </a:solidFill>
+                <a:latin typeface="Montserrat"/>
+                <a:ea typeface="Montserrat"/>
+                <a:cs typeface="Montserrat"/>
+                <a:sym typeface="Montserrat"/>
+              </a:rPr>
+              <a:t>Association: Uncovered product relationships for cross-selling and strategic promotions.</a:t>
+            </a:r>
+            <a:endParaRPr>
+              <a:solidFill>
+                <a:schemeClr val="dk1"/>
+              </a:solidFill>
+            </a:endParaRPr>
+          </a:p>
+          <a:p>
+            <a:pPr indent="0" lvl="0" marL="0" rtl="0" algn="l">
+              <a:spcBef>
+                <a:spcPts val="1200"/>
+              </a:spcBef>
+              <a:spcAft>
+                <a:spcPts val="0"/>
+              </a:spcAft>
+              <a:buNone/>
+            </a:pPr>
+            <a:r>
+              <a:t/>
+            </a:r>
+            <a:endParaRPr sz="3200">
+              <a:solidFill>
+                <a:srgbClr val="0C234B"/>
+              </a:solidFill>
+              <a:latin typeface="Montserrat"/>
+              <a:ea typeface="Montserrat"/>
+              <a:cs typeface="Montserrat"/>
+              <a:sym typeface="Montserrat"/>
+            </a:endParaRPr>
+          </a:p>
+          <a:p>
+            <a:pPr indent="0" lvl="0" marL="457200" rtl="0" algn="l">
+              <a:spcBef>
+                <a:spcPts val="0"/>
+              </a:spcBef>
+              <a:spcAft>
+                <a:spcPts val="0"/>
+              </a:spcAft>
+              <a:buNone/>
+            </a:pPr>
+            <a:r>
+              <a:t/>
+            </a:r>
+            <a:endParaRPr sz="3200">
+              <a:solidFill>
+                <a:srgbClr val="0C234B"/>
+              </a:solidFill>
+              <a:latin typeface="Montserrat"/>
+              <a:ea typeface="Montserrat"/>
+              <a:cs typeface="Montserrat"/>
+              <a:sym typeface="Montserrat"/>
+            </a:endParaRPr>
+          </a:p>
+        </p:txBody>
+      </p:sp>
+      <p:sp>
+        <p:nvSpPr>
+          <p:cNvPr id="382" name="Google Shape;382;p41"/>
+          <p:cNvSpPr txBox="1"/>
+          <p:nvPr/>
+        </p:nvSpPr>
+        <p:spPr>
+          <a:xfrm>
+            <a:off x="5332700" y="987375"/>
+            <a:ext cx="9634500" cy="1348500"/>
+          </a:xfrm>
+          <a:prstGeom prst="rect">
+            <a:avLst/>
+          </a:prstGeom>
+          <a:noFill/>
+          <a:ln>
+            <a:noFill/>
+          </a:ln>
+        </p:spPr>
+        <p:txBody>
+          <a:bodyPr anchorCtr="0" anchor="t" bIns="91425" lIns="91425" spcFirstLastPara="1" rIns="91425" wrap="square" tIns="91425">
+            <a:noAutofit/>
+          </a:bodyPr>
+          <a:lstStyle/>
+          <a:p>
+            <a:pPr indent="0" lvl="0" marL="0" rtl="0" algn="ctr">
+              <a:spcBef>
+                <a:spcPts val="0"/>
+              </a:spcBef>
+              <a:spcAft>
+                <a:spcPts val="0"/>
+              </a:spcAft>
+              <a:buNone/>
+            </a:pPr>
+            <a:r>
+              <a:rPr b="1" lang="en-US" sz="5200">
+                <a:latin typeface="Montserrat"/>
+                <a:ea typeface="Montserrat"/>
+                <a:cs typeface="Montserrat"/>
+                <a:sym typeface="Montserrat"/>
+              </a:rPr>
+              <a:t>CONCLUSION</a:t>
+            </a:r>
+            <a:endParaRPr b="1" sz="5200">
+              <a:latin typeface="Montserrat"/>
+              <a:ea typeface="Montserrat"/>
+              <a:cs typeface="Montserrat"/>
+              <a:sym typeface="Montserrat"/>
+            </a:endParaRPr>
+          </a:p>
+        </p:txBody>
+      </p:sp>
+      <p:sp>
+        <p:nvSpPr>
+          <p:cNvPr id="383" name="Google Shape;383;p41"/>
+          <p:cNvSpPr txBox="1"/>
+          <p:nvPr/>
+        </p:nvSpPr>
+        <p:spPr>
+          <a:xfrm rot="-5400000">
+            <a:off x="-1593416" y="6130475"/>
+            <a:ext cx="5728200" cy="553800"/>
+          </a:xfrm>
+          <a:prstGeom prst="rect">
+            <a:avLst/>
+          </a:prstGeom>
+          <a:noFill/>
+          <a:ln>
+            <a:noFill/>
+          </a:ln>
+        </p:spPr>
+        <p:txBody>
+          <a:bodyPr anchorCtr="0" anchor="t" bIns="0" lIns="0" spcFirstLastPara="1" rIns="0" wrap="square" tIns="8875">
+            <a:noAutofit/>
+          </a:bodyPr>
+          <a:lstStyle/>
+          <a:p>
+            <a:pPr indent="0" lvl="0" marL="12700" marR="0" rtl="0" algn="l">
+              <a:lnSpc>
+                <a:spcPct val="100000"/>
+              </a:lnSpc>
+              <a:spcBef>
+                <a:spcPts val="0"/>
+              </a:spcBef>
+              <a:spcAft>
+                <a:spcPts val="0"/>
+              </a:spcAft>
+              <a:buNone/>
+            </a:pPr>
+            <a:r>
+              <a:rPr lang="en-US" sz="1500">
+                <a:solidFill>
+                  <a:srgbClr val="0C234A"/>
+                </a:solidFill>
+                <a:latin typeface="Montserrat"/>
+                <a:ea typeface="Montserrat"/>
+                <a:cs typeface="Montserrat"/>
+                <a:sym typeface="Montserrat"/>
+              </a:rPr>
+              <a:t>ANALYSIS OF ONLINE RETAIL SALES | INFO 523 DATA MINING | COLLEGE OF INFORMATION SCIENCE | UNIVERSITY OF ARIZONA</a:t>
+            </a:r>
+            <a:endParaRPr sz="1500">
+              <a:solidFill>
+                <a:schemeClr val="dk1"/>
+              </a:solidFill>
+              <a:latin typeface="Montserrat"/>
+              <a:ea typeface="Montserrat"/>
+              <a:cs typeface="Montserrat"/>
+              <a:sym typeface="Montserrat"/>
+            </a:endParaRPr>
+          </a:p>
+        </p:txBody>
+      </p:sp>
+      <p:pic>
+        <p:nvPicPr>
+          <p:cNvPr id="384" name="Google Shape;384;p41"/>
+          <p:cNvPicPr preferRelativeResize="0"/>
+          <p:nvPr/>
+        </p:nvPicPr>
+        <p:blipFill rotWithShape="1">
+          <a:blip r:embed="rId3">
+            <a:alphaModFix/>
+          </a:blip>
+          <a:srcRect b="0" l="34400" r="0" t="10466"/>
+          <a:stretch/>
+        </p:blipFill>
+        <p:spPr>
+          <a:xfrm>
+            <a:off x="12818950" y="4075650"/>
+            <a:ext cx="5469052" cy="4196575"/>
+          </a:xfrm>
+          <a:prstGeom prst="rect">
+            <a:avLst/>
+          </a:prstGeom>
+          <a:noFill/>
+          <a:ln>
+            <a:noFill/>
+          </a:ln>
+        </p:spPr>
+      </p:pic>
+    </p:spTree>
+  </p:cSld>
+  <p:clrMapOvr>
+    <a:masterClrMapping/>
+  </p:clrMapOvr>
+</p:sld>
+</file>
+
+<file path=ppt/slides/slide25.xml><?xml version="1.0" encoding="utf-8"?>
+<p:sld xmlns:a="http://schemas.openxmlformats.org/drawingml/2006/main" xmlns:r="http://schemas.openxmlformats.org/officeDocument/2006/relationships" xmlns:mc="http://schemas.openxmlformats.org/markup-compatibility/2006" xmlns:mv="urn:schemas-microsoft-com:mac:vml" xmlns:p="http://schemas.openxmlformats.org/presentationml/2006/main" xmlns:c="http://schemas.openxmlformats.org/drawingml/2006/chart" xmlns:dgm="http://schemas.openxmlformats.org/drawingml/2006/diagram" xmlns:o="urn:schemas-microsoft-com:office:office" xmlns:v="urn:schemas-microsoft-com:vml" xmlns:pvml="urn:schemas-microsoft-com:office:powerpoint" xmlns:com="http://schemas.openxmlformats.org/drawingml/2006/compatibility" xmlns:p14="http://schemas.microsoft.com/office/powerpoint/2010/main" xmlns:p15="http://schemas.microsoft.com/office/powerpoint/2012/main" xmlns:ahyp="http://schemas.microsoft.com/office/drawing/2018/hyperlinkcolor">
+  <p:cSld>
+    <p:spTree>
+      <p:nvGrpSpPr>
+        <p:cNvPr id="388" name="Shape 388"/>
+        <p:cNvGrpSpPr/>
+        <p:nvPr/>
+      </p:nvGrpSpPr>
+      <p:grpSpPr>
+        <a:xfrm>
+          <a:off x="0" y="0"/>
+          <a:ext cx="0" cy="0"/>
+          <a:chOff x="0" y="0"/>
+          <a:chExt cx="0" cy="0"/>
+        </a:xfrm>
+      </p:grpSpPr>
+      <p:sp>
+        <p:nvSpPr>
+          <p:cNvPr id="389" name="Google Shape;389;p42"/>
           <p:cNvSpPr txBox="1"/>
           <p:nvPr/>
         </p:nvSpPr>
@@ -22887,6 +25375,285 @@
 </file>
 
 <file path=ppt/theme/theme1.xml><?xml version="1.0" encoding="utf-8"?>
+<a:theme xmlns:a="http://schemas.openxmlformats.org/drawingml/2006/main" xmlns:r="http://schemas.openxmlformats.org/officeDocument/2006/relationships" name="UArizona Professional">
+  <a:themeElements>
+    <a:clrScheme name="Office">
+      <a:dk1>
+        <a:srgbClr val="000000"/>
+      </a:dk1>
+      <a:lt1>
+        <a:srgbClr val="FFFFFF"/>
+      </a:lt1>
+      <a:dk2>
+        <a:srgbClr val="1F497D"/>
+      </a:dk2>
+      <a:lt2>
+        <a:srgbClr val="EEECE1"/>
+      </a:lt2>
+      <a:accent1>
+        <a:srgbClr val="4F81BD"/>
+      </a:accent1>
+      <a:accent2>
+        <a:srgbClr val="C0504D"/>
+      </a:accent2>
+      <a:accent3>
+        <a:srgbClr val="9BBB59"/>
+      </a:accent3>
+      <a:accent4>
+        <a:srgbClr val="8064A2"/>
+      </a:accent4>
+      <a:accent5>
+        <a:srgbClr val="4BACC6"/>
+      </a:accent5>
+      <a:accent6>
+        <a:srgbClr val="F79646"/>
+      </a:accent6>
+      <a:hlink>
+        <a:srgbClr val="AB0420"/>
+      </a:hlink>
+      <a:folHlink>
+        <a:srgbClr val="800080"/>
+      </a:folHlink>
+    </a:clrScheme>
+    <a:fontScheme name="Office">
+      <a:majorFont>
+        <a:latin typeface="Arial"/>
+        <a:ea typeface=""/>
+        <a:cs typeface=""/>
+        <a:font script="Jpan" typeface="ＭＳ Ｐゴシック"/>
+        <a:font script="Hang" typeface="맑은 고딕"/>
+        <a:font script="Hans" typeface="宋体"/>
+        <a:font script="Hant" typeface="新細明體"/>
+        <a:font script="Arab" typeface="Times New Roman"/>
+        <a:font script="Hebr" typeface="Times New Roman"/>
+        <a:font script="Thai" typeface="Angsana New"/>
+        <a:font script="Ethi" typeface="Nyala"/>
+        <a:font script="Beng" typeface="Vrinda"/>
+        <a:font script="Gujr" typeface="Shruti"/>
+        <a:font script="Khmr" typeface="MoolBoran"/>
+        <a:font script="Knda" typeface="Tunga"/>
+        <a:font script="Guru" typeface="Raavi"/>
+        <a:font script="Cans" typeface="Euphemia"/>
+        <a:font script="Cher" typeface="Plantagenet Cherokee"/>
+        <a:font script="Yiii" typeface="Microsoft Yi Baiti"/>
+        <a:font script="Tibt" typeface="Microsoft Himalaya"/>
+        <a:font script="Thaa" typeface="MV Boli"/>
+        <a:font script="Deva" typeface="Mangal"/>
+        <a:font script="Telu" typeface="Gautami"/>
+        <a:font script="Taml" typeface="Latha"/>
+        <a:font script="Syrc" typeface="Estrangelo Edessa"/>
+        <a:font script="Orya" typeface="Kalinga"/>
+        <a:font script="Mlym" typeface="Kartika"/>
+        <a:font script="Laoo" typeface="DokChampa"/>
+        <a:font script="Sinh" typeface="Iskoola Pota"/>
+        <a:font script="Mong" typeface="Mongolian Baiti"/>
+        <a:font script="Viet" typeface="Times New Roman"/>
+        <a:font script="Uigh" typeface="Microsoft Uighur"/>
+        <a:font script="Geor" typeface="Sylfaen"/>
+      </a:majorFont>
+      <a:minorFont>
+        <a:latin typeface="Arial"/>
+        <a:ea typeface=""/>
+        <a:cs typeface=""/>
+        <a:font script="Jpan" typeface="ＭＳ Ｐゴシック"/>
+        <a:font script="Hang" typeface="맑은 고딕"/>
+        <a:font script="Hans" typeface="宋体"/>
+        <a:font script="Hant" typeface="新細明體"/>
+        <a:font script="Arab" typeface="Arial"/>
+        <a:font script="Hebr" typeface="Arial"/>
+        <a:font script="Thai" typeface="Cordia New"/>
+        <a:font script="Ethi" typeface="Nyala"/>
+        <a:font script="Beng" typeface="Vrinda"/>
+        <a:font script="Gujr" typeface="Shruti"/>
+        <a:font script="Khmr" typeface="DaunPenh"/>
+        <a:font script="Knda" typeface="Tunga"/>
+        <a:font script="Guru" typeface="Raavi"/>
+        <a:font script="Cans" typeface="Euphemia"/>
+        <a:font script="Cher" typeface="Plantagenet Cherokee"/>
+        <a:font script="Yiii" typeface="Microsoft Yi Baiti"/>
+        <a:font script="Tibt" typeface="Microsoft Himalaya"/>
+        <a:font script="Thaa" typeface="MV Boli"/>
+        <a:font script="Deva" typeface="Mangal"/>
+        <a:font script="Telu" typeface="Gautami"/>
+        <a:font script="Taml" typeface="Latha"/>
+        <a:font script="Syrc" typeface="Estrangelo Edessa"/>
+        <a:font script="Orya" typeface="Kalinga"/>
+        <a:font script="Mlym" typeface="Kartika"/>
+        <a:font script="Laoo" typeface="DokChampa"/>
+        <a:font script="Sinh" typeface="Iskoola Pota"/>
+        <a:font script="Mong" typeface="Mongolian Baiti"/>
+        <a:font script="Viet" typeface="Arial"/>
+        <a:font script="Uigh" typeface="Microsoft Uighur"/>
+        <a:font script="Geor" typeface="Sylfaen"/>
+      </a:minorFont>
+    </a:fontScheme>
+    <a:fmtScheme name="Office">
+      <a:fillStyleLst>
+        <a:solidFill>
+          <a:schemeClr val="phClr"/>
+        </a:solidFill>
+        <a:gradFill rotWithShape="1">
+          <a:gsLst>
+            <a:gs pos="0">
+              <a:schemeClr val="phClr">
+                <a:tint val="50000"/>
+                <a:satMod val="300000"/>
+              </a:schemeClr>
+            </a:gs>
+            <a:gs pos="35000">
+              <a:schemeClr val="phClr">
+                <a:tint val="37000"/>
+                <a:satMod val="300000"/>
+              </a:schemeClr>
+            </a:gs>
+            <a:gs pos="100000">
+              <a:schemeClr val="phClr">
+                <a:tint val="15000"/>
+                <a:satMod val="350000"/>
+              </a:schemeClr>
+            </a:gs>
+          </a:gsLst>
+          <a:lin ang="16200000" scaled="1"/>
+        </a:gradFill>
+        <a:gradFill rotWithShape="1">
+          <a:gsLst>
+            <a:gs pos="0">
+              <a:schemeClr val="phClr">
+                <a:tint val="100000"/>
+                <a:shade val="100000"/>
+                <a:satMod val="130000"/>
+              </a:schemeClr>
+            </a:gs>
+            <a:gs pos="100000">
+              <a:schemeClr val="phClr">
+                <a:tint val="50000"/>
+                <a:shade val="100000"/>
+                <a:satMod val="350000"/>
+              </a:schemeClr>
+            </a:gs>
+          </a:gsLst>
+          <a:lin ang="16200000" scaled="0"/>
+        </a:gradFill>
+      </a:fillStyleLst>
+      <a:lnStyleLst>
+        <a:ln w="9525" cap="flat" cmpd="sng" algn="ctr">
+          <a:solidFill>
+            <a:schemeClr val="phClr">
+              <a:shade val="95000"/>
+              <a:satMod val="105000"/>
+            </a:schemeClr>
+          </a:solidFill>
+          <a:prstDash val="solid"/>
+        </a:ln>
+        <a:ln w="25400" cap="flat" cmpd="sng" algn="ctr">
+          <a:solidFill>
+            <a:schemeClr val="phClr"/>
+          </a:solidFill>
+          <a:prstDash val="solid"/>
+        </a:ln>
+        <a:ln w="38100" cap="flat" cmpd="sng" algn="ctr">
+          <a:solidFill>
+            <a:schemeClr val="phClr"/>
+          </a:solidFill>
+          <a:prstDash val="solid"/>
+        </a:ln>
+      </a:lnStyleLst>
+      <a:effectStyleLst>
+        <a:effectStyle>
+          <a:effectLst>
+            <a:outerShdw blurRad="40000" dist="20000" dir="5400000" rotWithShape="0">
+              <a:srgbClr val="000000">
+                <a:alpha val="38000"/>
+              </a:srgbClr>
+            </a:outerShdw>
+          </a:effectLst>
+        </a:effectStyle>
+        <a:effectStyle>
+          <a:effectLst>
+            <a:outerShdw blurRad="40000" dist="23000" dir="5400000" rotWithShape="0">
+              <a:srgbClr val="000000">
+                <a:alpha val="35000"/>
+              </a:srgbClr>
+            </a:outerShdw>
+          </a:effectLst>
+        </a:effectStyle>
+        <a:effectStyle>
+          <a:effectLst>
+            <a:outerShdw blurRad="40000" dist="23000" dir="5400000" rotWithShape="0">
+              <a:srgbClr val="000000">
+                <a:alpha val="35000"/>
+              </a:srgbClr>
+            </a:outerShdw>
+          </a:effectLst>
+          <a:scene3d>
+            <a:camera prst="orthographicFront">
+              <a:rot lat="0" lon="0" rev="0"/>
+            </a:camera>
+            <a:lightRig rig="threePt" dir="t">
+              <a:rot lat="0" lon="0" rev="1200000"/>
+            </a:lightRig>
+          </a:scene3d>
+          <a:sp3d>
+            <a:bevelT w="63500" h="25400"/>
+          </a:sp3d>
+        </a:effectStyle>
+      </a:effectStyleLst>
+      <a:bgFillStyleLst>
+        <a:solidFill>
+          <a:schemeClr val="phClr"/>
+        </a:solidFill>
+        <a:gradFill rotWithShape="1">
+          <a:gsLst>
+            <a:gs pos="0">
+              <a:schemeClr val="phClr">
+                <a:tint val="40000"/>
+                <a:satMod val="350000"/>
+              </a:schemeClr>
+            </a:gs>
+            <a:gs pos="40000">
+              <a:schemeClr val="phClr">
+                <a:tint val="45000"/>
+                <a:shade val="99000"/>
+                <a:satMod val="350000"/>
+              </a:schemeClr>
+            </a:gs>
+            <a:gs pos="100000">
+              <a:schemeClr val="phClr">
+                <a:shade val="20000"/>
+                <a:satMod val="255000"/>
+              </a:schemeClr>
+            </a:gs>
+          </a:gsLst>
+          <a:path path="circle">
+            <a:fillToRect l="50000" t="-80000" r="50000" b="180000"/>
+          </a:path>
+        </a:gradFill>
+        <a:gradFill rotWithShape="1">
+          <a:gsLst>
+            <a:gs pos="0">
+              <a:schemeClr val="phClr">
+                <a:tint val="80000"/>
+                <a:satMod val="300000"/>
+              </a:schemeClr>
+            </a:gs>
+            <a:gs pos="100000">
+              <a:schemeClr val="phClr">
+                <a:shade val="30000"/>
+                <a:satMod val="200000"/>
+              </a:schemeClr>
+            </a:gs>
+          </a:gsLst>
+          <a:path path="circle">
+            <a:fillToRect l="50000" t="50000" r="50000" b="50000"/>
+          </a:path>
+        </a:gradFill>
+      </a:bgFillStyleLst>
+    </a:fmtScheme>
+  </a:themeElements>
+</a:theme>
+</file>
+
+<file path=ppt/theme/theme2.xml><?xml version="1.0" encoding="utf-8"?>
 <a:theme xmlns:a="http://schemas.openxmlformats.org/drawingml/2006/main" xmlns:r="http://schemas.openxmlformats.org/officeDocument/2006/relationships" name="Office Theme">
   <a:themeElements>
     <a:clrScheme name="Office">
@@ -23163,283 +25930,4 @@
     </a:fmtScheme>
   </a:themeElements>
 </a:theme>
-</file>
-
-<file path=ppt/theme/theme2.xml><?xml version="1.0" encoding="utf-8"?>
-<a:theme xmlns:a="http://schemas.openxmlformats.org/drawingml/2006/main" xmlns:r="http://schemas.openxmlformats.org/officeDocument/2006/relationships" name="UArizona Professional">
-  <a:themeElements>
-    <a:clrScheme name="Office">
-      <a:dk1>
-        <a:srgbClr val="000000"/>
-      </a:dk1>
-      <a:lt1>
-        <a:srgbClr val="FFFFFF"/>
-      </a:lt1>
-      <a:dk2>
-        <a:srgbClr val="1F497D"/>
-      </a:dk2>
-      <a:lt2>
-        <a:srgbClr val="EEECE1"/>
-      </a:lt2>
-      <a:accent1>
-        <a:srgbClr val="4F81BD"/>
-      </a:accent1>
-      <a:accent2>
-        <a:srgbClr val="C0504D"/>
-      </a:accent2>
-      <a:accent3>
-        <a:srgbClr val="9BBB59"/>
-      </a:accent3>
-      <a:accent4>
-        <a:srgbClr val="8064A2"/>
-      </a:accent4>
-      <a:accent5>
-        <a:srgbClr val="4BACC6"/>
-      </a:accent5>
-      <a:accent6>
-        <a:srgbClr val="F79646"/>
-      </a:accent6>
-      <a:hlink>
-        <a:srgbClr val="AB0420"/>
-      </a:hlink>
-      <a:folHlink>
-        <a:srgbClr val="800080"/>
-      </a:folHlink>
-    </a:clrScheme>
-    <a:fontScheme name="Office">
-      <a:majorFont>
-        <a:latin typeface="Arial"/>
-        <a:ea typeface=""/>
-        <a:cs typeface=""/>
-        <a:font script="Jpan" typeface="ＭＳ Ｐゴシック"/>
-        <a:font script="Hang" typeface="맑은 고딕"/>
-        <a:font script="Hans" typeface="宋体"/>
-        <a:font script="Hant" typeface="新細明體"/>
-        <a:font script="Arab" typeface="Times New Roman"/>
-        <a:font script="Hebr" typeface="Times New Roman"/>
-        <a:font script="Thai" typeface="Angsana New"/>
-        <a:font script="Ethi" typeface="Nyala"/>
-        <a:font script="Beng" typeface="Vrinda"/>
-        <a:font script="Gujr" typeface="Shruti"/>
-        <a:font script="Khmr" typeface="MoolBoran"/>
-        <a:font script="Knda" typeface="Tunga"/>
-        <a:font script="Guru" typeface="Raavi"/>
-        <a:font script="Cans" typeface="Euphemia"/>
-        <a:font script="Cher" typeface="Plantagenet Cherokee"/>
-        <a:font script="Yiii" typeface="Microsoft Yi Baiti"/>
-        <a:font script="Tibt" typeface="Microsoft Himalaya"/>
-        <a:font script="Thaa" typeface="MV Boli"/>
-        <a:font script="Deva" typeface="Mangal"/>
-        <a:font script="Telu" typeface="Gautami"/>
-        <a:font script="Taml" typeface="Latha"/>
-        <a:font script="Syrc" typeface="Estrangelo Edessa"/>
-        <a:font script="Orya" typeface="Kalinga"/>
-        <a:font script="Mlym" typeface="Kartika"/>
-        <a:font script="Laoo" typeface="DokChampa"/>
-        <a:font script="Sinh" typeface="Iskoola Pota"/>
-        <a:font script="Mong" typeface="Mongolian Baiti"/>
-        <a:font script="Viet" typeface="Times New Roman"/>
-        <a:font script="Uigh" typeface="Microsoft Uighur"/>
-        <a:font script="Geor" typeface="Sylfaen"/>
-      </a:majorFont>
-      <a:minorFont>
-        <a:latin typeface="Arial"/>
-        <a:ea typeface=""/>
-        <a:cs typeface=""/>
-        <a:font script="Jpan" typeface="ＭＳ Ｐゴシック"/>
-        <a:font script="Hang" typeface="맑은 고딕"/>
-        <a:font script="Hans" typeface="宋体"/>
-        <a:font script="Hant" typeface="新細明體"/>
-        <a:font script="Arab" typeface="Arial"/>
-        <a:font script="Hebr" typeface="Arial"/>
-        <a:font script="Thai" typeface="Cordia New"/>
-        <a:font script="Ethi" typeface="Nyala"/>
-        <a:font script="Beng" typeface="Vrinda"/>
-        <a:font script="Gujr" typeface="Shruti"/>
-        <a:font script="Khmr" typeface="DaunPenh"/>
-        <a:font script="Knda" typeface="Tunga"/>
-        <a:font script="Guru" typeface="Raavi"/>
-        <a:font script="Cans" typeface="Euphemia"/>
-        <a:font script="Cher" typeface="Plantagenet Cherokee"/>
-        <a:font script="Yiii" typeface="Microsoft Yi Baiti"/>
-        <a:font script="Tibt" typeface="Microsoft Himalaya"/>
-        <a:font script="Thaa" typeface="MV Boli"/>
-        <a:font script="Deva" typeface="Mangal"/>
-        <a:font script="Telu" typeface="Gautami"/>
-        <a:font script="Taml" typeface="Latha"/>
-        <a:font script="Syrc" typeface="Estrangelo Edessa"/>
-        <a:font script="Orya" typeface="Kalinga"/>
-        <a:font script="Mlym" typeface="Kartika"/>
-        <a:font script="Laoo" typeface="DokChampa"/>
-        <a:font script="Sinh" typeface="Iskoola Pota"/>
-        <a:font script="Mong" typeface="Mongolian Baiti"/>
-        <a:font script="Viet" typeface="Arial"/>
-        <a:font script="Uigh" typeface="Microsoft Uighur"/>
-        <a:font script="Geor" typeface="Sylfaen"/>
-      </a:minorFont>
-    </a:fontScheme>
-    <a:fmtScheme name="Office">
-      <a:fillStyleLst>
-        <a:solidFill>
-          <a:schemeClr val="phClr"/>
-        </a:solidFill>
-        <a:gradFill rotWithShape="1">
-          <a:gsLst>
-            <a:gs pos="0">
-              <a:schemeClr val="phClr">
-                <a:tint val="50000"/>
-                <a:satMod val="300000"/>
-              </a:schemeClr>
-            </a:gs>
-            <a:gs pos="35000">
-              <a:schemeClr val="phClr">
-                <a:tint val="37000"/>
-                <a:satMod val="300000"/>
-              </a:schemeClr>
-            </a:gs>
-            <a:gs pos="100000">
-              <a:schemeClr val="phClr">
-                <a:tint val="15000"/>
-                <a:satMod val="350000"/>
-              </a:schemeClr>
-            </a:gs>
-          </a:gsLst>
-          <a:lin ang="16200000" scaled="1"/>
-        </a:gradFill>
-        <a:gradFill rotWithShape="1">
-          <a:gsLst>
-            <a:gs pos="0">
-              <a:schemeClr val="phClr">
-                <a:tint val="100000"/>
-                <a:shade val="100000"/>
-                <a:satMod val="130000"/>
-              </a:schemeClr>
-            </a:gs>
-            <a:gs pos="100000">
-              <a:schemeClr val="phClr">
-                <a:tint val="50000"/>
-                <a:shade val="100000"/>
-                <a:satMod val="350000"/>
-              </a:schemeClr>
-            </a:gs>
-          </a:gsLst>
-          <a:lin ang="16200000" scaled="0"/>
-        </a:gradFill>
-      </a:fillStyleLst>
-      <a:lnStyleLst>
-        <a:ln w="9525" cap="flat" cmpd="sng" algn="ctr">
-          <a:solidFill>
-            <a:schemeClr val="phClr">
-              <a:shade val="95000"/>
-              <a:satMod val="105000"/>
-            </a:schemeClr>
-          </a:solidFill>
-          <a:prstDash val="solid"/>
-        </a:ln>
-        <a:ln w="25400" cap="flat" cmpd="sng" algn="ctr">
-          <a:solidFill>
-            <a:schemeClr val="phClr"/>
-          </a:solidFill>
-          <a:prstDash val="solid"/>
-        </a:ln>
-        <a:ln w="38100" cap="flat" cmpd="sng" algn="ctr">
-          <a:solidFill>
-            <a:schemeClr val="phClr"/>
-          </a:solidFill>
-          <a:prstDash val="solid"/>
-        </a:ln>
-      </a:lnStyleLst>
-      <a:effectStyleLst>
-        <a:effectStyle>
-          <a:effectLst>
-            <a:outerShdw blurRad="40000" dist="20000" dir="5400000" rotWithShape="0">
-              <a:srgbClr val="000000">
-                <a:alpha val="38000"/>
-              </a:srgbClr>
-            </a:outerShdw>
-          </a:effectLst>
-        </a:effectStyle>
-        <a:effectStyle>
-          <a:effectLst>
-            <a:outerShdw blurRad="40000" dist="23000" dir="5400000" rotWithShape="0">
-              <a:srgbClr val="000000">
-                <a:alpha val="35000"/>
-              </a:srgbClr>
-            </a:outerShdw>
-          </a:effectLst>
-        </a:effectStyle>
-        <a:effectStyle>
-          <a:effectLst>
-            <a:outerShdw blurRad="40000" dist="23000" dir="5400000" rotWithShape="0">
-              <a:srgbClr val="000000">
-                <a:alpha val="35000"/>
-              </a:srgbClr>
-            </a:outerShdw>
-          </a:effectLst>
-          <a:scene3d>
-            <a:camera prst="orthographicFront">
-              <a:rot lat="0" lon="0" rev="0"/>
-            </a:camera>
-            <a:lightRig rig="threePt" dir="t">
-              <a:rot lat="0" lon="0" rev="1200000"/>
-            </a:lightRig>
-          </a:scene3d>
-          <a:sp3d>
-            <a:bevelT w="63500" h="25400"/>
-          </a:sp3d>
-        </a:effectStyle>
-      </a:effectStyleLst>
-      <a:bgFillStyleLst>
-        <a:solidFill>
-          <a:schemeClr val="phClr"/>
-        </a:solidFill>
-        <a:gradFill rotWithShape="1">
-          <a:gsLst>
-            <a:gs pos="0">
-              <a:schemeClr val="phClr">
-                <a:tint val="40000"/>
-                <a:satMod val="350000"/>
-              </a:schemeClr>
-            </a:gs>
-            <a:gs pos="40000">
-              <a:schemeClr val="phClr">
-                <a:tint val="45000"/>
-                <a:shade val="99000"/>
-                <a:satMod val="350000"/>
-              </a:schemeClr>
-            </a:gs>
-            <a:gs pos="100000">
-              <a:schemeClr val="phClr">
-                <a:shade val="20000"/>
-                <a:satMod val="255000"/>
-              </a:schemeClr>
-            </a:gs>
-          </a:gsLst>
-          <a:path path="circle">
-            <a:fillToRect l="50000" t="-80000" r="50000" b="180000"/>
-          </a:path>
-        </a:gradFill>
-        <a:gradFill rotWithShape="1">
-          <a:gsLst>
-            <a:gs pos="0">
-              <a:schemeClr val="phClr">
-                <a:tint val="80000"/>
-                <a:satMod val="300000"/>
-              </a:schemeClr>
-            </a:gs>
-            <a:gs pos="100000">
-              <a:schemeClr val="phClr">
-                <a:shade val="30000"/>
-                <a:satMod val="200000"/>
-              </a:schemeClr>
-            </a:gs>
-          </a:gsLst>
-          <a:path path="circle">
-            <a:fillToRect l="50000" t="50000" r="50000" b="50000"/>
-          </a:path>
-        </a:gradFill>
-      </a:bgFillStyleLst>
-    </a:fmtScheme>
-  </a:themeElements>
-</a:theme>
 </file>
--- a/INFO 523 DATA MINING PRESENTATION GROUP 6.pptx
+++ b/INFO 523 DATA MINING PRESENTATION GROUP 6.pptx
@@ -25375,6 +25375,285 @@
 </file>
 
 <file path=ppt/theme/theme1.xml><?xml version="1.0" encoding="utf-8"?>
+<a:theme xmlns:a="http://schemas.openxmlformats.org/drawingml/2006/main" xmlns:r="http://schemas.openxmlformats.org/officeDocument/2006/relationships" name="Office Theme">
+  <a:themeElements>
+    <a:clrScheme name="Office">
+      <a:dk1>
+        <a:srgbClr val="000000"/>
+      </a:dk1>
+      <a:lt1>
+        <a:srgbClr val="FFFFFF"/>
+      </a:lt1>
+      <a:dk2>
+        <a:srgbClr val="44546A"/>
+      </a:dk2>
+      <a:lt2>
+        <a:srgbClr val="E7E6E6"/>
+      </a:lt2>
+      <a:accent1>
+        <a:srgbClr val="4472C4"/>
+      </a:accent1>
+      <a:accent2>
+        <a:srgbClr val="ED7D31"/>
+      </a:accent2>
+      <a:accent3>
+        <a:srgbClr val="A5A5A5"/>
+      </a:accent3>
+      <a:accent4>
+        <a:srgbClr val="FFC000"/>
+      </a:accent4>
+      <a:accent5>
+        <a:srgbClr val="5B9BD5"/>
+      </a:accent5>
+      <a:accent6>
+        <a:srgbClr val="70AD47"/>
+      </a:accent6>
+      <a:hlink>
+        <a:srgbClr val="0563C1"/>
+      </a:hlink>
+      <a:folHlink>
+        <a:srgbClr val="954F72"/>
+      </a:folHlink>
+    </a:clrScheme>
+    <a:fontScheme name="Office">
+      <a:majorFont>
+        <a:latin typeface="Arial"/>
+        <a:ea typeface=""/>
+        <a:cs typeface=""/>
+        <a:font script="Jpan" typeface="ＭＳ Ｐゴシック"/>
+        <a:font script="Hang" typeface="맑은 고딕"/>
+        <a:font script="Hans" typeface="宋体"/>
+        <a:font script="Hant" typeface="新細明體"/>
+        <a:font script="Arab" typeface="Times New Roman"/>
+        <a:font script="Hebr" typeface="Times New Roman"/>
+        <a:font script="Thai" typeface="Angsana New"/>
+        <a:font script="Ethi" typeface="Nyala"/>
+        <a:font script="Beng" typeface="Vrinda"/>
+        <a:font script="Gujr" typeface="Shruti"/>
+        <a:font script="Khmr" typeface="MoolBoran"/>
+        <a:font script="Knda" typeface="Tunga"/>
+        <a:font script="Guru" typeface="Raavi"/>
+        <a:font script="Cans" typeface="Euphemia"/>
+        <a:font script="Cher" typeface="Plantagenet Cherokee"/>
+        <a:font script="Yiii" typeface="Microsoft Yi Baiti"/>
+        <a:font script="Tibt" typeface="Microsoft Himalaya"/>
+        <a:font script="Thaa" typeface="MV Boli"/>
+        <a:font script="Deva" typeface="Mangal"/>
+        <a:font script="Telu" typeface="Gautami"/>
+        <a:font script="Taml" typeface="Latha"/>
+        <a:font script="Syrc" typeface="Estrangelo Edessa"/>
+        <a:font script="Orya" typeface="Kalinga"/>
+        <a:font script="Mlym" typeface="Kartika"/>
+        <a:font script="Laoo" typeface="DokChampa"/>
+        <a:font script="Sinh" typeface="Iskoola Pota"/>
+        <a:font script="Mong" typeface="Mongolian Baiti"/>
+        <a:font script="Viet" typeface="Times New Roman"/>
+        <a:font script="Uigh" typeface="Microsoft Uighur"/>
+        <a:font script="Geor" typeface="Sylfaen"/>
+      </a:majorFont>
+      <a:minorFont>
+        <a:latin typeface="Arial"/>
+        <a:ea typeface=""/>
+        <a:cs typeface=""/>
+        <a:font script="Jpan" typeface="ＭＳ Ｐゴシック"/>
+        <a:font script="Hang" typeface="맑은 고딕"/>
+        <a:font script="Hans" typeface="宋体"/>
+        <a:font script="Hant" typeface="新細明體"/>
+        <a:font script="Arab" typeface="Arial"/>
+        <a:font script="Hebr" typeface="Arial"/>
+        <a:font script="Thai" typeface="Cordia New"/>
+        <a:font script="Ethi" typeface="Nyala"/>
+        <a:font script="Beng" typeface="Vrinda"/>
+        <a:font script="Gujr" typeface="Shruti"/>
+        <a:font script="Khmr" typeface="DaunPenh"/>
+        <a:font script="Knda" typeface="Tunga"/>
+        <a:font script="Guru" typeface="Raavi"/>
+        <a:font script="Cans" typeface="Euphemia"/>
+        <a:font script="Cher" typeface="Plantagenet Cherokee"/>
+        <a:font script="Yiii" typeface="Microsoft Yi Baiti"/>
+        <a:font script="Tibt" typeface="Microsoft Himalaya"/>
+        <a:font script="Thaa" typeface="MV Boli"/>
+        <a:font script="Deva" typeface="Mangal"/>
+        <a:font script="Telu" typeface="Gautami"/>
+        <a:font script="Taml" typeface="Latha"/>
+        <a:font script="Syrc" typeface="Estrangelo Edessa"/>
+        <a:font script="Orya" typeface="Kalinga"/>
+        <a:font script="Mlym" typeface="Kartika"/>
+        <a:font script="Laoo" typeface="DokChampa"/>
+        <a:font script="Sinh" typeface="Iskoola Pota"/>
+        <a:font script="Mong" typeface="Mongolian Baiti"/>
+        <a:font script="Viet" typeface="Arial"/>
+        <a:font script="Uigh" typeface="Microsoft Uighur"/>
+        <a:font script="Geor" typeface="Sylfaen"/>
+      </a:minorFont>
+    </a:fontScheme>
+    <a:fmtScheme name="Office">
+      <a:fillStyleLst>
+        <a:solidFill>
+          <a:schemeClr val="phClr"/>
+        </a:solidFill>
+        <a:gradFill rotWithShape="1">
+          <a:gsLst>
+            <a:gs pos="0">
+              <a:schemeClr val="phClr">
+                <a:tint val="50000"/>
+                <a:satMod val="300000"/>
+              </a:schemeClr>
+            </a:gs>
+            <a:gs pos="35000">
+              <a:schemeClr val="phClr">
+                <a:tint val="37000"/>
+                <a:satMod val="300000"/>
+              </a:schemeClr>
+            </a:gs>
+            <a:gs pos="100000">
+              <a:schemeClr val="phClr">
+                <a:tint val="15000"/>
+                <a:satMod val="350000"/>
+              </a:schemeClr>
+            </a:gs>
+          </a:gsLst>
+          <a:lin ang="16200000" scaled="1"/>
+        </a:gradFill>
+        <a:gradFill rotWithShape="1">
+          <a:gsLst>
+            <a:gs pos="0">
+              <a:schemeClr val="phClr">
+                <a:tint val="100000"/>
+                <a:shade val="100000"/>
+                <a:satMod val="130000"/>
+              </a:schemeClr>
+            </a:gs>
+            <a:gs pos="100000">
+              <a:schemeClr val="phClr">
+                <a:tint val="50000"/>
+                <a:shade val="100000"/>
+                <a:satMod val="350000"/>
+              </a:schemeClr>
+            </a:gs>
+          </a:gsLst>
+          <a:lin ang="16200000" scaled="0"/>
+        </a:gradFill>
+      </a:fillStyleLst>
+      <a:lnStyleLst>
+        <a:ln w="9525" cap="flat" cmpd="sng" algn="ctr">
+          <a:solidFill>
+            <a:schemeClr val="phClr">
+              <a:shade val="95000"/>
+              <a:satMod val="105000"/>
+            </a:schemeClr>
+          </a:solidFill>
+          <a:prstDash val="solid"/>
+        </a:ln>
+        <a:ln w="25400" cap="flat" cmpd="sng" algn="ctr">
+          <a:solidFill>
+            <a:schemeClr val="phClr"/>
+          </a:solidFill>
+          <a:prstDash val="solid"/>
+        </a:ln>
+        <a:ln w="38100" cap="flat" cmpd="sng" algn="ctr">
+          <a:solidFill>
+            <a:schemeClr val="phClr"/>
+          </a:solidFill>
+          <a:prstDash val="solid"/>
+        </a:ln>
+      </a:lnStyleLst>
+      <a:effectStyleLst>
+        <a:effectStyle>
+          <a:effectLst>
+            <a:outerShdw blurRad="40000" dist="20000" dir="5400000" rotWithShape="0">
+              <a:srgbClr val="000000">
+                <a:alpha val="38000"/>
+              </a:srgbClr>
+            </a:outerShdw>
+          </a:effectLst>
+        </a:effectStyle>
+        <a:effectStyle>
+          <a:effectLst>
+            <a:outerShdw blurRad="40000" dist="23000" dir="5400000" rotWithShape="0">
+              <a:srgbClr val="000000">
+                <a:alpha val="35000"/>
+              </a:srgbClr>
+            </a:outerShdw>
+          </a:effectLst>
+        </a:effectStyle>
+        <a:effectStyle>
+          <a:effectLst>
+            <a:outerShdw blurRad="40000" dist="23000" dir="5400000" rotWithShape="0">
+              <a:srgbClr val="000000">
+                <a:alpha val="35000"/>
+              </a:srgbClr>
+            </a:outerShdw>
+          </a:effectLst>
+          <a:scene3d>
+            <a:camera prst="orthographicFront">
+              <a:rot lat="0" lon="0" rev="0"/>
+            </a:camera>
+            <a:lightRig rig="threePt" dir="t">
+              <a:rot lat="0" lon="0" rev="1200000"/>
+            </a:lightRig>
+          </a:scene3d>
+          <a:sp3d>
+            <a:bevelT w="63500" h="25400"/>
+          </a:sp3d>
+        </a:effectStyle>
+      </a:effectStyleLst>
+      <a:bgFillStyleLst>
+        <a:solidFill>
+          <a:schemeClr val="phClr"/>
+        </a:solidFill>
+        <a:gradFill rotWithShape="1">
+          <a:gsLst>
+            <a:gs pos="0">
+              <a:schemeClr val="phClr">
+                <a:tint val="40000"/>
+                <a:satMod val="350000"/>
+              </a:schemeClr>
+            </a:gs>
+            <a:gs pos="40000">
+              <a:schemeClr val="phClr">
+                <a:tint val="45000"/>
+                <a:shade val="99000"/>
+                <a:satMod val="350000"/>
+              </a:schemeClr>
+            </a:gs>
+            <a:gs pos="100000">
+              <a:schemeClr val="phClr">
+                <a:shade val="20000"/>
+                <a:satMod val="255000"/>
+              </a:schemeClr>
+            </a:gs>
+          </a:gsLst>
+          <a:path path="circle">
+            <a:fillToRect l="50000" t="-80000" r="50000" b="180000"/>
+          </a:path>
+        </a:gradFill>
+        <a:gradFill rotWithShape="1">
+          <a:gsLst>
+            <a:gs pos="0">
+              <a:schemeClr val="phClr">
+                <a:tint val="80000"/>
+                <a:satMod val="300000"/>
+              </a:schemeClr>
+            </a:gs>
+            <a:gs pos="100000">
+              <a:schemeClr val="phClr">
+                <a:shade val="30000"/>
+                <a:satMod val="200000"/>
+              </a:schemeClr>
+            </a:gs>
+          </a:gsLst>
+          <a:path path="circle">
+            <a:fillToRect l="50000" t="50000" r="50000" b="50000"/>
+          </a:path>
+        </a:gradFill>
+      </a:bgFillStyleLst>
+    </a:fmtScheme>
+  </a:themeElements>
+</a:theme>
+</file>
+
+<file path=ppt/theme/theme2.xml><?xml version="1.0" encoding="utf-8"?>
 <a:theme xmlns:a="http://schemas.openxmlformats.org/drawingml/2006/main" xmlns:r="http://schemas.openxmlformats.org/officeDocument/2006/relationships" name="UArizona Professional">
   <a:themeElements>
     <a:clrScheme name="Office">
@@ -25651,283 +25930,4 @@
     </a:fmtScheme>
   </a:themeElements>
 </a:theme>
-</file>
-
-<file path=ppt/theme/theme2.xml><?xml version="1.0" encoding="utf-8"?>
-<a:theme xmlns:a="http://schemas.openxmlformats.org/drawingml/2006/main" xmlns:r="http://schemas.openxmlformats.org/officeDocument/2006/relationships" name="Office Theme">
-  <a:themeElements>
-    <a:clrScheme name="Office">
-      <a:dk1>
-        <a:srgbClr val="000000"/>
-      </a:dk1>
-      <a:lt1>
-        <a:srgbClr val="FFFFFF"/>
-      </a:lt1>
-      <a:dk2>
-        <a:srgbClr val="44546A"/>
-      </a:dk2>
-      <a:lt2>
-        <a:srgbClr val="E7E6E6"/>
-      </a:lt2>
-      <a:accent1>
-        <a:srgbClr val="4472C4"/>
-      </a:accent1>
-      <a:accent2>
-        <a:srgbClr val="ED7D31"/>
-      </a:accent2>
-      <a:accent3>
-        <a:srgbClr val="A5A5A5"/>
-      </a:accent3>
-      <a:accent4>
-        <a:srgbClr val="FFC000"/>
-      </a:accent4>
-      <a:accent5>
-        <a:srgbClr val="5B9BD5"/>
-      </a:accent5>
-      <a:accent6>
-        <a:srgbClr val="70AD47"/>
-      </a:accent6>
-      <a:hlink>
-        <a:srgbClr val="0563C1"/>
-      </a:hlink>
-      <a:folHlink>
-        <a:srgbClr val="954F72"/>
-      </a:folHlink>
-    </a:clrScheme>
-    <a:fontScheme name="Office">
-      <a:majorFont>
-        <a:latin typeface="Arial"/>
-        <a:ea typeface=""/>
-        <a:cs typeface=""/>
-        <a:font script="Jpan" typeface="ＭＳ Ｐゴシック"/>
-        <a:font script="Hang" typeface="맑은 고딕"/>
-        <a:font script="Hans" typeface="宋体"/>
-        <a:font script="Hant" typeface="新細明體"/>
-        <a:font script="Arab" typeface="Times New Roman"/>
-        <a:font script="Hebr" typeface="Times New Roman"/>
-        <a:font script="Thai" typeface="Angsana New"/>
-        <a:font script="Ethi" typeface="Nyala"/>
-        <a:font script="Beng" typeface="Vrinda"/>
-        <a:font script="Gujr" typeface="Shruti"/>
-        <a:font script="Khmr" typeface="MoolBoran"/>
-        <a:font script="Knda" typeface="Tunga"/>
-        <a:font script="Guru" typeface="Raavi"/>
-        <a:font script="Cans" typeface="Euphemia"/>
-        <a:font script="Cher" typeface="Plantagenet Cherokee"/>
-        <a:font script="Yiii" typeface="Microsoft Yi Baiti"/>
-        <a:font script="Tibt" typeface="Microsoft Himalaya"/>
-        <a:font script="Thaa" typeface="MV Boli"/>
-        <a:font script="Deva" typeface="Mangal"/>
-        <a:font script="Telu" typeface="Gautami"/>
-        <a:font script="Taml" typeface="Latha"/>
-        <a:font script="Syrc" typeface="Estrangelo Edessa"/>
-        <a:font script="Orya" typeface="Kalinga"/>
-        <a:font script="Mlym" typeface="Kartika"/>
-        <a:font script="Laoo" typeface="DokChampa"/>
-        <a:font script="Sinh" typeface="Iskoola Pota"/>
-        <a:font script="Mong" typeface="Mongolian Baiti"/>
-        <a:font script="Viet" typeface="Times New Roman"/>
-        <a:font script="Uigh" typeface="Microsoft Uighur"/>
-        <a:font script="Geor" typeface="Sylfaen"/>
-      </a:majorFont>
-      <a:minorFont>
-        <a:latin typeface="Arial"/>
-        <a:ea typeface=""/>
-        <a:cs typeface=""/>
-        <a:font script="Jpan" typeface="ＭＳ Ｐゴシック"/>
-        <a:font script="Hang" typeface="맑은 고딕"/>
-        <a:font script="Hans" typeface="宋体"/>
-        <a:font script="Hant" typeface="新細明體"/>
-        <a:font script="Arab" typeface="Arial"/>
-        <a:font script="Hebr" typeface="Arial"/>
-        <a:font script="Thai" typeface="Cordia New"/>
-        <a:font script="Ethi" typeface="Nyala"/>
-        <a:font script="Beng" typeface="Vrinda"/>
-        <a:font script="Gujr" typeface="Shruti"/>
-        <a:font script="Khmr" typeface="DaunPenh"/>
-        <a:font script="Knda" typeface="Tunga"/>
-        <a:font script="Guru" typeface="Raavi"/>
-        <a:font script="Cans" typeface="Euphemia"/>
-        <a:font script="Cher" typeface="Plantagenet Cherokee"/>
-        <a:font script="Yiii" typeface="Microsoft Yi Baiti"/>
-        <a:font script="Tibt" typeface="Microsoft Himalaya"/>
-        <a:font script="Thaa" typeface="MV Boli"/>
-        <a:font script="Deva" typeface="Mangal"/>
-        <a:font script="Telu" typeface="Gautami"/>
-        <a:font script="Taml" typeface="Latha"/>
-        <a:font script="Syrc" typeface="Estrangelo Edessa"/>
-        <a:font script="Orya" typeface="Kalinga"/>
-        <a:font script="Mlym" typeface="Kartika"/>
-        <a:font script="Laoo" typeface="DokChampa"/>
-        <a:font script="Sinh" typeface="Iskoola Pota"/>
-        <a:font script="Mong" typeface="Mongolian Baiti"/>
-        <a:font script="Viet" typeface="Arial"/>
-        <a:font script="Uigh" typeface="Microsoft Uighur"/>
-        <a:font script="Geor" typeface="Sylfaen"/>
-      </a:minorFont>
-    </a:fontScheme>
-    <a:fmtScheme name="Office">
-      <a:fillStyleLst>
-        <a:solidFill>
-          <a:schemeClr val="phClr"/>
-        </a:solidFill>
-        <a:gradFill rotWithShape="1">
-          <a:gsLst>
-            <a:gs pos="0">
-              <a:schemeClr val="phClr">
-                <a:tint val="50000"/>
-                <a:satMod val="300000"/>
-              </a:schemeClr>
-            </a:gs>
-            <a:gs pos="35000">
-              <a:schemeClr val="phClr">
-                <a:tint val="37000"/>
-                <a:satMod val="300000"/>
-              </a:schemeClr>
-            </a:gs>
-            <a:gs pos="100000">
-              <a:schemeClr val="phClr">
-                <a:tint val="15000"/>
-                <a:satMod val="350000"/>
-              </a:schemeClr>
-            </a:gs>
-          </a:gsLst>
-          <a:lin ang="16200000" scaled="1"/>
-        </a:gradFill>
-        <a:gradFill rotWithShape="1">
-          <a:gsLst>
-            <a:gs pos="0">
-              <a:schemeClr val="phClr">
-                <a:tint val="100000"/>
-                <a:shade val="100000"/>
-                <a:satMod val="130000"/>
-              </a:schemeClr>
-            </a:gs>
-            <a:gs pos="100000">
-              <a:schemeClr val="phClr">
-                <a:tint val="50000"/>
-                <a:shade val="100000"/>
-                <a:satMod val="350000"/>
-              </a:schemeClr>
-            </a:gs>
-          </a:gsLst>
-          <a:lin ang="16200000" scaled="0"/>
-        </a:gradFill>
-      </a:fillStyleLst>
-      <a:lnStyleLst>
-        <a:ln w="9525" cap="flat" cmpd="sng" algn="ctr">
-          <a:solidFill>
-            <a:schemeClr val="phClr">
-              <a:shade val="95000"/>
-              <a:satMod val="105000"/>
-            </a:schemeClr>
-          </a:solidFill>
-          <a:prstDash val="solid"/>
-        </a:ln>
-        <a:ln w="25400" cap="flat" cmpd="sng" algn="ctr">
-          <a:solidFill>
-            <a:schemeClr val="phClr"/>
-          </a:solidFill>
-          <a:prstDash val="solid"/>
-        </a:ln>
-        <a:ln w="38100" cap="flat" cmpd="sng" algn="ctr">
-          <a:solidFill>
-            <a:schemeClr val="phClr"/>
-          </a:solidFill>
-          <a:prstDash val="solid"/>
-        </a:ln>
-      </a:lnStyleLst>
-      <a:effectStyleLst>
-        <a:effectStyle>
-          <a:effectLst>
-            <a:outerShdw blurRad="40000" dist="20000" dir="5400000" rotWithShape="0">
-              <a:srgbClr val="000000">
-                <a:alpha val="38000"/>
-              </a:srgbClr>
-            </a:outerShdw>
-          </a:effectLst>
-        </a:effectStyle>
-        <a:effectStyle>
-          <a:effectLst>
-            <a:outerShdw blurRad="40000" dist="23000" dir="5400000" rotWithShape="0">
-              <a:srgbClr val="000000">
-                <a:alpha val="35000"/>
-              </a:srgbClr>
-            </a:outerShdw>
-          </a:effectLst>
-        </a:effectStyle>
-        <a:effectStyle>
-          <a:effectLst>
-            <a:outerShdw blurRad="40000" dist="23000" dir="5400000" rotWithShape="0">
-              <a:srgbClr val="000000">
-                <a:alpha val="35000"/>
-              </a:srgbClr>
-            </a:outerShdw>
-          </a:effectLst>
-          <a:scene3d>
-            <a:camera prst="orthographicFront">
-              <a:rot lat="0" lon="0" rev="0"/>
-            </a:camera>
-            <a:lightRig rig="threePt" dir="t">
-              <a:rot lat="0" lon="0" rev="1200000"/>
-            </a:lightRig>
-          </a:scene3d>
-          <a:sp3d>
-            <a:bevelT w="63500" h="25400"/>
-          </a:sp3d>
-        </a:effectStyle>
-      </a:effectStyleLst>
-      <a:bgFillStyleLst>
-        <a:solidFill>
-          <a:schemeClr val="phClr"/>
-        </a:solidFill>
-        <a:gradFill rotWithShape="1">
-          <a:gsLst>
-            <a:gs pos="0">
-              <a:schemeClr val="phClr">
-                <a:tint val="40000"/>
-                <a:satMod val="350000"/>
-              </a:schemeClr>
-            </a:gs>
-            <a:gs pos="40000">
-              <a:schemeClr val="phClr">
-                <a:tint val="45000"/>
-                <a:shade val="99000"/>
-                <a:satMod val="350000"/>
-              </a:schemeClr>
-            </a:gs>
-            <a:gs pos="100000">
-              <a:schemeClr val="phClr">
-                <a:shade val="20000"/>
-                <a:satMod val="255000"/>
-              </a:schemeClr>
-            </a:gs>
-          </a:gsLst>
-          <a:path path="circle">
-            <a:fillToRect l="50000" t="-80000" r="50000" b="180000"/>
-          </a:path>
-        </a:gradFill>
-        <a:gradFill rotWithShape="1">
-          <a:gsLst>
-            <a:gs pos="0">
-              <a:schemeClr val="phClr">
-                <a:tint val="80000"/>
-                <a:satMod val="300000"/>
-              </a:schemeClr>
-            </a:gs>
-            <a:gs pos="100000">
-              <a:schemeClr val="phClr">
-                <a:shade val="30000"/>
-                <a:satMod val="200000"/>
-              </a:schemeClr>
-            </a:gs>
-          </a:gsLst>
-          <a:path path="circle">
-            <a:fillToRect l="50000" t="50000" r="50000" b="50000"/>
-          </a:path>
-        </a:gradFill>
-      </a:bgFillStyleLst>
-    </a:fmtScheme>
-  </a:themeElements>
-</a:theme>
 </file>